--- a/pptx/chap10.pptx
+++ b/pptx/chap10.pptx
@@ -2,10 +2,10 @@
 <file path=ppt/presentation.xml><?xml version="1.0" encoding="utf-8"?>
 <p:presentation xmlns:a="http://schemas.openxmlformats.org/drawingml/2006/main" xmlns:r="http://schemas.openxmlformats.org/officeDocument/2006/relationships" xmlns:p="http://schemas.openxmlformats.org/presentationml/2006/main" saveSubsetFonts="1">
   <p:sldMasterIdLst>
-    <p:sldMasterId id="2147483648" r:id="rId1"/>
+    <p:sldMasterId id="2147483660" r:id="rId1"/>
   </p:sldMasterIdLst>
   <p:sldIdLst>
-    <p:sldId id="273" r:id="rId2"/>
+    <p:sldId id="287" r:id="rId2"/>
     <p:sldId id="274" r:id="rId3"/>
     <p:sldId id="281" r:id="rId4"/>
     <p:sldId id="282" r:id="rId5"/>
@@ -14,14 +14,14 @@
     <p:sldId id="279" r:id="rId8"/>
     <p:sldId id="280" r:id="rId9"/>
   </p:sldIdLst>
-  <p:sldSz cx="9144000" cy="6858000" type="screen4x3"/>
+  <p:sldSz cx="12192000" cy="6858000"/>
   <p:notesSz cx="6858000" cy="9144000"/>
   <p:defaultTextStyle>
     <a:defPPr>
-      <a:defRPr lang="ja-JP"/>
+      <a:defRPr lang="en-US"/>
     </a:defPPr>
-    <a:lvl1pPr marL="0" algn="l" defTabSz="914400" rtl="0" eaLnBrk="1" latinLnBrk="0" hangingPunct="1">
-      <a:defRPr kumimoji="1" sz="1800" kern="1200">
+    <a:lvl1pPr marL="0" algn="l" defTabSz="457200" rtl="0" eaLnBrk="1" latinLnBrk="0" hangingPunct="1">
+      <a:defRPr sz="1800" kern="1200">
         <a:solidFill>
           <a:schemeClr val="tx1"/>
         </a:solidFill>
@@ -30,8 +30,8 @@
         <a:cs typeface="+mn-cs"/>
       </a:defRPr>
     </a:lvl1pPr>
-    <a:lvl2pPr marL="457200" algn="l" defTabSz="914400" rtl="0" eaLnBrk="1" latinLnBrk="0" hangingPunct="1">
-      <a:defRPr kumimoji="1" sz="1800" kern="1200">
+    <a:lvl2pPr marL="457200" algn="l" defTabSz="457200" rtl="0" eaLnBrk="1" latinLnBrk="0" hangingPunct="1">
+      <a:defRPr sz="1800" kern="1200">
         <a:solidFill>
           <a:schemeClr val="tx1"/>
         </a:solidFill>
@@ -40,8 +40,8 @@
         <a:cs typeface="+mn-cs"/>
       </a:defRPr>
     </a:lvl2pPr>
-    <a:lvl3pPr marL="914400" algn="l" defTabSz="914400" rtl="0" eaLnBrk="1" latinLnBrk="0" hangingPunct="1">
-      <a:defRPr kumimoji="1" sz="1800" kern="1200">
+    <a:lvl3pPr marL="914400" algn="l" defTabSz="457200" rtl="0" eaLnBrk="1" latinLnBrk="0" hangingPunct="1">
+      <a:defRPr sz="1800" kern="1200">
         <a:solidFill>
           <a:schemeClr val="tx1"/>
         </a:solidFill>
@@ -50,8 +50,8 @@
         <a:cs typeface="+mn-cs"/>
       </a:defRPr>
     </a:lvl3pPr>
-    <a:lvl4pPr marL="1371600" algn="l" defTabSz="914400" rtl="0" eaLnBrk="1" latinLnBrk="0" hangingPunct="1">
-      <a:defRPr kumimoji="1" sz="1800" kern="1200">
+    <a:lvl4pPr marL="1371600" algn="l" defTabSz="457200" rtl="0" eaLnBrk="1" latinLnBrk="0" hangingPunct="1">
+      <a:defRPr sz="1800" kern="1200">
         <a:solidFill>
           <a:schemeClr val="tx1"/>
         </a:solidFill>
@@ -60,8 +60,8 @@
         <a:cs typeface="+mn-cs"/>
       </a:defRPr>
     </a:lvl4pPr>
-    <a:lvl5pPr marL="1828800" algn="l" defTabSz="914400" rtl="0" eaLnBrk="1" latinLnBrk="0" hangingPunct="1">
-      <a:defRPr kumimoji="1" sz="1800" kern="1200">
+    <a:lvl5pPr marL="1828800" algn="l" defTabSz="457200" rtl="0" eaLnBrk="1" latinLnBrk="0" hangingPunct="1">
+      <a:defRPr sz="1800" kern="1200">
         <a:solidFill>
           <a:schemeClr val="tx1"/>
         </a:solidFill>
@@ -70,8 +70,8 @@
         <a:cs typeface="+mn-cs"/>
       </a:defRPr>
     </a:lvl5pPr>
-    <a:lvl6pPr marL="2286000" algn="l" defTabSz="914400" rtl="0" eaLnBrk="1" latinLnBrk="0" hangingPunct="1">
-      <a:defRPr kumimoji="1" sz="1800" kern="1200">
+    <a:lvl6pPr marL="2286000" algn="l" defTabSz="457200" rtl="0" eaLnBrk="1" latinLnBrk="0" hangingPunct="1">
+      <a:defRPr sz="1800" kern="1200">
         <a:solidFill>
           <a:schemeClr val="tx1"/>
         </a:solidFill>
@@ -80,8 +80,8 @@
         <a:cs typeface="+mn-cs"/>
       </a:defRPr>
     </a:lvl6pPr>
-    <a:lvl7pPr marL="2743200" algn="l" defTabSz="914400" rtl="0" eaLnBrk="1" latinLnBrk="0" hangingPunct="1">
-      <a:defRPr kumimoji="1" sz="1800" kern="1200">
+    <a:lvl7pPr marL="2743200" algn="l" defTabSz="457200" rtl="0" eaLnBrk="1" latinLnBrk="0" hangingPunct="1">
+      <a:defRPr sz="1800" kern="1200">
         <a:solidFill>
           <a:schemeClr val="tx1"/>
         </a:solidFill>
@@ -90,8 +90,8 @@
         <a:cs typeface="+mn-cs"/>
       </a:defRPr>
     </a:lvl7pPr>
-    <a:lvl8pPr marL="3200400" algn="l" defTabSz="914400" rtl="0" eaLnBrk="1" latinLnBrk="0" hangingPunct="1">
-      <a:defRPr kumimoji="1" sz="1800" kern="1200">
+    <a:lvl8pPr marL="3200400" algn="l" defTabSz="457200" rtl="0" eaLnBrk="1" latinLnBrk="0" hangingPunct="1">
+      <a:defRPr sz="1800" kern="1200">
         <a:solidFill>
           <a:schemeClr val="tx1"/>
         </a:solidFill>
@@ -100,8 +100,8 @@
         <a:cs typeface="+mn-cs"/>
       </a:defRPr>
     </a:lvl8pPr>
-    <a:lvl9pPr marL="3657600" algn="l" defTabSz="914400" rtl="0" eaLnBrk="1" latinLnBrk="0" hangingPunct="1">
-      <a:defRPr kumimoji="1" sz="1800" kern="1200">
+    <a:lvl9pPr marL="3657600" algn="l" defTabSz="457200" rtl="0" eaLnBrk="1" latinLnBrk="0" hangingPunct="1">
+      <a:defRPr sz="1800" kern="1200">
         <a:solidFill>
           <a:schemeClr val="tx1"/>
         </a:solidFill>
@@ -117,10 +117,6 @@
     </p:ext>
   </p:extLst>
 </p:presentation>
-</file>
-
-<file path=ppt/revisionInfo.xml><?xml version="1.0" encoding="utf-8"?>
-<p1510:revInfo xmlns:a="http://schemas.openxmlformats.org/drawingml/2006/main" xmlns:r="http://schemas.openxmlformats.org/officeDocument/2006/relationships" xmlns:p1510="http://schemas.microsoft.com/office/powerpoint/2015/10/main"/>
 </file>
 
 <file path=ppt/slideLayouts/slideLayout1.xml><?xml version="1.0" encoding="utf-8"?>
@@ -142,13 +138,7 @@
       </p:grpSpPr>
       <p:sp>
         <p:nvSpPr>
-          <p:cNvPr id="2" name="タイトル 1">
-            <a:extLst>
-              <a:ext uri="{FF2B5EF4-FFF2-40B4-BE49-F238E27FC236}">
-                <a16:creationId xmlns:a16="http://schemas.microsoft.com/office/drawing/2014/main" id="{490F5702-5D73-444E-8951-B738CBD0E5BE}"/>
-              </a:ext>
-            </a:extLst>
-          </p:cNvPr>
+          <p:cNvPr id="2" name="Title 1"/>
           <p:cNvSpPr>
             <a:spLocks noGrp="1"/>
           </p:cNvSpPr>
@@ -158,8 +148,8 @@
         </p:nvSpPr>
         <p:spPr>
           <a:xfrm>
-            <a:off x="1143000" y="1122363"/>
-            <a:ext cx="6858000" cy="2387600"/>
+            <a:off x="1524000" y="1122363"/>
+            <a:ext cx="9144000" cy="2387600"/>
           </a:xfrm>
         </p:spPr>
         <p:txBody>
@@ -171,21 +161,16 @@
           </a:lstStyle>
           <a:p>
             <a:r>
-              <a:rPr kumimoji="1" lang="ja-JP" altLang="en-US"/>
+              <a:rPr lang="ja-JP" altLang="en-US"/>
               <a:t>マスター タイトルの書式設定</a:t>
             </a:r>
-          </a:p>
-        </p:txBody>
-      </p:sp>
-      <p:sp>
-        <p:nvSpPr>
-          <p:cNvPr id="3" name="サブタイトル 2">
-            <a:extLst>
-              <a:ext uri="{FF2B5EF4-FFF2-40B4-BE49-F238E27FC236}">
-                <a16:creationId xmlns:a16="http://schemas.microsoft.com/office/drawing/2014/main" id="{92151FC2-914A-40A1-AFA3-889561BB0D24}"/>
-              </a:ext>
-            </a:extLst>
-          </p:cNvPr>
+            <a:endParaRPr lang="en-US" dirty="0"/>
+          </a:p>
+        </p:txBody>
+      </p:sp>
+      <p:sp>
+        <p:nvSpPr>
+          <p:cNvPr id="3" name="Subtitle 2"/>
           <p:cNvSpPr>
             <a:spLocks noGrp="1"/>
           </p:cNvSpPr>
@@ -195,8 +180,8 @@
         </p:nvSpPr>
         <p:spPr>
           <a:xfrm>
-            <a:off x="1143000" y="3602038"/>
-            <a:ext cx="6858000" cy="1655762"/>
+            <a:off x="1524000" y="3602038"/>
+            <a:ext cx="9144000" cy="1655762"/>
           </a:xfrm>
         </p:spPr>
         <p:txBody>
@@ -241,21 +226,16 @@
           </a:lstStyle>
           <a:p>
             <a:r>
-              <a:rPr kumimoji="1" lang="ja-JP" altLang="en-US"/>
+              <a:rPr lang="ja-JP" altLang="en-US"/>
               <a:t>マスター サブタイトルの書式設定</a:t>
             </a:r>
-          </a:p>
-        </p:txBody>
-      </p:sp>
-      <p:sp>
-        <p:nvSpPr>
-          <p:cNvPr id="4" name="日付プレースホルダー 3">
-            <a:extLst>
-              <a:ext uri="{FF2B5EF4-FFF2-40B4-BE49-F238E27FC236}">
-                <a16:creationId xmlns:a16="http://schemas.microsoft.com/office/drawing/2014/main" id="{A5871356-BBC6-4101-A899-68ED57221D85}"/>
-              </a:ext>
-            </a:extLst>
-          </p:cNvPr>
+            <a:endParaRPr lang="en-US" dirty="0"/>
+          </a:p>
+        </p:txBody>
+      </p:sp>
+      <p:sp>
+        <p:nvSpPr>
+          <p:cNvPr id="4" name="Date Placeholder 3"/>
           <p:cNvSpPr>
             <a:spLocks noGrp="1"/>
           </p:cNvSpPr>
@@ -270,7 +250,7 @@
           <a:p>
             <a:fld id="{BCC3470B-979D-4AC3-9CEF-E2615858CE2E}" type="datetimeFigureOut">
               <a:rPr kumimoji="1" lang="ja-JP" altLang="en-US" smtClean="0"/>
-              <a:t>2017/9/12</a:t>
+              <a:t>2023/8/25</a:t>
             </a:fld>
             <a:endParaRPr kumimoji="1" lang="ja-JP" altLang="en-US"/>
           </a:p>
@@ -278,13 +258,7 @@
       </p:sp>
       <p:sp>
         <p:nvSpPr>
-          <p:cNvPr id="5" name="フッター プレースホルダー 4">
-            <a:extLst>
-              <a:ext uri="{FF2B5EF4-FFF2-40B4-BE49-F238E27FC236}">
-                <a16:creationId xmlns:a16="http://schemas.microsoft.com/office/drawing/2014/main" id="{1A645758-572A-4888-B100-B96321DE5302}"/>
-              </a:ext>
-            </a:extLst>
-          </p:cNvPr>
+          <p:cNvPr id="5" name="Footer Placeholder 4"/>
           <p:cNvSpPr>
             <a:spLocks noGrp="1"/>
           </p:cNvSpPr>
@@ -303,13 +277,7 @@
       </p:sp>
       <p:sp>
         <p:nvSpPr>
-          <p:cNvPr id="6" name="スライド番号プレースホルダー 5">
-            <a:extLst>
-              <a:ext uri="{FF2B5EF4-FFF2-40B4-BE49-F238E27FC236}">
-                <a16:creationId xmlns:a16="http://schemas.microsoft.com/office/drawing/2014/main" id="{EDAF273E-F96B-4748-B86E-108E6C4C6FD0}"/>
-              </a:ext>
-            </a:extLst>
-          </p:cNvPr>
+          <p:cNvPr id="6" name="Slide Number Placeholder 5"/>
           <p:cNvSpPr>
             <a:spLocks noGrp="1"/>
           </p:cNvSpPr>
@@ -333,7 +301,7 @@
     </p:spTree>
     <p:extLst>
       <p:ext uri="{BB962C8B-B14F-4D97-AF65-F5344CB8AC3E}">
-        <p14:creationId xmlns:p14="http://schemas.microsoft.com/office/powerpoint/2010/main" val="816187851"/>
+        <p14:creationId xmlns:p14="http://schemas.microsoft.com/office/powerpoint/2010/main" val="824766498"/>
       </p:ext>
     </p:extLst>
   </p:cSld>
@@ -362,13 +330,7 @@
       </p:grpSpPr>
       <p:sp>
         <p:nvSpPr>
-          <p:cNvPr id="2" name="タイトル 1">
-            <a:extLst>
-              <a:ext uri="{FF2B5EF4-FFF2-40B4-BE49-F238E27FC236}">
-                <a16:creationId xmlns:a16="http://schemas.microsoft.com/office/drawing/2014/main" id="{19326C56-05B2-4045-A427-F214C2579896}"/>
-              </a:ext>
-            </a:extLst>
-          </p:cNvPr>
+          <p:cNvPr id="2" name="Title 1"/>
           <p:cNvSpPr>
             <a:spLocks noGrp="1"/>
           </p:cNvSpPr>
@@ -382,21 +344,16 @@
           <a:lstStyle/>
           <a:p>
             <a:r>
-              <a:rPr kumimoji="1" lang="ja-JP" altLang="en-US"/>
+              <a:rPr lang="ja-JP" altLang="en-US"/>
               <a:t>マスター タイトルの書式設定</a:t>
             </a:r>
-          </a:p>
-        </p:txBody>
-      </p:sp>
-      <p:sp>
-        <p:nvSpPr>
-          <p:cNvPr id="3" name="縦書きテキスト プレースホルダー 2">
-            <a:extLst>
-              <a:ext uri="{FF2B5EF4-FFF2-40B4-BE49-F238E27FC236}">
-                <a16:creationId xmlns:a16="http://schemas.microsoft.com/office/drawing/2014/main" id="{CF53802B-347E-4462-8C96-469EB0800092}"/>
-              </a:ext>
-            </a:extLst>
-          </p:cNvPr>
+            <a:endParaRPr lang="en-US" dirty="0"/>
+          </a:p>
+        </p:txBody>
+      </p:sp>
+      <p:sp>
+        <p:nvSpPr>
+          <p:cNvPr id="3" name="Vertical Text Placeholder 2"/>
           <p:cNvSpPr>
             <a:spLocks noGrp="1"/>
           </p:cNvSpPr>
@@ -411,81 +368,76 @@
           <a:p>
             <a:pPr lvl="0"/>
             <a:r>
-              <a:rPr kumimoji="1" lang="ja-JP" altLang="en-US"/>
+              <a:rPr lang="ja-JP" altLang="en-US"/>
               <a:t>マスター テキストの書式設定</a:t>
             </a:r>
           </a:p>
           <a:p>
             <a:pPr lvl="1"/>
             <a:r>
-              <a:rPr kumimoji="1" lang="ja-JP" altLang="en-US"/>
+              <a:rPr lang="ja-JP" altLang="en-US"/>
               <a:t>第 </a:t>
             </a:r>
             <a:r>
-              <a:rPr kumimoji="1" lang="en-US" altLang="ja-JP"/>
+              <a:rPr lang="en-US" altLang="ja-JP"/>
               <a:t>2 </a:t>
             </a:r>
             <a:r>
-              <a:rPr kumimoji="1" lang="ja-JP" altLang="en-US"/>
+              <a:rPr lang="ja-JP" altLang="en-US"/>
               <a:t>レベル</a:t>
             </a:r>
           </a:p>
           <a:p>
             <a:pPr lvl="2"/>
             <a:r>
-              <a:rPr kumimoji="1" lang="ja-JP" altLang="en-US"/>
+              <a:rPr lang="ja-JP" altLang="en-US"/>
               <a:t>第 </a:t>
             </a:r>
             <a:r>
-              <a:rPr kumimoji="1" lang="en-US" altLang="ja-JP"/>
+              <a:rPr lang="en-US" altLang="ja-JP"/>
               <a:t>3 </a:t>
             </a:r>
             <a:r>
-              <a:rPr kumimoji="1" lang="ja-JP" altLang="en-US"/>
+              <a:rPr lang="ja-JP" altLang="en-US"/>
               <a:t>レベル</a:t>
             </a:r>
           </a:p>
           <a:p>
             <a:pPr lvl="3"/>
             <a:r>
-              <a:rPr kumimoji="1" lang="ja-JP" altLang="en-US"/>
+              <a:rPr lang="ja-JP" altLang="en-US"/>
               <a:t>第 </a:t>
             </a:r>
             <a:r>
-              <a:rPr kumimoji="1" lang="en-US" altLang="ja-JP"/>
+              <a:rPr lang="en-US" altLang="ja-JP"/>
               <a:t>4 </a:t>
             </a:r>
             <a:r>
-              <a:rPr kumimoji="1" lang="ja-JP" altLang="en-US"/>
+              <a:rPr lang="ja-JP" altLang="en-US"/>
               <a:t>レベル</a:t>
             </a:r>
           </a:p>
           <a:p>
             <a:pPr lvl="4"/>
             <a:r>
-              <a:rPr kumimoji="1" lang="ja-JP" altLang="en-US"/>
+              <a:rPr lang="ja-JP" altLang="en-US"/>
               <a:t>第 </a:t>
             </a:r>
             <a:r>
-              <a:rPr kumimoji="1" lang="en-US" altLang="ja-JP"/>
+              <a:rPr lang="en-US" altLang="ja-JP"/>
               <a:t>5 </a:t>
             </a:r>
             <a:r>
-              <a:rPr kumimoji="1" lang="ja-JP" altLang="en-US"/>
+              <a:rPr lang="ja-JP" altLang="en-US"/>
               <a:t>レベル</a:t>
             </a:r>
-          </a:p>
-        </p:txBody>
-      </p:sp>
-      <p:sp>
-        <p:nvSpPr>
-          <p:cNvPr id="4" name="日付プレースホルダー 3">
-            <a:extLst>
-              <a:ext uri="{FF2B5EF4-FFF2-40B4-BE49-F238E27FC236}">
-                <a16:creationId xmlns:a16="http://schemas.microsoft.com/office/drawing/2014/main" id="{8784DDE4-33A8-4813-93FC-E4AD3B1CE7AD}"/>
-              </a:ext>
-            </a:extLst>
-          </p:cNvPr>
+            <a:endParaRPr lang="en-US" dirty="0"/>
+          </a:p>
+        </p:txBody>
+      </p:sp>
+      <p:sp>
+        <p:nvSpPr>
+          <p:cNvPr id="4" name="Date Placeholder 3"/>
           <p:cNvSpPr>
             <a:spLocks noGrp="1"/>
           </p:cNvSpPr>
@@ -500,7 +452,7 @@
           <a:p>
             <a:fld id="{BCC3470B-979D-4AC3-9CEF-E2615858CE2E}" type="datetimeFigureOut">
               <a:rPr kumimoji="1" lang="ja-JP" altLang="en-US" smtClean="0"/>
-              <a:t>2017/9/12</a:t>
+              <a:t>2023/8/25</a:t>
             </a:fld>
             <a:endParaRPr kumimoji="1" lang="ja-JP" altLang="en-US"/>
           </a:p>
@@ -508,13 +460,7 @@
       </p:sp>
       <p:sp>
         <p:nvSpPr>
-          <p:cNvPr id="5" name="フッター プレースホルダー 4">
-            <a:extLst>
-              <a:ext uri="{FF2B5EF4-FFF2-40B4-BE49-F238E27FC236}">
-                <a16:creationId xmlns:a16="http://schemas.microsoft.com/office/drawing/2014/main" id="{E3502423-BA24-4C5A-B6C2-E8442A0053D1}"/>
-              </a:ext>
-            </a:extLst>
-          </p:cNvPr>
+          <p:cNvPr id="5" name="Footer Placeholder 4"/>
           <p:cNvSpPr>
             <a:spLocks noGrp="1"/>
           </p:cNvSpPr>
@@ -533,13 +479,7 @@
       </p:sp>
       <p:sp>
         <p:nvSpPr>
-          <p:cNvPr id="6" name="スライド番号プレースホルダー 5">
-            <a:extLst>
-              <a:ext uri="{FF2B5EF4-FFF2-40B4-BE49-F238E27FC236}">
-                <a16:creationId xmlns:a16="http://schemas.microsoft.com/office/drawing/2014/main" id="{F2781BD3-6ED3-44FD-8E72-04E946C69C01}"/>
-              </a:ext>
-            </a:extLst>
-          </p:cNvPr>
+          <p:cNvPr id="6" name="Slide Number Placeholder 5"/>
           <p:cNvSpPr>
             <a:spLocks noGrp="1"/>
           </p:cNvSpPr>
@@ -563,7 +503,7 @@
     </p:spTree>
     <p:extLst>
       <p:ext uri="{BB962C8B-B14F-4D97-AF65-F5344CB8AC3E}">
-        <p14:creationId xmlns:p14="http://schemas.microsoft.com/office/powerpoint/2010/main" val="397647011"/>
+        <p14:creationId xmlns:p14="http://schemas.microsoft.com/office/powerpoint/2010/main" val="2520207670"/>
       </p:ext>
     </p:extLst>
   </p:cSld>
@@ -592,13 +532,7 @@
       </p:grpSpPr>
       <p:sp>
         <p:nvSpPr>
-          <p:cNvPr id="2" name="縦書きタイトル 1">
-            <a:extLst>
-              <a:ext uri="{FF2B5EF4-FFF2-40B4-BE49-F238E27FC236}">
-                <a16:creationId xmlns:a16="http://schemas.microsoft.com/office/drawing/2014/main" id="{017A9D40-9D15-450D-82F8-D655384016D5}"/>
-              </a:ext>
-            </a:extLst>
-          </p:cNvPr>
+          <p:cNvPr id="2" name="Vertical Title 1"/>
           <p:cNvSpPr>
             <a:spLocks noGrp="1"/>
           </p:cNvSpPr>
@@ -608,8 +542,8 @@
         </p:nvSpPr>
         <p:spPr>
           <a:xfrm>
-            <a:off x="6543675" y="365125"/>
-            <a:ext cx="1971675" cy="5811838"/>
+            <a:off x="8724900" y="365125"/>
+            <a:ext cx="2628900" cy="5811838"/>
           </a:xfrm>
         </p:spPr>
         <p:txBody>
@@ -617,21 +551,16 @@
           <a:lstStyle/>
           <a:p>
             <a:r>
-              <a:rPr kumimoji="1" lang="ja-JP" altLang="en-US"/>
+              <a:rPr lang="ja-JP" altLang="en-US"/>
               <a:t>マスター タイトルの書式設定</a:t>
             </a:r>
-          </a:p>
-        </p:txBody>
-      </p:sp>
-      <p:sp>
-        <p:nvSpPr>
-          <p:cNvPr id="3" name="縦書きテキスト プレースホルダー 2">
-            <a:extLst>
-              <a:ext uri="{FF2B5EF4-FFF2-40B4-BE49-F238E27FC236}">
-                <a16:creationId xmlns:a16="http://schemas.microsoft.com/office/drawing/2014/main" id="{5DAC8398-BD6E-46E7-9AD6-7AFEC6690000}"/>
-              </a:ext>
-            </a:extLst>
-          </p:cNvPr>
+            <a:endParaRPr lang="en-US" dirty="0"/>
+          </a:p>
+        </p:txBody>
+      </p:sp>
+      <p:sp>
+        <p:nvSpPr>
+          <p:cNvPr id="3" name="Vertical Text Placeholder 2"/>
           <p:cNvSpPr>
             <a:spLocks noGrp="1"/>
           </p:cNvSpPr>
@@ -641,8 +570,8 @@
         </p:nvSpPr>
         <p:spPr>
           <a:xfrm>
-            <a:off x="628650" y="365125"/>
-            <a:ext cx="5800725" cy="5811838"/>
+            <a:off x="838200" y="365125"/>
+            <a:ext cx="7734300" cy="5811838"/>
           </a:xfrm>
         </p:spPr>
         <p:txBody>
@@ -651,81 +580,76 @@
           <a:p>
             <a:pPr lvl="0"/>
             <a:r>
-              <a:rPr kumimoji="1" lang="ja-JP" altLang="en-US"/>
+              <a:rPr lang="ja-JP" altLang="en-US"/>
               <a:t>マスター テキストの書式設定</a:t>
             </a:r>
           </a:p>
           <a:p>
             <a:pPr lvl="1"/>
             <a:r>
-              <a:rPr kumimoji="1" lang="ja-JP" altLang="en-US"/>
+              <a:rPr lang="ja-JP" altLang="en-US"/>
               <a:t>第 </a:t>
             </a:r>
             <a:r>
-              <a:rPr kumimoji="1" lang="en-US" altLang="ja-JP"/>
+              <a:rPr lang="en-US" altLang="ja-JP"/>
               <a:t>2 </a:t>
             </a:r>
             <a:r>
-              <a:rPr kumimoji="1" lang="ja-JP" altLang="en-US"/>
+              <a:rPr lang="ja-JP" altLang="en-US"/>
               <a:t>レベル</a:t>
             </a:r>
           </a:p>
           <a:p>
             <a:pPr lvl="2"/>
             <a:r>
-              <a:rPr kumimoji="1" lang="ja-JP" altLang="en-US"/>
+              <a:rPr lang="ja-JP" altLang="en-US"/>
               <a:t>第 </a:t>
             </a:r>
             <a:r>
-              <a:rPr kumimoji="1" lang="en-US" altLang="ja-JP"/>
+              <a:rPr lang="en-US" altLang="ja-JP"/>
               <a:t>3 </a:t>
             </a:r>
             <a:r>
-              <a:rPr kumimoji="1" lang="ja-JP" altLang="en-US"/>
+              <a:rPr lang="ja-JP" altLang="en-US"/>
               <a:t>レベル</a:t>
             </a:r>
           </a:p>
           <a:p>
             <a:pPr lvl="3"/>
             <a:r>
-              <a:rPr kumimoji="1" lang="ja-JP" altLang="en-US"/>
+              <a:rPr lang="ja-JP" altLang="en-US"/>
               <a:t>第 </a:t>
             </a:r>
             <a:r>
-              <a:rPr kumimoji="1" lang="en-US" altLang="ja-JP"/>
+              <a:rPr lang="en-US" altLang="ja-JP"/>
               <a:t>4 </a:t>
             </a:r>
             <a:r>
-              <a:rPr kumimoji="1" lang="ja-JP" altLang="en-US"/>
+              <a:rPr lang="ja-JP" altLang="en-US"/>
               <a:t>レベル</a:t>
             </a:r>
           </a:p>
           <a:p>
             <a:pPr lvl="4"/>
             <a:r>
-              <a:rPr kumimoji="1" lang="ja-JP" altLang="en-US"/>
+              <a:rPr lang="ja-JP" altLang="en-US"/>
               <a:t>第 </a:t>
             </a:r>
             <a:r>
-              <a:rPr kumimoji="1" lang="en-US" altLang="ja-JP"/>
+              <a:rPr lang="en-US" altLang="ja-JP"/>
               <a:t>5 </a:t>
             </a:r>
             <a:r>
-              <a:rPr kumimoji="1" lang="ja-JP" altLang="en-US"/>
+              <a:rPr lang="ja-JP" altLang="en-US"/>
               <a:t>レベル</a:t>
             </a:r>
-          </a:p>
-        </p:txBody>
-      </p:sp>
-      <p:sp>
-        <p:nvSpPr>
-          <p:cNvPr id="4" name="日付プレースホルダー 3">
-            <a:extLst>
-              <a:ext uri="{FF2B5EF4-FFF2-40B4-BE49-F238E27FC236}">
-                <a16:creationId xmlns:a16="http://schemas.microsoft.com/office/drawing/2014/main" id="{6FDBFB86-749B-427D-A94D-7E724F8A4B87}"/>
-              </a:ext>
-            </a:extLst>
-          </p:cNvPr>
+            <a:endParaRPr lang="en-US" dirty="0"/>
+          </a:p>
+        </p:txBody>
+      </p:sp>
+      <p:sp>
+        <p:nvSpPr>
+          <p:cNvPr id="4" name="Date Placeholder 3"/>
           <p:cNvSpPr>
             <a:spLocks noGrp="1"/>
           </p:cNvSpPr>
@@ -740,7 +664,7 @@
           <a:p>
             <a:fld id="{BCC3470B-979D-4AC3-9CEF-E2615858CE2E}" type="datetimeFigureOut">
               <a:rPr kumimoji="1" lang="ja-JP" altLang="en-US" smtClean="0"/>
-              <a:t>2017/9/12</a:t>
+              <a:t>2023/8/25</a:t>
             </a:fld>
             <a:endParaRPr kumimoji="1" lang="ja-JP" altLang="en-US"/>
           </a:p>
@@ -748,13 +672,7 @@
       </p:sp>
       <p:sp>
         <p:nvSpPr>
-          <p:cNvPr id="5" name="フッター プレースホルダー 4">
-            <a:extLst>
-              <a:ext uri="{FF2B5EF4-FFF2-40B4-BE49-F238E27FC236}">
-                <a16:creationId xmlns:a16="http://schemas.microsoft.com/office/drawing/2014/main" id="{46D97FC8-D55E-481F-831E-8B0923FAC4A8}"/>
-              </a:ext>
-            </a:extLst>
-          </p:cNvPr>
+          <p:cNvPr id="5" name="Footer Placeholder 4"/>
           <p:cNvSpPr>
             <a:spLocks noGrp="1"/>
           </p:cNvSpPr>
@@ -773,13 +691,7 @@
       </p:sp>
       <p:sp>
         <p:nvSpPr>
-          <p:cNvPr id="6" name="スライド番号プレースホルダー 5">
-            <a:extLst>
-              <a:ext uri="{FF2B5EF4-FFF2-40B4-BE49-F238E27FC236}">
-                <a16:creationId xmlns:a16="http://schemas.microsoft.com/office/drawing/2014/main" id="{00D79B48-AC5C-4428-AC16-9C5205B7981C}"/>
-              </a:ext>
-            </a:extLst>
-          </p:cNvPr>
+          <p:cNvPr id="6" name="Slide Number Placeholder 5"/>
           <p:cNvSpPr>
             <a:spLocks noGrp="1"/>
           </p:cNvSpPr>
@@ -803,7 +715,7 @@
     </p:spTree>
     <p:extLst>
       <p:ext uri="{BB962C8B-B14F-4D97-AF65-F5344CB8AC3E}">
-        <p14:creationId xmlns:p14="http://schemas.microsoft.com/office/powerpoint/2010/main" val="1659054291"/>
+        <p14:creationId xmlns:p14="http://schemas.microsoft.com/office/powerpoint/2010/main" val="596270214"/>
       </p:ext>
     </p:extLst>
   </p:cSld>
@@ -832,13 +744,7 @@
       </p:grpSpPr>
       <p:sp>
         <p:nvSpPr>
-          <p:cNvPr id="2" name="タイトル 1">
-            <a:extLst>
-              <a:ext uri="{FF2B5EF4-FFF2-40B4-BE49-F238E27FC236}">
-                <a16:creationId xmlns:a16="http://schemas.microsoft.com/office/drawing/2014/main" id="{758DFCA2-5DB0-4083-8B4C-8DE6F01C0D39}"/>
-              </a:ext>
-            </a:extLst>
-          </p:cNvPr>
+          <p:cNvPr id="2" name="Title 1"/>
           <p:cNvSpPr>
             <a:spLocks noGrp="1"/>
           </p:cNvSpPr>
@@ -852,21 +758,16 @@
           <a:lstStyle/>
           <a:p>
             <a:r>
-              <a:rPr kumimoji="1" lang="ja-JP" altLang="en-US"/>
+              <a:rPr lang="ja-JP" altLang="en-US"/>
               <a:t>マスター タイトルの書式設定</a:t>
             </a:r>
-          </a:p>
-        </p:txBody>
-      </p:sp>
-      <p:sp>
-        <p:nvSpPr>
-          <p:cNvPr id="3" name="コンテンツ プレースホルダー 2">
-            <a:extLst>
-              <a:ext uri="{FF2B5EF4-FFF2-40B4-BE49-F238E27FC236}">
-                <a16:creationId xmlns:a16="http://schemas.microsoft.com/office/drawing/2014/main" id="{FFBDDB16-CBD2-4229-9A15-50C8AE44729F}"/>
-              </a:ext>
-            </a:extLst>
-          </p:cNvPr>
+            <a:endParaRPr lang="en-US" dirty="0"/>
+          </a:p>
+        </p:txBody>
+      </p:sp>
+      <p:sp>
+        <p:nvSpPr>
+          <p:cNvPr id="3" name="Content Placeholder 2"/>
           <p:cNvSpPr>
             <a:spLocks noGrp="1"/>
           </p:cNvSpPr>
@@ -881,81 +782,76 @@
           <a:p>
             <a:pPr lvl="0"/>
             <a:r>
-              <a:rPr kumimoji="1" lang="ja-JP" altLang="en-US"/>
+              <a:rPr lang="ja-JP" altLang="en-US"/>
               <a:t>マスター テキストの書式設定</a:t>
             </a:r>
           </a:p>
           <a:p>
             <a:pPr lvl="1"/>
             <a:r>
-              <a:rPr kumimoji="1" lang="ja-JP" altLang="en-US"/>
+              <a:rPr lang="ja-JP" altLang="en-US"/>
               <a:t>第 </a:t>
             </a:r>
             <a:r>
-              <a:rPr kumimoji="1" lang="en-US" altLang="ja-JP"/>
+              <a:rPr lang="en-US" altLang="ja-JP"/>
               <a:t>2 </a:t>
             </a:r>
             <a:r>
-              <a:rPr kumimoji="1" lang="ja-JP" altLang="en-US"/>
+              <a:rPr lang="ja-JP" altLang="en-US"/>
               <a:t>レベル</a:t>
             </a:r>
           </a:p>
           <a:p>
             <a:pPr lvl="2"/>
             <a:r>
-              <a:rPr kumimoji="1" lang="ja-JP" altLang="en-US"/>
+              <a:rPr lang="ja-JP" altLang="en-US"/>
               <a:t>第 </a:t>
             </a:r>
             <a:r>
-              <a:rPr kumimoji="1" lang="en-US" altLang="ja-JP"/>
+              <a:rPr lang="en-US" altLang="ja-JP"/>
               <a:t>3 </a:t>
             </a:r>
             <a:r>
-              <a:rPr kumimoji="1" lang="ja-JP" altLang="en-US"/>
+              <a:rPr lang="ja-JP" altLang="en-US"/>
               <a:t>レベル</a:t>
             </a:r>
           </a:p>
           <a:p>
             <a:pPr lvl="3"/>
             <a:r>
-              <a:rPr kumimoji="1" lang="ja-JP" altLang="en-US"/>
+              <a:rPr lang="ja-JP" altLang="en-US"/>
               <a:t>第 </a:t>
             </a:r>
             <a:r>
-              <a:rPr kumimoji="1" lang="en-US" altLang="ja-JP"/>
+              <a:rPr lang="en-US" altLang="ja-JP"/>
               <a:t>4 </a:t>
             </a:r>
             <a:r>
-              <a:rPr kumimoji="1" lang="ja-JP" altLang="en-US"/>
+              <a:rPr lang="ja-JP" altLang="en-US"/>
               <a:t>レベル</a:t>
             </a:r>
           </a:p>
           <a:p>
             <a:pPr lvl="4"/>
             <a:r>
-              <a:rPr kumimoji="1" lang="ja-JP" altLang="en-US"/>
+              <a:rPr lang="ja-JP" altLang="en-US"/>
               <a:t>第 </a:t>
             </a:r>
             <a:r>
-              <a:rPr kumimoji="1" lang="en-US" altLang="ja-JP"/>
+              <a:rPr lang="en-US" altLang="ja-JP"/>
               <a:t>5 </a:t>
             </a:r>
             <a:r>
-              <a:rPr kumimoji="1" lang="ja-JP" altLang="en-US"/>
+              <a:rPr lang="ja-JP" altLang="en-US"/>
               <a:t>レベル</a:t>
             </a:r>
-          </a:p>
-        </p:txBody>
-      </p:sp>
-      <p:sp>
-        <p:nvSpPr>
-          <p:cNvPr id="4" name="日付プレースホルダー 3">
-            <a:extLst>
-              <a:ext uri="{FF2B5EF4-FFF2-40B4-BE49-F238E27FC236}">
-                <a16:creationId xmlns:a16="http://schemas.microsoft.com/office/drawing/2014/main" id="{66DBD40E-5A76-4B4A-929F-470B9C12BFEE}"/>
-              </a:ext>
-            </a:extLst>
-          </p:cNvPr>
+            <a:endParaRPr lang="en-US" dirty="0"/>
+          </a:p>
+        </p:txBody>
+      </p:sp>
+      <p:sp>
+        <p:nvSpPr>
+          <p:cNvPr id="4" name="Date Placeholder 3"/>
           <p:cNvSpPr>
             <a:spLocks noGrp="1"/>
           </p:cNvSpPr>
@@ -970,7 +866,7 @@
           <a:p>
             <a:fld id="{BCC3470B-979D-4AC3-9CEF-E2615858CE2E}" type="datetimeFigureOut">
               <a:rPr kumimoji="1" lang="ja-JP" altLang="en-US" smtClean="0"/>
-              <a:t>2017/9/12</a:t>
+              <a:t>2023/8/25</a:t>
             </a:fld>
             <a:endParaRPr kumimoji="1" lang="ja-JP" altLang="en-US"/>
           </a:p>
@@ -978,13 +874,7 @@
       </p:sp>
       <p:sp>
         <p:nvSpPr>
-          <p:cNvPr id="5" name="フッター プレースホルダー 4">
-            <a:extLst>
-              <a:ext uri="{FF2B5EF4-FFF2-40B4-BE49-F238E27FC236}">
-                <a16:creationId xmlns:a16="http://schemas.microsoft.com/office/drawing/2014/main" id="{C4CE8CE3-F56A-499A-9503-84B870215EF8}"/>
-              </a:ext>
-            </a:extLst>
-          </p:cNvPr>
+          <p:cNvPr id="5" name="Footer Placeholder 4"/>
           <p:cNvSpPr>
             <a:spLocks noGrp="1"/>
           </p:cNvSpPr>
@@ -1003,13 +893,7 @@
       </p:sp>
       <p:sp>
         <p:nvSpPr>
-          <p:cNvPr id="6" name="スライド番号プレースホルダー 5">
-            <a:extLst>
-              <a:ext uri="{FF2B5EF4-FFF2-40B4-BE49-F238E27FC236}">
-                <a16:creationId xmlns:a16="http://schemas.microsoft.com/office/drawing/2014/main" id="{D922B388-1193-4540-9148-7A8F8D10B037}"/>
-              </a:ext>
-            </a:extLst>
-          </p:cNvPr>
+          <p:cNvPr id="6" name="Slide Number Placeholder 5"/>
           <p:cNvSpPr>
             <a:spLocks noGrp="1"/>
           </p:cNvSpPr>
@@ -1033,7 +917,7 @@
     </p:spTree>
     <p:extLst>
       <p:ext uri="{BB962C8B-B14F-4D97-AF65-F5344CB8AC3E}">
-        <p14:creationId xmlns:p14="http://schemas.microsoft.com/office/powerpoint/2010/main" val="3885293980"/>
+        <p14:creationId xmlns:p14="http://schemas.microsoft.com/office/powerpoint/2010/main" val="3766284030"/>
       </p:ext>
     </p:extLst>
   </p:cSld>
@@ -1062,13 +946,7 @@
       </p:grpSpPr>
       <p:sp>
         <p:nvSpPr>
-          <p:cNvPr id="2" name="タイトル 1">
-            <a:extLst>
-              <a:ext uri="{FF2B5EF4-FFF2-40B4-BE49-F238E27FC236}">
-                <a16:creationId xmlns:a16="http://schemas.microsoft.com/office/drawing/2014/main" id="{08E6B0ED-6C85-42C7-A913-4B82433E7B70}"/>
-              </a:ext>
-            </a:extLst>
-          </p:cNvPr>
+          <p:cNvPr id="2" name="Title 1"/>
           <p:cNvSpPr>
             <a:spLocks noGrp="1"/>
           </p:cNvSpPr>
@@ -1078,8 +956,8 @@
         </p:nvSpPr>
         <p:spPr>
           <a:xfrm>
-            <a:off x="623888" y="1709739"/>
-            <a:ext cx="7886700" cy="2852737"/>
+            <a:off x="831850" y="1709738"/>
+            <a:ext cx="10515600" cy="2852737"/>
           </a:xfrm>
         </p:spPr>
         <p:txBody>
@@ -1091,21 +969,16 @@
           </a:lstStyle>
           <a:p>
             <a:r>
-              <a:rPr kumimoji="1" lang="ja-JP" altLang="en-US"/>
+              <a:rPr lang="ja-JP" altLang="en-US"/>
               <a:t>マスター タイトルの書式設定</a:t>
             </a:r>
-          </a:p>
-        </p:txBody>
-      </p:sp>
-      <p:sp>
-        <p:nvSpPr>
-          <p:cNvPr id="3" name="テキスト プレースホルダー 2">
-            <a:extLst>
-              <a:ext uri="{FF2B5EF4-FFF2-40B4-BE49-F238E27FC236}">
-                <a16:creationId xmlns:a16="http://schemas.microsoft.com/office/drawing/2014/main" id="{246121B5-1DE4-4D5A-91F2-C7E49C42F30B}"/>
-              </a:ext>
-            </a:extLst>
-          </p:cNvPr>
+            <a:endParaRPr lang="en-US" dirty="0"/>
+          </a:p>
+        </p:txBody>
+      </p:sp>
+      <p:sp>
+        <p:nvSpPr>
+          <p:cNvPr id="3" name="Text Placeholder 2"/>
           <p:cNvSpPr>
             <a:spLocks noGrp="1"/>
           </p:cNvSpPr>
@@ -1115,8 +988,8 @@
         </p:nvSpPr>
         <p:spPr>
           <a:xfrm>
-            <a:off x="623888" y="4589464"/>
-            <a:ext cx="7886700" cy="1500187"/>
+            <a:off x="831850" y="4589463"/>
+            <a:ext cx="10515600" cy="1500187"/>
           </a:xfrm>
         </p:spPr>
         <p:txBody>
@@ -1216,7 +1089,7 @@
           <a:p>
             <a:pPr lvl="0"/>
             <a:r>
-              <a:rPr kumimoji="1" lang="ja-JP" altLang="en-US"/>
+              <a:rPr lang="ja-JP" altLang="en-US"/>
               <a:t>マスター テキストの書式設定</a:t>
             </a:r>
           </a:p>
@@ -1224,13 +1097,7 @@
       </p:sp>
       <p:sp>
         <p:nvSpPr>
-          <p:cNvPr id="4" name="日付プレースホルダー 3">
-            <a:extLst>
-              <a:ext uri="{FF2B5EF4-FFF2-40B4-BE49-F238E27FC236}">
-                <a16:creationId xmlns:a16="http://schemas.microsoft.com/office/drawing/2014/main" id="{554E865C-62F8-48F9-B5FF-DA5BC3EF1A2F}"/>
-              </a:ext>
-            </a:extLst>
-          </p:cNvPr>
+          <p:cNvPr id="4" name="Date Placeholder 3"/>
           <p:cNvSpPr>
             <a:spLocks noGrp="1"/>
           </p:cNvSpPr>
@@ -1245,7 +1112,7 @@
           <a:p>
             <a:fld id="{BCC3470B-979D-4AC3-9CEF-E2615858CE2E}" type="datetimeFigureOut">
               <a:rPr kumimoji="1" lang="ja-JP" altLang="en-US" smtClean="0"/>
-              <a:t>2017/9/12</a:t>
+              <a:t>2023/8/25</a:t>
             </a:fld>
             <a:endParaRPr kumimoji="1" lang="ja-JP" altLang="en-US"/>
           </a:p>
@@ -1253,13 +1120,7 @@
       </p:sp>
       <p:sp>
         <p:nvSpPr>
-          <p:cNvPr id="5" name="フッター プレースホルダー 4">
-            <a:extLst>
-              <a:ext uri="{FF2B5EF4-FFF2-40B4-BE49-F238E27FC236}">
-                <a16:creationId xmlns:a16="http://schemas.microsoft.com/office/drawing/2014/main" id="{01BA77F4-B8A8-433C-946F-4ABCE1772AC8}"/>
-              </a:ext>
-            </a:extLst>
-          </p:cNvPr>
+          <p:cNvPr id="5" name="Footer Placeholder 4"/>
           <p:cNvSpPr>
             <a:spLocks noGrp="1"/>
           </p:cNvSpPr>
@@ -1278,13 +1139,7 @@
       </p:sp>
       <p:sp>
         <p:nvSpPr>
-          <p:cNvPr id="6" name="スライド番号プレースホルダー 5">
-            <a:extLst>
-              <a:ext uri="{FF2B5EF4-FFF2-40B4-BE49-F238E27FC236}">
-                <a16:creationId xmlns:a16="http://schemas.microsoft.com/office/drawing/2014/main" id="{9E6B1CEE-CC91-4610-81F7-D40D5BF90C69}"/>
-              </a:ext>
-            </a:extLst>
-          </p:cNvPr>
+          <p:cNvPr id="6" name="Slide Number Placeholder 5"/>
           <p:cNvSpPr>
             <a:spLocks noGrp="1"/>
           </p:cNvSpPr>
@@ -1308,7 +1163,7 @@
     </p:spTree>
     <p:extLst>
       <p:ext uri="{BB962C8B-B14F-4D97-AF65-F5344CB8AC3E}">
-        <p14:creationId xmlns:p14="http://schemas.microsoft.com/office/powerpoint/2010/main" val="3050166243"/>
+        <p14:creationId xmlns:p14="http://schemas.microsoft.com/office/powerpoint/2010/main" val="2446513628"/>
       </p:ext>
     </p:extLst>
   </p:cSld>
@@ -1337,13 +1192,7 @@
       </p:grpSpPr>
       <p:sp>
         <p:nvSpPr>
-          <p:cNvPr id="2" name="タイトル 1">
-            <a:extLst>
-              <a:ext uri="{FF2B5EF4-FFF2-40B4-BE49-F238E27FC236}">
-                <a16:creationId xmlns:a16="http://schemas.microsoft.com/office/drawing/2014/main" id="{6DF9C5A6-3160-47E1-9F76-C0517AE74B65}"/>
-              </a:ext>
-            </a:extLst>
-          </p:cNvPr>
+          <p:cNvPr id="2" name="Title 1"/>
           <p:cNvSpPr>
             <a:spLocks noGrp="1"/>
           </p:cNvSpPr>
@@ -1357,21 +1206,16 @@
           <a:lstStyle/>
           <a:p>
             <a:r>
-              <a:rPr kumimoji="1" lang="ja-JP" altLang="en-US"/>
+              <a:rPr lang="ja-JP" altLang="en-US"/>
               <a:t>マスター タイトルの書式設定</a:t>
             </a:r>
-          </a:p>
-        </p:txBody>
-      </p:sp>
-      <p:sp>
-        <p:nvSpPr>
-          <p:cNvPr id="3" name="コンテンツ プレースホルダー 2">
-            <a:extLst>
-              <a:ext uri="{FF2B5EF4-FFF2-40B4-BE49-F238E27FC236}">
-                <a16:creationId xmlns:a16="http://schemas.microsoft.com/office/drawing/2014/main" id="{E1CFB188-D041-4220-AC8D-BC555D2B95A5}"/>
-              </a:ext>
-            </a:extLst>
-          </p:cNvPr>
+            <a:endParaRPr lang="en-US" dirty="0"/>
+          </a:p>
+        </p:txBody>
+      </p:sp>
+      <p:sp>
+        <p:nvSpPr>
+          <p:cNvPr id="3" name="Content Placeholder 2"/>
           <p:cNvSpPr>
             <a:spLocks noGrp="1"/>
           </p:cNvSpPr>
@@ -1381,8 +1225,8 @@
         </p:nvSpPr>
         <p:spPr>
           <a:xfrm>
-            <a:off x="628650" y="1825625"/>
-            <a:ext cx="3886200" cy="4351338"/>
+            <a:off x="838200" y="1825625"/>
+            <a:ext cx="5181600" cy="4351338"/>
           </a:xfrm>
         </p:spPr>
         <p:txBody>
@@ -1391,81 +1235,76 @@
           <a:p>
             <a:pPr lvl="0"/>
             <a:r>
-              <a:rPr kumimoji="1" lang="ja-JP" altLang="en-US"/>
+              <a:rPr lang="ja-JP" altLang="en-US"/>
               <a:t>マスター テキストの書式設定</a:t>
             </a:r>
           </a:p>
           <a:p>
             <a:pPr lvl="1"/>
             <a:r>
-              <a:rPr kumimoji="1" lang="ja-JP" altLang="en-US"/>
+              <a:rPr lang="ja-JP" altLang="en-US"/>
               <a:t>第 </a:t>
             </a:r>
             <a:r>
-              <a:rPr kumimoji="1" lang="en-US" altLang="ja-JP"/>
+              <a:rPr lang="en-US" altLang="ja-JP"/>
               <a:t>2 </a:t>
             </a:r>
             <a:r>
-              <a:rPr kumimoji="1" lang="ja-JP" altLang="en-US"/>
+              <a:rPr lang="ja-JP" altLang="en-US"/>
               <a:t>レベル</a:t>
             </a:r>
           </a:p>
           <a:p>
             <a:pPr lvl="2"/>
             <a:r>
-              <a:rPr kumimoji="1" lang="ja-JP" altLang="en-US"/>
+              <a:rPr lang="ja-JP" altLang="en-US"/>
               <a:t>第 </a:t>
             </a:r>
             <a:r>
-              <a:rPr kumimoji="1" lang="en-US" altLang="ja-JP"/>
+              <a:rPr lang="en-US" altLang="ja-JP"/>
               <a:t>3 </a:t>
             </a:r>
             <a:r>
-              <a:rPr kumimoji="1" lang="ja-JP" altLang="en-US"/>
+              <a:rPr lang="ja-JP" altLang="en-US"/>
               <a:t>レベル</a:t>
             </a:r>
           </a:p>
           <a:p>
             <a:pPr lvl="3"/>
             <a:r>
-              <a:rPr kumimoji="1" lang="ja-JP" altLang="en-US"/>
+              <a:rPr lang="ja-JP" altLang="en-US"/>
               <a:t>第 </a:t>
             </a:r>
             <a:r>
-              <a:rPr kumimoji="1" lang="en-US" altLang="ja-JP"/>
+              <a:rPr lang="en-US" altLang="ja-JP"/>
               <a:t>4 </a:t>
             </a:r>
             <a:r>
-              <a:rPr kumimoji="1" lang="ja-JP" altLang="en-US"/>
+              <a:rPr lang="ja-JP" altLang="en-US"/>
               <a:t>レベル</a:t>
             </a:r>
           </a:p>
           <a:p>
             <a:pPr lvl="4"/>
             <a:r>
-              <a:rPr kumimoji="1" lang="ja-JP" altLang="en-US"/>
+              <a:rPr lang="ja-JP" altLang="en-US"/>
               <a:t>第 </a:t>
             </a:r>
             <a:r>
-              <a:rPr kumimoji="1" lang="en-US" altLang="ja-JP"/>
+              <a:rPr lang="en-US" altLang="ja-JP"/>
               <a:t>5 </a:t>
             </a:r>
             <a:r>
-              <a:rPr kumimoji="1" lang="ja-JP" altLang="en-US"/>
+              <a:rPr lang="ja-JP" altLang="en-US"/>
               <a:t>レベル</a:t>
             </a:r>
-          </a:p>
-        </p:txBody>
-      </p:sp>
-      <p:sp>
-        <p:nvSpPr>
-          <p:cNvPr id="4" name="コンテンツ プレースホルダー 3">
-            <a:extLst>
-              <a:ext uri="{FF2B5EF4-FFF2-40B4-BE49-F238E27FC236}">
-                <a16:creationId xmlns:a16="http://schemas.microsoft.com/office/drawing/2014/main" id="{BB0DA848-D05A-4CC8-88F9-8978C8AEF3F2}"/>
-              </a:ext>
-            </a:extLst>
-          </p:cNvPr>
+            <a:endParaRPr lang="en-US" dirty="0"/>
+          </a:p>
+        </p:txBody>
+      </p:sp>
+      <p:sp>
+        <p:nvSpPr>
+          <p:cNvPr id="4" name="Content Placeholder 3"/>
           <p:cNvSpPr>
             <a:spLocks noGrp="1"/>
           </p:cNvSpPr>
@@ -1475,8 +1314,8 @@
         </p:nvSpPr>
         <p:spPr>
           <a:xfrm>
-            <a:off x="4629150" y="1825625"/>
-            <a:ext cx="3886200" cy="4351338"/>
+            <a:off x="6172200" y="1825625"/>
+            <a:ext cx="5181600" cy="4351338"/>
           </a:xfrm>
         </p:spPr>
         <p:txBody>
@@ -1485,81 +1324,76 @@
           <a:p>
             <a:pPr lvl="0"/>
             <a:r>
-              <a:rPr kumimoji="1" lang="ja-JP" altLang="en-US"/>
+              <a:rPr lang="ja-JP" altLang="en-US"/>
               <a:t>マスター テキストの書式設定</a:t>
             </a:r>
           </a:p>
           <a:p>
             <a:pPr lvl="1"/>
             <a:r>
-              <a:rPr kumimoji="1" lang="ja-JP" altLang="en-US"/>
+              <a:rPr lang="ja-JP" altLang="en-US"/>
               <a:t>第 </a:t>
             </a:r>
             <a:r>
-              <a:rPr kumimoji="1" lang="en-US" altLang="ja-JP"/>
+              <a:rPr lang="en-US" altLang="ja-JP"/>
               <a:t>2 </a:t>
             </a:r>
             <a:r>
-              <a:rPr kumimoji="1" lang="ja-JP" altLang="en-US"/>
+              <a:rPr lang="ja-JP" altLang="en-US"/>
               <a:t>レベル</a:t>
             </a:r>
           </a:p>
           <a:p>
             <a:pPr lvl="2"/>
             <a:r>
-              <a:rPr kumimoji="1" lang="ja-JP" altLang="en-US"/>
+              <a:rPr lang="ja-JP" altLang="en-US"/>
               <a:t>第 </a:t>
             </a:r>
             <a:r>
-              <a:rPr kumimoji="1" lang="en-US" altLang="ja-JP"/>
+              <a:rPr lang="en-US" altLang="ja-JP"/>
               <a:t>3 </a:t>
             </a:r>
             <a:r>
-              <a:rPr kumimoji="1" lang="ja-JP" altLang="en-US"/>
+              <a:rPr lang="ja-JP" altLang="en-US"/>
               <a:t>レベル</a:t>
             </a:r>
           </a:p>
           <a:p>
             <a:pPr lvl="3"/>
             <a:r>
-              <a:rPr kumimoji="1" lang="ja-JP" altLang="en-US"/>
+              <a:rPr lang="ja-JP" altLang="en-US"/>
               <a:t>第 </a:t>
             </a:r>
             <a:r>
-              <a:rPr kumimoji="1" lang="en-US" altLang="ja-JP"/>
+              <a:rPr lang="en-US" altLang="ja-JP"/>
               <a:t>4 </a:t>
             </a:r>
             <a:r>
-              <a:rPr kumimoji="1" lang="ja-JP" altLang="en-US"/>
+              <a:rPr lang="ja-JP" altLang="en-US"/>
               <a:t>レベル</a:t>
             </a:r>
           </a:p>
           <a:p>
             <a:pPr lvl="4"/>
             <a:r>
-              <a:rPr kumimoji="1" lang="ja-JP" altLang="en-US"/>
+              <a:rPr lang="ja-JP" altLang="en-US"/>
               <a:t>第 </a:t>
             </a:r>
             <a:r>
-              <a:rPr kumimoji="1" lang="en-US" altLang="ja-JP"/>
+              <a:rPr lang="en-US" altLang="ja-JP"/>
               <a:t>5 </a:t>
             </a:r>
             <a:r>
-              <a:rPr kumimoji="1" lang="ja-JP" altLang="en-US"/>
+              <a:rPr lang="ja-JP" altLang="en-US"/>
               <a:t>レベル</a:t>
             </a:r>
-          </a:p>
-        </p:txBody>
-      </p:sp>
-      <p:sp>
-        <p:nvSpPr>
-          <p:cNvPr id="5" name="日付プレースホルダー 4">
-            <a:extLst>
-              <a:ext uri="{FF2B5EF4-FFF2-40B4-BE49-F238E27FC236}">
-                <a16:creationId xmlns:a16="http://schemas.microsoft.com/office/drawing/2014/main" id="{840C054F-E256-4364-8C3B-BC6BBFAFEAC5}"/>
-              </a:ext>
-            </a:extLst>
-          </p:cNvPr>
+            <a:endParaRPr lang="en-US" dirty="0"/>
+          </a:p>
+        </p:txBody>
+      </p:sp>
+      <p:sp>
+        <p:nvSpPr>
+          <p:cNvPr id="5" name="Date Placeholder 4"/>
           <p:cNvSpPr>
             <a:spLocks noGrp="1"/>
           </p:cNvSpPr>
@@ -1574,7 +1408,7 @@
           <a:p>
             <a:fld id="{BCC3470B-979D-4AC3-9CEF-E2615858CE2E}" type="datetimeFigureOut">
               <a:rPr kumimoji="1" lang="ja-JP" altLang="en-US" smtClean="0"/>
-              <a:t>2017/9/12</a:t>
+              <a:t>2023/8/25</a:t>
             </a:fld>
             <a:endParaRPr kumimoji="1" lang="ja-JP" altLang="en-US"/>
           </a:p>
@@ -1582,13 +1416,7 @@
       </p:sp>
       <p:sp>
         <p:nvSpPr>
-          <p:cNvPr id="6" name="フッター プレースホルダー 5">
-            <a:extLst>
-              <a:ext uri="{FF2B5EF4-FFF2-40B4-BE49-F238E27FC236}">
-                <a16:creationId xmlns:a16="http://schemas.microsoft.com/office/drawing/2014/main" id="{F04279D4-EDFB-458F-8F75-2B792679193B}"/>
-              </a:ext>
-            </a:extLst>
-          </p:cNvPr>
+          <p:cNvPr id="6" name="Footer Placeholder 5"/>
           <p:cNvSpPr>
             <a:spLocks noGrp="1"/>
           </p:cNvSpPr>
@@ -1607,13 +1435,7 @@
       </p:sp>
       <p:sp>
         <p:nvSpPr>
-          <p:cNvPr id="7" name="スライド番号プレースホルダー 6">
-            <a:extLst>
-              <a:ext uri="{FF2B5EF4-FFF2-40B4-BE49-F238E27FC236}">
-                <a16:creationId xmlns:a16="http://schemas.microsoft.com/office/drawing/2014/main" id="{330EFC22-26C8-43E2-9D75-36E84925B9F2}"/>
-              </a:ext>
-            </a:extLst>
-          </p:cNvPr>
+          <p:cNvPr id="7" name="Slide Number Placeholder 6"/>
           <p:cNvSpPr>
             <a:spLocks noGrp="1"/>
           </p:cNvSpPr>
@@ -1637,7 +1459,7 @@
     </p:spTree>
     <p:extLst>
       <p:ext uri="{BB962C8B-B14F-4D97-AF65-F5344CB8AC3E}">
-        <p14:creationId xmlns:p14="http://schemas.microsoft.com/office/powerpoint/2010/main" val="3052735013"/>
+        <p14:creationId xmlns:p14="http://schemas.microsoft.com/office/powerpoint/2010/main" val="2916489190"/>
       </p:ext>
     </p:extLst>
   </p:cSld>
@@ -1666,13 +1488,7 @@
       </p:grpSpPr>
       <p:sp>
         <p:nvSpPr>
-          <p:cNvPr id="2" name="タイトル 1">
-            <a:extLst>
-              <a:ext uri="{FF2B5EF4-FFF2-40B4-BE49-F238E27FC236}">
-                <a16:creationId xmlns:a16="http://schemas.microsoft.com/office/drawing/2014/main" id="{1F5067ED-0838-4E65-BD26-8B88ADE57E81}"/>
-              </a:ext>
-            </a:extLst>
-          </p:cNvPr>
+          <p:cNvPr id="2" name="Title 1"/>
           <p:cNvSpPr>
             <a:spLocks noGrp="1"/>
           </p:cNvSpPr>
@@ -1682,8 +1498,8 @@
         </p:nvSpPr>
         <p:spPr>
           <a:xfrm>
-            <a:off x="629841" y="365126"/>
-            <a:ext cx="7886700" cy="1325563"/>
+            <a:off x="839788" y="365125"/>
+            <a:ext cx="10515600" cy="1325563"/>
           </a:xfrm>
         </p:spPr>
         <p:txBody>
@@ -1691,21 +1507,16 @@
           <a:lstStyle/>
           <a:p>
             <a:r>
-              <a:rPr kumimoji="1" lang="ja-JP" altLang="en-US"/>
+              <a:rPr lang="ja-JP" altLang="en-US"/>
               <a:t>マスター タイトルの書式設定</a:t>
             </a:r>
-          </a:p>
-        </p:txBody>
-      </p:sp>
-      <p:sp>
-        <p:nvSpPr>
-          <p:cNvPr id="3" name="テキスト プレースホルダー 2">
-            <a:extLst>
-              <a:ext uri="{FF2B5EF4-FFF2-40B4-BE49-F238E27FC236}">
-                <a16:creationId xmlns:a16="http://schemas.microsoft.com/office/drawing/2014/main" id="{9CE39B44-D81E-4092-8FCA-BD64DB707D9B}"/>
-              </a:ext>
-            </a:extLst>
-          </p:cNvPr>
+            <a:endParaRPr lang="en-US" dirty="0"/>
+          </a:p>
+        </p:txBody>
+      </p:sp>
+      <p:sp>
+        <p:nvSpPr>
+          <p:cNvPr id="3" name="Text Placeholder 2"/>
           <p:cNvSpPr>
             <a:spLocks noGrp="1"/>
           </p:cNvSpPr>
@@ -1715,8 +1526,8 @@
         </p:nvSpPr>
         <p:spPr>
           <a:xfrm>
-            <a:off x="629842" y="1681163"/>
-            <a:ext cx="3868340" cy="823912"/>
+            <a:off x="839788" y="1681163"/>
+            <a:ext cx="5157787" cy="823912"/>
           </a:xfrm>
         </p:spPr>
         <p:txBody>
@@ -1762,7 +1573,7 @@
           <a:p>
             <a:pPr lvl="0"/>
             <a:r>
-              <a:rPr kumimoji="1" lang="ja-JP" altLang="en-US"/>
+              <a:rPr lang="ja-JP" altLang="en-US"/>
               <a:t>マスター テキストの書式設定</a:t>
             </a:r>
           </a:p>
@@ -1770,13 +1581,7 @@
       </p:sp>
       <p:sp>
         <p:nvSpPr>
-          <p:cNvPr id="4" name="コンテンツ プレースホルダー 3">
-            <a:extLst>
-              <a:ext uri="{FF2B5EF4-FFF2-40B4-BE49-F238E27FC236}">
-                <a16:creationId xmlns:a16="http://schemas.microsoft.com/office/drawing/2014/main" id="{F964C5E1-E238-4DB8-831C-92C909C7BBD6}"/>
-              </a:ext>
-            </a:extLst>
-          </p:cNvPr>
+          <p:cNvPr id="4" name="Content Placeholder 3"/>
           <p:cNvSpPr>
             <a:spLocks noGrp="1"/>
           </p:cNvSpPr>
@@ -1786,8 +1591,8 @@
         </p:nvSpPr>
         <p:spPr>
           <a:xfrm>
-            <a:off x="629842" y="2505075"/>
-            <a:ext cx="3868340" cy="3684588"/>
+            <a:off x="839788" y="2505075"/>
+            <a:ext cx="5157787" cy="3684588"/>
           </a:xfrm>
         </p:spPr>
         <p:txBody>
@@ -1796,81 +1601,76 @@
           <a:p>
             <a:pPr lvl="0"/>
             <a:r>
-              <a:rPr kumimoji="1" lang="ja-JP" altLang="en-US"/>
+              <a:rPr lang="ja-JP" altLang="en-US"/>
               <a:t>マスター テキストの書式設定</a:t>
             </a:r>
           </a:p>
           <a:p>
             <a:pPr lvl="1"/>
             <a:r>
-              <a:rPr kumimoji="1" lang="ja-JP" altLang="en-US"/>
+              <a:rPr lang="ja-JP" altLang="en-US"/>
               <a:t>第 </a:t>
             </a:r>
             <a:r>
-              <a:rPr kumimoji="1" lang="en-US" altLang="ja-JP"/>
+              <a:rPr lang="en-US" altLang="ja-JP"/>
               <a:t>2 </a:t>
             </a:r>
             <a:r>
-              <a:rPr kumimoji="1" lang="ja-JP" altLang="en-US"/>
+              <a:rPr lang="ja-JP" altLang="en-US"/>
               <a:t>レベル</a:t>
             </a:r>
           </a:p>
           <a:p>
             <a:pPr lvl="2"/>
             <a:r>
-              <a:rPr kumimoji="1" lang="ja-JP" altLang="en-US"/>
+              <a:rPr lang="ja-JP" altLang="en-US"/>
               <a:t>第 </a:t>
             </a:r>
             <a:r>
-              <a:rPr kumimoji="1" lang="en-US" altLang="ja-JP"/>
+              <a:rPr lang="en-US" altLang="ja-JP"/>
               <a:t>3 </a:t>
             </a:r>
             <a:r>
-              <a:rPr kumimoji="1" lang="ja-JP" altLang="en-US"/>
+              <a:rPr lang="ja-JP" altLang="en-US"/>
               <a:t>レベル</a:t>
             </a:r>
           </a:p>
           <a:p>
             <a:pPr lvl="3"/>
             <a:r>
-              <a:rPr kumimoji="1" lang="ja-JP" altLang="en-US"/>
+              <a:rPr lang="ja-JP" altLang="en-US"/>
               <a:t>第 </a:t>
             </a:r>
             <a:r>
-              <a:rPr kumimoji="1" lang="en-US" altLang="ja-JP"/>
+              <a:rPr lang="en-US" altLang="ja-JP"/>
               <a:t>4 </a:t>
             </a:r>
             <a:r>
-              <a:rPr kumimoji="1" lang="ja-JP" altLang="en-US"/>
+              <a:rPr lang="ja-JP" altLang="en-US"/>
               <a:t>レベル</a:t>
             </a:r>
           </a:p>
           <a:p>
             <a:pPr lvl="4"/>
             <a:r>
-              <a:rPr kumimoji="1" lang="ja-JP" altLang="en-US"/>
+              <a:rPr lang="ja-JP" altLang="en-US"/>
               <a:t>第 </a:t>
             </a:r>
             <a:r>
-              <a:rPr kumimoji="1" lang="en-US" altLang="ja-JP"/>
+              <a:rPr lang="en-US" altLang="ja-JP"/>
               <a:t>5 </a:t>
             </a:r>
             <a:r>
-              <a:rPr kumimoji="1" lang="ja-JP" altLang="en-US"/>
+              <a:rPr lang="ja-JP" altLang="en-US"/>
               <a:t>レベル</a:t>
             </a:r>
-          </a:p>
-        </p:txBody>
-      </p:sp>
-      <p:sp>
-        <p:nvSpPr>
-          <p:cNvPr id="5" name="テキスト プレースホルダー 4">
-            <a:extLst>
-              <a:ext uri="{FF2B5EF4-FFF2-40B4-BE49-F238E27FC236}">
-                <a16:creationId xmlns:a16="http://schemas.microsoft.com/office/drawing/2014/main" id="{50A464FE-14E8-4CD3-A5FB-3E837627C2B7}"/>
-              </a:ext>
-            </a:extLst>
-          </p:cNvPr>
+            <a:endParaRPr lang="en-US" dirty="0"/>
+          </a:p>
+        </p:txBody>
+      </p:sp>
+      <p:sp>
+        <p:nvSpPr>
+          <p:cNvPr id="5" name="Text Placeholder 4"/>
           <p:cNvSpPr>
             <a:spLocks noGrp="1"/>
           </p:cNvSpPr>
@@ -1880,8 +1680,8 @@
         </p:nvSpPr>
         <p:spPr>
           <a:xfrm>
-            <a:off x="4629150" y="1681163"/>
-            <a:ext cx="3887391" cy="823912"/>
+            <a:off x="6172200" y="1681163"/>
+            <a:ext cx="5183188" cy="823912"/>
           </a:xfrm>
         </p:spPr>
         <p:txBody>
@@ -1927,7 +1727,7 @@
           <a:p>
             <a:pPr lvl="0"/>
             <a:r>
-              <a:rPr kumimoji="1" lang="ja-JP" altLang="en-US"/>
+              <a:rPr lang="ja-JP" altLang="en-US"/>
               <a:t>マスター テキストの書式設定</a:t>
             </a:r>
           </a:p>
@@ -1935,13 +1735,7 @@
       </p:sp>
       <p:sp>
         <p:nvSpPr>
-          <p:cNvPr id="6" name="コンテンツ プレースホルダー 5">
-            <a:extLst>
-              <a:ext uri="{FF2B5EF4-FFF2-40B4-BE49-F238E27FC236}">
-                <a16:creationId xmlns:a16="http://schemas.microsoft.com/office/drawing/2014/main" id="{FD529878-3AA1-495B-AF8C-2446DFB6BD0A}"/>
-              </a:ext>
-            </a:extLst>
-          </p:cNvPr>
+          <p:cNvPr id="6" name="Content Placeholder 5"/>
           <p:cNvSpPr>
             <a:spLocks noGrp="1"/>
           </p:cNvSpPr>
@@ -1951,8 +1745,8 @@
         </p:nvSpPr>
         <p:spPr>
           <a:xfrm>
-            <a:off x="4629150" y="2505075"/>
-            <a:ext cx="3887391" cy="3684588"/>
+            <a:off x="6172200" y="2505075"/>
+            <a:ext cx="5183188" cy="3684588"/>
           </a:xfrm>
         </p:spPr>
         <p:txBody>
@@ -1961,81 +1755,76 @@
           <a:p>
             <a:pPr lvl="0"/>
             <a:r>
-              <a:rPr kumimoji="1" lang="ja-JP" altLang="en-US"/>
+              <a:rPr lang="ja-JP" altLang="en-US"/>
               <a:t>マスター テキストの書式設定</a:t>
             </a:r>
           </a:p>
           <a:p>
             <a:pPr lvl="1"/>
             <a:r>
-              <a:rPr kumimoji="1" lang="ja-JP" altLang="en-US"/>
+              <a:rPr lang="ja-JP" altLang="en-US"/>
               <a:t>第 </a:t>
             </a:r>
             <a:r>
-              <a:rPr kumimoji="1" lang="en-US" altLang="ja-JP"/>
+              <a:rPr lang="en-US" altLang="ja-JP"/>
               <a:t>2 </a:t>
             </a:r>
             <a:r>
-              <a:rPr kumimoji="1" lang="ja-JP" altLang="en-US"/>
+              <a:rPr lang="ja-JP" altLang="en-US"/>
               <a:t>レベル</a:t>
             </a:r>
           </a:p>
           <a:p>
             <a:pPr lvl="2"/>
             <a:r>
-              <a:rPr kumimoji="1" lang="ja-JP" altLang="en-US"/>
+              <a:rPr lang="ja-JP" altLang="en-US"/>
               <a:t>第 </a:t>
             </a:r>
             <a:r>
-              <a:rPr kumimoji="1" lang="en-US" altLang="ja-JP"/>
+              <a:rPr lang="en-US" altLang="ja-JP"/>
               <a:t>3 </a:t>
             </a:r>
             <a:r>
-              <a:rPr kumimoji="1" lang="ja-JP" altLang="en-US"/>
+              <a:rPr lang="ja-JP" altLang="en-US"/>
               <a:t>レベル</a:t>
             </a:r>
           </a:p>
           <a:p>
             <a:pPr lvl="3"/>
             <a:r>
-              <a:rPr kumimoji="1" lang="ja-JP" altLang="en-US"/>
+              <a:rPr lang="ja-JP" altLang="en-US"/>
               <a:t>第 </a:t>
             </a:r>
             <a:r>
-              <a:rPr kumimoji="1" lang="en-US" altLang="ja-JP"/>
+              <a:rPr lang="en-US" altLang="ja-JP"/>
               <a:t>4 </a:t>
             </a:r>
             <a:r>
-              <a:rPr kumimoji="1" lang="ja-JP" altLang="en-US"/>
+              <a:rPr lang="ja-JP" altLang="en-US"/>
               <a:t>レベル</a:t>
             </a:r>
           </a:p>
           <a:p>
             <a:pPr lvl="4"/>
             <a:r>
-              <a:rPr kumimoji="1" lang="ja-JP" altLang="en-US"/>
+              <a:rPr lang="ja-JP" altLang="en-US"/>
               <a:t>第 </a:t>
             </a:r>
             <a:r>
-              <a:rPr kumimoji="1" lang="en-US" altLang="ja-JP"/>
+              <a:rPr lang="en-US" altLang="ja-JP"/>
               <a:t>5 </a:t>
             </a:r>
             <a:r>
-              <a:rPr kumimoji="1" lang="ja-JP" altLang="en-US"/>
+              <a:rPr lang="ja-JP" altLang="en-US"/>
               <a:t>レベル</a:t>
             </a:r>
-          </a:p>
-        </p:txBody>
-      </p:sp>
-      <p:sp>
-        <p:nvSpPr>
-          <p:cNvPr id="7" name="日付プレースホルダー 6">
-            <a:extLst>
-              <a:ext uri="{FF2B5EF4-FFF2-40B4-BE49-F238E27FC236}">
-                <a16:creationId xmlns:a16="http://schemas.microsoft.com/office/drawing/2014/main" id="{FA5144D1-CDBF-4195-AECA-AD06E108486E}"/>
-              </a:ext>
-            </a:extLst>
-          </p:cNvPr>
+            <a:endParaRPr lang="en-US" dirty="0"/>
+          </a:p>
+        </p:txBody>
+      </p:sp>
+      <p:sp>
+        <p:nvSpPr>
+          <p:cNvPr id="7" name="Date Placeholder 6"/>
           <p:cNvSpPr>
             <a:spLocks noGrp="1"/>
           </p:cNvSpPr>
@@ -2050,7 +1839,7 @@
           <a:p>
             <a:fld id="{BCC3470B-979D-4AC3-9CEF-E2615858CE2E}" type="datetimeFigureOut">
               <a:rPr kumimoji="1" lang="ja-JP" altLang="en-US" smtClean="0"/>
-              <a:t>2017/9/12</a:t>
+              <a:t>2023/8/25</a:t>
             </a:fld>
             <a:endParaRPr kumimoji="1" lang="ja-JP" altLang="en-US"/>
           </a:p>
@@ -2058,13 +1847,7 @@
       </p:sp>
       <p:sp>
         <p:nvSpPr>
-          <p:cNvPr id="8" name="フッター プレースホルダー 7">
-            <a:extLst>
-              <a:ext uri="{FF2B5EF4-FFF2-40B4-BE49-F238E27FC236}">
-                <a16:creationId xmlns:a16="http://schemas.microsoft.com/office/drawing/2014/main" id="{A4CC6E82-D470-49A1-B2E2-2F0CE2B1A445}"/>
-              </a:ext>
-            </a:extLst>
-          </p:cNvPr>
+          <p:cNvPr id="8" name="Footer Placeholder 7"/>
           <p:cNvSpPr>
             <a:spLocks noGrp="1"/>
           </p:cNvSpPr>
@@ -2083,13 +1866,7 @@
       </p:sp>
       <p:sp>
         <p:nvSpPr>
-          <p:cNvPr id="9" name="スライド番号プレースホルダー 8">
-            <a:extLst>
-              <a:ext uri="{FF2B5EF4-FFF2-40B4-BE49-F238E27FC236}">
-                <a16:creationId xmlns:a16="http://schemas.microsoft.com/office/drawing/2014/main" id="{62C52876-658A-42FB-9DD7-77BCB77F43CC}"/>
-              </a:ext>
-            </a:extLst>
-          </p:cNvPr>
+          <p:cNvPr id="9" name="Slide Number Placeholder 8"/>
           <p:cNvSpPr>
             <a:spLocks noGrp="1"/>
           </p:cNvSpPr>
@@ -2113,7 +1890,7 @@
     </p:spTree>
     <p:extLst>
       <p:ext uri="{BB962C8B-B14F-4D97-AF65-F5344CB8AC3E}">
-        <p14:creationId xmlns:p14="http://schemas.microsoft.com/office/powerpoint/2010/main" val="2498931311"/>
+        <p14:creationId xmlns:p14="http://schemas.microsoft.com/office/powerpoint/2010/main" val="4092557086"/>
       </p:ext>
     </p:extLst>
   </p:cSld>
@@ -2142,13 +1919,7 @@
       </p:grpSpPr>
       <p:sp>
         <p:nvSpPr>
-          <p:cNvPr id="2" name="タイトル 1">
-            <a:extLst>
-              <a:ext uri="{FF2B5EF4-FFF2-40B4-BE49-F238E27FC236}">
-                <a16:creationId xmlns:a16="http://schemas.microsoft.com/office/drawing/2014/main" id="{79FF38F5-536E-47BE-9249-EE31E17A586F}"/>
-              </a:ext>
-            </a:extLst>
-          </p:cNvPr>
+          <p:cNvPr id="2" name="Title 1"/>
           <p:cNvSpPr>
             <a:spLocks noGrp="1"/>
           </p:cNvSpPr>
@@ -2162,21 +1933,16 @@
           <a:lstStyle/>
           <a:p>
             <a:r>
-              <a:rPr kumimoji="1" lang="ja-JP" altLang="en-US"/>
+              <a:rPr lang="ja-JP" altLang="en-US"/>
               <a:t>マスター タイトルの書式設定</a:t>
             </a:r>
-          </a:p>
-        </p:txBody>
-      </p:sp>
-      <p:sp>
-        <p:nvSpPr>
-          <p:cNvPr id="3" name="日付プレースホルダー 2">
-            <a:extLst>
-              <a:ext uri="{FF2B5EF4-FFF2-40B4-BE49-F238E27FC236}">
-                <a16:creationId xmlns:a16="http://schemas.microsoft.com/office/drawing/2014/main" id="{07CB3045-FB54-46B7-B046-4F9A3B847F2B}"/>
-              </a:ext>
-            </a:extLst>
-          </p:cNvPr>
+            <a:endParaRPr lang="en-US" dirty="0"/>
+          </a:p>
+        </p:txBody>
+      </p:sp>
+      <p:sp>
+        <p:nvSpPr>
+          <p:cNvPr id="3" name="Date Placeholder 2"/>
           <p:cNvSpPr>
             <a:spLocks noGrp="1"/>
           </p:cNvSpPr>
@@ -2191,7 +1957,7 @@
           <a:p>
             <a:fld id="{BCC3470B-979D-4AC3-9CEF-E2615858CE2E}" type="datetimeFigureOut">
               <a:rPr kumimoji="1" lang="ja-JP" altLang="en-US" smtClean="0"/>
-              <a:t>2017/9/12</a:t>
+              <a:t>2023/8/25</a:t>
             </a:fld>
             <a:endParaRPr kumimoji="1" lang="ja-JP" altLang="en-US"/>
           </a:p>
@@ -2199,13 +1965,7 @@
       </p:sp>
       <p:sp>
         <p:nvSpPr>
-          <p:cNvPr id="4" name="フッター プレースホルダー 3">
-            <a:extLst>
-              <a:ext uri="{FF2B5EF4-FFF2-40B4-BE49-F238E27FC236}">
-                <a16:creationId xmlns:a16="http://schemas.microsoft.com/office/drawing/2014/main" id="{5ECED15D-9C74-469C-8E3C-B91843A74D4B}"/>
-              </a:ext>
-            </a:extLst>
-          </p:cNvPr>
+          <p:cNvPr id="4" name="Footer Placeholder 3"/>
           <p:cNvSpPr>
             <a:spLocks noGrp="1"/>
           </p:cNvSpPr>
@@ -2224,13 +1984,7 @@
       </p:sp>
       <p:sp>
         <p:nvSpPr>
-          <p:cNvPr id="5" name="スライド番号プレースホルダー 4">
-            <a:extLst>
-              <a:ext uri="{FF2B5EF4-FFF2-40B4-BE49-F238E27FC236}">
-                <a16:creationId xmlns:a16="http://schemas.microsoft.com/office/drawing/2014/main" id="{AAF8A85A-1042-46F4-93FA-E8F4AB4AB7F6}"/>
-              </a:ext>
-            </a:extLst>
-          </p:cNvPr>
+          <p:cNvPr id="5" name="Slide Number Placeholder 4"/>
           <p:cNvSpPr>
             <a:spLocks noGrp="1"/>
           </p:cNvSpPr>
@@ -2254,7 +2008,7 @@
     </p:spTree>
     <p:extLst>
       <p:ext uri="{BB962C8B-B14F-4D97-AF65-F5344CB8AC3E}">
-        <p14:creationId xmlns:p14="http://schemas.microsoft.com/office/powerpoint/2010/main" val="732835344"/>
+        <p14:creationId xmlns:p14="http://schemas.microsoft.com/office/powerpoint/2010/main" val="1829739490"/>
       </p:ext>
     </p:extLst>
   </p:cSld>
@@ -2283,13 +2037,7 @@
       </p:grpSpPr>
       <p:sp>
         <p:nvSpPr>
-          <p:cNvPr id="2" name="日付プレースホルダー 1">
-            <a:extLst>
-              <a:ext uri="{FF2B5EF4-FFF2-40B4-BE49-F238E27FC236}">
-                <a16:creationId xmlns:a16="http://schemas.microsoft.com/office/drawing/2014/main" id="{FCB3A632-2E6D-47AA-9D41-B542EB614177}"/>
-              </a:ext>
-            </a:extLst>
-          </p:cNvPr>
+          <p:cNvPr id="2" name="Date Placeholder 1"/>
           <p:cNvSpPr>
             <a:spLocks noGrp="1"/>
           </p:cNvSpPr>
@@ -2304,7 +2052,7 @@
           <a:p>
             <a:fld id="{BCC3470B-979D-4AC3-9CEF-E2615858CE2E}" type="datetimeFigureOut">
               <a:rPr kumimoji="1" lang="ja-JP" altLang="en-US" smtClean="0"/>
-              <a:t>2017/9/12</a:t>
+              <a:t>2023/8/25</a:t>
             </a:fld>
             <a:endParaRPr kumimoji="1" lang="ja-JP" altLang="en-US"/>
           </a:p>
@@ -2312,13 +2060,7 @@
       </p:sp>
       <p:sp>
         <p:nvSpPr>
-          <p:cNvPr id="3" name="フッター プレースホルダー 2">
-            <a:extLst>
-              <a:ext uri="{FF2B5EF4-FFF2-40B4-BE49-F238E27FC236}">
-                <a16:creationId xmlns:a16="http://schemas.microsoft.com/office/drawing/2014/main" id="{51DE58E0-D604-44D9-AB0A-579CF23A7F38}"/>
-              </a:ext>
-            </a:extLst>
-          </p:cNvPr>
+          <p:cNvPr id="3" name="Footer Placeholder 2"/>
           <p:cNvSpPr>
             <a:spLocks noGrp="1"/>
           </p:cNvSpPr>
@@ -2337,13 +2079,7 @@
       </p:sp>
       <p:sp>
         <p:nvSpPr>
-          <p:cNvPr id="4" name="スライド番号プレースホルダー 3">
-            <a:extLst>
-              <a:ext uri="{FF2B5EF4-FFF2-40B4-BE49-F238E27FC236}">
-                <a16:creationId xmlns:a16="http://schemas.microsoft.com/office/drawing/2014/main" id="{8E3B1122-36C1-4EF6-B192-4791749ADDC8}"/>
-              </a:ext>
-            </a:extLst>
-          </p:cNvPr>
+          <p:cNvPr id="4" name="Slide Number Placeholder 3"/>
           <p:cNvSpPr>
             <a:spLocks noGrp="1"/>
           </p:cNvSpPr>
@@ -2367,7 +2103,7 @@
     </p:spTree>
     <p:extLst>
       <p:ext uri="{BB962C8B-B14F-4D97-AF65-F5344CB8AC3E}">
-        <p14:creationId xmlns:p14="http://schemas.microsoft.com/office/powerpoint/2010/main" val="2554930808"/>
+        <p14:creationId xmlns:p14="http://schemas.microsoft.com/office/powerpoint/2010/main" val="3969791167"/>
       </p:ext>
     </p:extLst>
   </p:cSld>
@@ -2396,13 +2132,7 @@
       </p:grpSpPr>
       <p:sp>
         <p:nvSpPr>
-          <p:cNvPr id="2" name="タイトル 1">
-            <a:extLst>
-              <a:ext uri="{FF2B5EF4-FFF2-40B4-BE49-F238E27FC236}">
-                <a16:creationId xmlns:a16="http://schemas.microsoft.com/office/drawing/2014/main" id="{32EB93E2-742C-40DA-A8F0-09D81B36FCED}"/>
-              </a:ext>
-            </a:extLst>
-          </p:cNvPr>
+          <p:cNvPr id="2" name="Title 1"/>
           <p:cNvSpPr>
             <a:spLocks noGrp="1"/>
           </p:cNvSpPr>
@@ -2412,8 +2142,8 @@
         </p:nvSpPr>
         <p:spPr>
           <a:xfrm>
-            <a:off x="629841" y="457200"/>
-            <a:ext cx="2949178" cy="1600200"/>
+            <a:off x="839788" y="457200"/>
+            <a:ext cx="3932237" cy="1600200"/>
           </a:xfrm>
         </p:spPr>
         <p:txBody>
@@ -2425,21 +2155,16 @@
           </a:lstStyle>
           <a:p>
             <a:r>
-              <a:rPr kumimoji="1" lang="ja-JP" altLang="en-US"/>
+              <a:rPr lang="ja-JP" altLang="en-US"/>
               <a:t>マスター タイトルの書式設定</a:t>
             </a:r>
-          </a:p>
-        </p:txBody>
-      </p:sp>
-      <p:sp>
-        <p:nvSpPr>
-          <p:cNvPr id="3" name="コンテンツ プレースホルダー 2">
-            <a:extLst>
-              <a:ext uri="{FF2B5EF4-FFF2-40B4-BE49-F238E27FC236}">
-                <a16:creationId xmlns:a16="http://schemas.microsoft.com/office/drawing/2014/main" id="{AC474D4D-1C0D-458D-9FF6-A1A57723BB58}"/>
-              </a:ext>
-            </a:extLst>
-          </p:cNvPr>
+            <a:endParaRPr lang="en-US" dirty="0"/>
+          </a:p>
+        </p:txBody>
+      </p:sp>
+      <p:sp>
+        <p:nvSpPr>
+          <p:cNvPr id="3" name="Content Placeholder 2"/>
           <p:cNvSpPr>
             <a:spLocks noGrp="1"/>
           </p:cNvSpPr>
@@ -2449,8 +2174,8 @@
         </p:nvSpPr>
         <p:spPr>
           <a:xfrm>
-            <a:off x="3887391" y="987426"/>
-            <a:ext cx="4629150" cy="4873625"/>
+            <a:off x="5183188" y="987425"/>
+            <a:ext cx="6172200" cy="4873625"/>
           </a:xfrm>
         </p:spPr>
         <p:txBody>
@@ -2487,81 +2212,76 @@
           <a:p>
             <a:pPr lvl="0"/>
             <a:r>
-              <a:rPr kumimoji="1" lang="ja-JP" altLang="en-US"/>
+              <a:rPr lang="ja-JP" altLang="en-US"/>
               <a:t>マスター テキストの書式設定</a:t>
             </a:r>
           </a:p>
           <a:p>
             <a:pPr lvl="1"/>
             <a:r>
-              <a:rPr kumimoji="1" lang="ja-JP" altLang="en-US"/>
+              <a:rPr lang="ja-JP" altLang="en-US"/>
               <a:t>第 </a:t>
             </a:r>
             <a:r>
-              <a:rPr kumimoji="1" lang="en-US" altLang="ja-JP"/>
+              <a:rPr lang="en-US" altLang="ja-JP"/>
               <a:t>2 </a:t>
             </a:r>
             <a:r>
-              <a:rPr kumimoji="1" lang="ja-JP" altLang="en-US"/>
+              <a:rPr lang="ja-JP" altLang="en-US"/>
               <a:t>レベル</a:t>
             </a:r>
           </a:p>
           <a:p>
             <a:pPr lvl="2"/>
             <a:r>
-              <a:rPr kumimoji="1" lang="ja-JP" altLang="en-US"/>
+              <a:rPr lang="ja-JP" altLang="en-US"/>
               <a:t>第 </a:t>
             </a:r>
             <a:r>
-              <a:rPr kumimoji="1" lang="en-US" altLang="ja-JP"/>
+              <a:rPr lang="en-US" altLang="ja-JP"/>
               <a:t>3 </a:t>
             </a:r>
             <a:r>
-              <a:rPr kumimoji="1" lang="ja-JP" altLang="en-US"/>
+              <a:rPr lang="ja-JP" altLang="en-US"/>
               <a:t>レベル</a:t>
             </a:r>
           </a:p>
           <a:p>
             <a:pPr lvl="3"/>
             <a:r>
-              <a:rPr kumimoji="1" lang="ja-JP" altLang="en-US"/>
+              <a:rPr lang="ja-JP" altLang="en-US"/>
               <a:t>第 </a:t>
             </a:r>
             <a:r>
-              <a:rPr kumimoji="1" lang="en-US" altLang="ja-JP"/>
+              <a:rPr lang="en-US" altLang="ja-JP"/>
               <a:t>4 </a:t>
             </a:r>
             <a:r>
-              <a:rPr kumimoji="1" lang="ja-JP" altLang="en-US"/>
+              <a:rPr lang="ja-JP" altLang="en-US"/>
               <a:t>レベル</a:t>
             </a:r>
           </a:p>
           <a:p>
             <a:pPr lvl="4"/>
             <a:r>
-              <a:rPr kumimoji="1" lang="ja-JP" altLang="en-US"/>
+              <a:rPr lang="ja-JP" altLang="en-US"/>
               <a:t>第 </a:t>
             </a:r>
             <a:r>
-              <a:rPr kumimoji="1" lang="en-US" altLang="ja-JP"/>
+              <a:rPr lang="en-US" altLang="ja-JP"/>
               <a:t>5 </a:t>
             </a:r>
             <a:r>
-              <a:rPr kumimoji="1" lang="ja-JP" altLang="en-US"/>
+              <a:rPr lang="ja-JP" altLang="en-US"/>
               <a:t>レベル</a:t>
             </a:r>
-          </a:p>
-        </p:txBody>
-      </p:sp>
-      <p:sp>
-        <p:nvSpPr>
-          <p:cNvPr id="4" name="テキスト プレースホルダー 3">
-            <a:extLst>
-              <a:ext uri="{FF2B5EF4-FFF2-40B4-BE49-F238E27FC236}">
-                <a16:creationId xmlns:a16="http://schemas.microsoft.com/office/drawing/2014/main" id="{D59A0723-E6D5-4A19-818C-2CC237DCE793}"/>
-              </a:ext>
-            </a:extLst>
-          </p:cNvPr>
+            <a:endParaRPr lang="en-US" dirty="0"/>
+          </a:p>
+        </p:txBody>
+      </p:sp>
+      <p:sp>
+        <p:nvSpPr>
+          <p:cNvPr id="4" name="Text Placeholder 3"/>
           <p:cNvSpPr>
             <a:spLocks noGrp="1"/>
           </p:cNvSpPr>
@@ -2571,8 +2291,8 @@
         </p:nvSpPr>
         <p:spPr>
           <a:xfrm>
-            <a:off x="629841" y="2057400"/>
-            <a:ext cx="2949178" cy="3811588"/>
+            <a:off x="839788" y="2057400"/>
+            <a:ext cx="3932237" cy="3811588"/>
           </a:xfrm>
         </p:spPr>
         <p:txBody>
@@ -2618,7 +2338,7 @@
           <a:p>
             <a:pPr lvl="0"/>
             <a:r>
-              <a:rPr kumimoji="1" lang="ja-JP" altLang="en-US"/>
+              <a:rPr lang="ja-JP" altLang="en-US"/>
               <a:t>マスター テキストの書式設定</a:t>
             </a:r>
           </a:p>
@@ -2626,13 +2346,7 @@
       </p:sp>
       <p:sp>
         <p:nvSpPr>
-          <p:cNvPr id="5" name="日付プレースホルダー 4">
-            <a:extLst>
-              <a:ext uri="{FF2B5EF4-FFF2-40B4-BE49-F238E27FC236}">
-                <a16:creationId xmlns:a16="http://schemas.microsoft.com/office/drawing/2014/main" id="{EC8AFEC2-77A9-4086-B939-E2C58F4BF6C5}"/>
-              </a:ext>
-            </a:extLst>
-          </p:cNvPr>
+          <p:cNvPr id="5" name="Date Placeholder 4"/>
           <p:cNvSpPr>
             <a:spLocks noGrp="1"/>
           </p:cNvSpPr>
@@ -2647,7 +2361,7 @@
           <a:p>
             <a:fld id="{BCC3470B-979D-4AC3-9CEF-E2615858CE2E}" type="datetimeFigureOut">
               <a:rPr kumimoji="1" lang="ja-JP" altLang="en-US" smtClean="0"/>
-              <a:t>2017/9/12</a:t>
+              <a:t>2023/8/25</a:t>
             </a:fld>
             <a:endParaRPr kumimoji="1" lang="ja-JP" altLang="en-US"/>
           </a:p>
@@ -2655,13 +2369,7 @@
       </p:sp>
       <p:sp>
         <p:nvSpPr>
-          <p:cNvPr id="6" name="フッター プレースホルダー 5">
-            <a:extLst>
-              <a:ext uri="{FF2B5EF4-FFF2-40B4-BE49-F238E27FC236}">
-                <a16:creationId xmlns:a16="http://schemas.microsoft.com/office/drawing/2014/main" id="{CCCE669C-F3A1-498F-87BB-AFC7E57A09BB}"/>
-              </a:ext>
-            </a:extLst>
-          </p:cNvPr>
+          <p:cNvPr id="6" name="Footer Placeholder 5"/>
           <p:cNvSpPr>
             <a:spLocks noGrp="1"/>
           </p:cNvSpPr>
@@ -2680,13 +2388,7 @@
       </p:sp>
       <p:sp>
         <p:nvSpPr>
-          <p:cNvPr id="7" name="スライド番号プレースホルダー 6">
-            <a:extLst>
-              <a:ext uri="{FF2B5EF4-FFF2-40B4-BE49-F238E27FC236}">
-                <a16:creationId xmlns:a16="http://schemas.microsoft.com/office/drawing/2014/main" id="{D25A9716-FF4B-4EE9-93B4-F37325C18E42}"/>
-              </a:ext>
-            </a:extLst>
-          </p:cNvPr>
+          <p:cNvPr id="7" name="Slide Number Placeholder 6"/>
           <p:cNvSpPr>
             <a:spLocks noGrp="1"/>
           </p:cNvSpPr>
@@ -2710,7 +2412,7 @@
     </p:spTree>
     <p:extLst>
       <p:ext uri="{BB962C8B-B14F-4D97-AF65-F5344CB8AC3E}">
-        <p14:creationId xmlns:p14="http://schemas.microsoft.com/office/powerpoint/2010/main" val="1651372392"/>
+        <p14:creationId xmlns:p14="http://schemas.microsoft.com/office/powerpoint/2010/main" val="2171705058"/>
       </p:ext>
     </p:extLst>
   </p:cSld>
@@ -2739,13 +2441,7 @@
       </p:grpSpPr>
       <p:sp>
         <p:nvSpPr>
-          <p:cNvPr id="2" name="タイトル 1">
-            <a:extLst>
-              <a:ext uri="{FF2B5EF4-FFF2-40B4-BE49-F238E27FC236}">
-                <a16:creationId xmlns:a16="http://schemas.microsoft.com/office/drawing/2014/main" id="{F6BE48DE-0EBA-4D97-9DBF-1EC753EBE759}"/>
-              </a:ext>
-            </a:extLst>
-          </p:cNvPr>
+          <p:cNvPr id="2" name="Title 1"/>
           <p:cNvSpPr>
             <a:spLocks noGrp="1"/>
           </p:cNvSpPr>
@@ -2755,8 +2451,8 @@
         </p:nvSpPr>
         <p:spPr>
           <a:xfrm>
-            <a:off x="629841" y="457200"/>
-            <a:ext cx="2949178" cy="1600200"/>
+            <a:off x="839788" y="457200"/>
+            <a:ext cx="3932237" cy="1600200"/>
           </a:xfrm>
         </p:spPr>
         <p:txBody>
@@ -2768,23 +2464,18 @@
           </a:lstStyle>
           <a:p>
             <a:r>
-              <a:rPr kumimoji="1" lang="ja-JP" altLang="en-US"/>
+              <a:rPr lang="ja-JP" altLang="en-US"/>
               <a:t>マスター タイトルの書式設定</a:t>
             </a:r>
-          </a:p>
-        </p:txBody>
-      </p:sp>
-      <p:sp>
-        <p:nvSpPr>
-          <p:cNvPr id="3" name="図プレースホルダー 2">
-            <a:extLst>
-              <a:ext uri="{FF2B5EF4-FFF2-40B4-BE49-F238E27FC236}">
-                <a16:creationId xmlns:a16="http://schemas.microsoft.com/office/drawing/2014/main" id="{2B35F2B9-EF3E-4AC9-8F35-B559A54EBBA6}"/>
-              </a:ext>
-            </a:extLst>
-          </p:cNvPr>
-          <p:cNvSpPr>
-            <a:spLocks noGrp="1"/>
+            <a:endParaRPr lang="en-US" dirty="0"/>
+          </a:p>
+        </p:txBody>
+      </p:sp>
+      <p:sp>
+        <p:nvSpPr>
+          <p:cNvPr id="3" name="Picture Placeholder 2"/>
+          <p:cNvSpPr>
+            <a:spLocks noGrp="1" noChangeAspect="1"/>
           </p:cNvSpPr>
           <p:nvPr>
             <p:ph type="pic" idx="1"/>
@@ -2792,8 +2483,73 @@
         </p:nvSpPr>
         <p:spPr>
           <a:xfrm>
-            <a:off x="3887391" y="987426"/>
-            <a:ext cx="4629150" cy="4873625"/>
+            <a:off x="5183188" y="987425"/>
+            <a:ext cx="6172200" cy="4873625"/>
+          </a:xfrm>
+        </p:spPr>
+        <p:txBody>
+          <a:bodyPr anchor="t"/>
+          <a:lstStyle>
+            <a:lvl1pPr marL="0" indent="0">
+              <a:buNone/>
+              <a:defRPr sz="3200"/>
+            </a:lvl1pPr>
+            <a:lvl2pPr marL="457200" indent="0">
+              <a:buNone/>
+              <a:defRPr sz="2800"/>
+            </a:lvl2pPr>
+            <a:lvl3pPr marL="914400" indent="0">
+              <a:buNone/>
+              <a:defRPr sz="2400"/>
+            </a:lvl3pPr>
+            <a:lvl4pPr marL="1371600" indent="0">
+              <a:buNone/>
+              <a:defRPr sz="2000"/>
+            </a:lvl4pPr>
+            <a:lvl5pPr marL="1828800" indent="0">
+              <a:buNone/>
+              <a:defRPr sz="2000"/>
+            </a:lvl5pPr>
+            <a:lvl6pPr marL="2286000" indent="0">
+              <a:buNone/>
+              <a:defRPr sz="2000"/>
+            </a:lvl6pPr>
+            <a:lvl7pPr marL="2743200" indent="0">
+              <a:buNone/>
+              <a:defRPr sz="2000"/>
+            </a:lvl7pPr>
+            <a:lvl8pPr marL="3200400" indent="0">
+              <a:buNone/>
+              <a:defRPr sz="2000"/>
+            </a:lvl8pPr>
+            <a:lvl9pPr marL="3657600" indent="0">
+              <a:buNone/>
+              <a:defRPr sz="2000"/>
+            </a:lvl9pPr>
+          </a:lstStyle>
+          <a:p>
+            <a:r>
+              <a:rPr lang="ja-JP" altLang="en-US"/>
+              <a:t>アイコンをクリックして図を追加</a:t>
+            </a:r>
+            <a:endParaRPr lang="en-US" dirty="0"/>
+          </a:p>
+        </p:txBody>
+      </p:sp>
+      <p:sp>
+        <p:nvSpPr>
+          <p:cNvPr id="4" name="Text Placeholder 3"/>
+          <p:cNvSpPr>
+            <a:spLocks noGrp="1"/>
+          </p:cNvSpPr>
+          <p:nvPr>
+            <p:ph type="body" sz="half" idx="2"/>
+          </p:nvPr>
+        </p:nvSpPr>
+        <p:spPr>
+          <a:xfrm>
+            <a:off x="839788" y="2057400"/>
+            <a:ext cx="3932237" cy="3811588"/>
           </a:xfrm>
         </p:spPr>
         <p:txBody>
@@ -2801,73 +2557,6 @@
           <a:lstStyle>
             <a:lvl1pPr marL="0" indent="0">
               <a:buNone/>
-              <a:defRPr sz="3200"/>
-            </a:lvl1pPr>
-            <a:lvl2pPr marL="457200" indent="0">
-              <a:buNone/>
-              <a:defRPr sz="2800"/>
-            </a:lvl2pPr>
-            <a:lvl3pPr marL="914400" indent="0">
-              <a:buNone/>
-              <a:defRPr sz="2400"/>
-            </a:lvl3pPr>
-            <a:lvl4pPr marL="1371600" indent="0">
-              <a:buNone/>
-              <a:defRPr sz="2000"/>
-            </a:lvl4pPr>
-            <a:lvl5pPr marL="1828800" indent="0">
-              <a:buNone/>
-              <a:defRPr sz="2000"/>
-            </a:lvl5pPr>
-            <a:lvl6pPr marL="2286000" indent="0">
-              <a:buNone/>
-              <a:defRPr sz="2000"/>
-            </a:lvl6pPr>
-            <a:lvl7pPr marL="2743200" indent="0">
-              <a:buNone/>
-              <a:defRPr sz="2000"/>
-            </a:lvl7pPr>
-            <a:lvl8pPr marL="3200400" indent="0">
-              <a:buNone/>
-              <a:defRPr sz="2000"/>
-            </a:lvl8pPr>
-            <a:lvl9pPr marL="3657600" indent="0">
-              <a:buNone/>
-              <a:defRPr sz="2000"/>
-            </a:lvl9pPr>
-          </a:lstStyle>
-          <a:p>
-            <a:endParaRPr kumimoji="1" lang="ja-JP" altLang="en-US"/>
-          </a:p>
-        </p:txBody>
-      </p:sp>
-      <p:sp>
-        <p:nvSpPr>
-          <p:cNvPr id="4" name="テキスト プレースホルダー 3">
-            <a:extLst>
-              <a:ext uri="{FF2B5EF4-FFF2-40B4-BE49-F238E27FC236}">
-                <a16:creationId xmlns:a16="http://schemas.microsoft.com/office/drawing/2014/main" id="{C7480445-5168-40B5-ABFE-461FF3C35C05}"/>
-              </a:ext>
-            </a:extLst>
-          </p:cNvPr>
-          <p:cNvSpPr>
-            <a:spLocks noGrp="1"/>
-          </p:cNvSpPr>
-          <p:nvPr>
-            <p:ph type="body" sz="half" idx="2"/>
-          </p:nvPr>
-        </p:nvSpPr>
-        <p:spPr>
-          <a:xfrm>
-            <a:off x="629841" y="2057400"/>
-            <a:ext cx="2949178" cy="3811588"/>
-          </a:xfrm>
-        </p:spPr>
-        <p:txBody>
-          <a:bodyPr/>
-          <a:lstStyle>
-            <a:lvl1pPr marL="0" indent="0">
-              <a:buNone/>
               <a:defRPr sz="1600"/>
             </a:lvl1pPr>
             <a:lvl2pPr marL="457200" indent="0">
@@ -2906,7 +2595,7 @@
           <a:p>
             <a:pPr lvl="0"/>
             <a:r>
-              <a:rPr kumimoji="1" lang="ja-JP" altLang="en-US"/>
+              <a:rPr lang="ja-JP" altLang="en-US"/>
               <a:t>マスター テキストの書式設定</a:t>
             </a:r>
           </a:p>
@@ -2914,13 +2603,7 @@
       </p:sp>
       <p:sp>
         <p:nvSpPr>
-          <p:cNvPr id="5" name="日付プレースホルダー 4">
-            <a:extLst>
-              <a:ext uri="{FF2B5EF4-FFF2-40B4-BE49-F238E27FC236}">
-                <a16:creationId xmlns:a16="http://schemas.microsoft.com/office/drawing/2014/main" id="{521ECF7E-BD91-4A78-BA11-C7AA653C7969}"/>
-              </a:ext>
-            </a:extLst>
-          </p:cNvPr>
+          <p:cNvPr id="5" name="Date Placeholder 4"/>
           <p:cNvSpPr>
             <a:spLocks noGrp="1"/>
           </p:cNvSpPr>
@@ -2935,7 +2618,7 @@
           <a:p>
             <a:fld id="{BCC3470B-979D-4AC3-9CEF-E2615858CE2E}" type="datetimeFigureOut">
               <a:rPr kumimoji="1" lang="ja-JP" altLang="en-US" smtClean="0"/>
-              <a:t>2017/9/12</a:t>
+              <a:t>2023/8/25</a:t>
             </a:fld>
             <a:endParaRPr kumimoji="1" lang="ja-JP" altLang="en-US"/>
           </a:p>
@@ -2943,13 +2626,7 @@
       </p:sp>
       <p:sp>
         <p:nvSpPr>
-          <p:cNvPr id="6" name="フッター プレースホルダー 5">
-            <a:extLst>
-              <a:ext uri="{FF2B5EF4-FFF2-40B4-BE49-F238E27FC236}">
-                <a16:creationId xmlns:a16="http://schemas.microsoft.com/office/drawing/2014/main" id="{837EC663-4A4A-43E3-884F-DFCBF1673EEA}"/>
-              </a:ext>
-            </a:extLst>
-          </p:cNvPr>
+          <p:cNvPr id="6" name="Footer Placeholder 5"/>
           <p:cNvSpPr>
             <a:spLocks noGrp="1"/>
           </p:cNvSpPr>
@@ -2968,13 +2645,7 @@
       </p:sp>
       <p:sp>
         <p:nvSpPr>
-          <p:cNvPr id="7" name="スライド番号プレースホルダー 6">
-            <a:extLst>
-              <a:ext uri="{FF2B5EF4-FFF2-40B4-BE49-F238E27FC236}">
-                <a16:creationId xmlns:a16="http://schemas.microsoft.com/office/drawing/2014/main" id="{C39F6F37-892C-4014-A0C6-77EF3492C846}"/>
-              </a:ext>
-            </a:extLst>
-          </p:cNvPr>
+          <p:cNvPr id="7" name="Slide Number Placeholder 6"/>
           <p:cNvSpPr>
             <a:spLocks noGrp="1"/>
           </p:cNvSpPr>
@@ -2998,7 +2669,7 @@
     </p:spTree>
     <p:extLst>
       <p:ext uri="{BB962C8B-B14F-4D97-AF65-F5344CB8AC3E}">
-        <p14:creationId xmlns:p14="http://schemas.microsoft.com/office/powerpoint/2010/main" val="764307389"/>
+        <p14:creationId xmlns:p14="http://schemas.microsoft.com/office/powerpoint/2010/main" val="1544586631"/>
       </p:ext>
     </p:extLst>
   </p:cSld>
@@ -3032,13 +2703,7 @@
       </p:grpSpPr>
       <p:sp>
         <p:nvSpPr>
-          <p:cNvPr id="2" name="タイトル プレースホルダー 1">
-            <a:extLst>
-              <a:ext uri="{FF2B5EF4-FFF2-40B4-BE49-F238E27FC236}">
-                <a16:creationId xmlns:a16="http://schemas.microsoft.com/office/drawing/2014/main" id="{DB27D74D-F45C-4C91-B82A-E0A4952D99BC}"/>
-              </a:ext>
-            </a:extLst>
-          </p:cNvPr>
+          <p:cNvPr id="2" name="Title Placeholder 1"/>
           <p:cNvSpPr>
             <a:spLocks noGrp="1"/>
           </p:cNvSpPr>
@@ -3048,8 +2713,8 @@
         </p:nvSpPr>
         <p:spPr>
           <a:xfrm>
-            <a:off x="628650" y="365126"/>
-            <a:ext cx="7886700" cy="1325563"/>
+            <a:off x="838200" y="365125"/>
+            <a:ext cx="10515600" cy="1325563"/>
           </a:xfrm>
           <a:prstGeom prst="rect">
             <a:avLst/>
@@ -3062,21 +2727,16 @@
           <a:lstStyle/>
           <a:p>
             <a:r>
-              <a:rPr kumimoji="1" lang="ja-JP" altLang="en-US"/>
+              <a:rPr lang="ja-JP" altLang="en-US"/>
               <a:t>マスター タイトルの書式設定</a:t>
             </a:r>
-          </a:p>
-        </p:txBody>
-      </p:sp>
-      <p:sp>
-        <p:nvSpPr>
-          <p:cNvPr id="3" name="テキスト プレースホルダー 2">
-            <a:extLst>
-              <a:ext uri="{FF2B5EF4-FFF2-40B4-BE49-F238E27FC236}">
-                <a16:creationId xmlns:a16="http://schemas.microsoft.com/office/drawing/2014/main" id="{C0B8D245-CCE6-404F-82D7-72BA357D8D7E}"/>
-              </a:ext>
-            </a:extLst>
-          </p:cNvPr>
+            <a:endParaRPr lang="en-US" dirty="0"/>
+          </a:p>
+        </p:txBody>
+      </p:sp>
+      <p:sp>
+        <p:nvSpPr>
+          <p:cNvPr id="3" name="Text Placeholder 2"/>
           <p:cNvSpPr>
             <a:spLocks noGrp="1"/>
           </p:cNvSpPr>
@@ -3086,8 +2746,8 @@
         </p:nvSpPr>
         <p:spPr>
           <a:xfrm>
-            <a:off x="628650" y="1825625"/>
-            <a:ext cx="7886700" cy="4351338"/>
+            <a:off x="838200" y="1825625"/>
+            <a:ext cx="10515600" cy="4351338"/>
           </a:xfrm>
           <a:prstGeom prst="rect">
             <a:avLst/>
@@ -3101,81 +2761,76 @@
           <a:p>
             <a:pPr lvl="0"/>
             <a:r>
-              <a:rPr kumimoji="1" lang="ja-JP" altLang="en-US"/>
+              <a:rPr lang="ja-JP" altLang="en-US"/>
               <a:t>マスター テキストの書式設定</a:t>
             </a:r>
           </a:p>
           <a:p>
             <a:pPr lvl="1"/>
             <a:r>
-              <a:rPr kumimoji="1" lang="ja-JP" altLang="en-US"/>
+              <a:rPr lang="ja-JP" altLang="en-US"/>
               <a:t>第 </a:t>
             </a:r>
             <a:r>
-              <a:rPr kumimoji="1" lang="en-US" altLang="ja-JP"/>
+              <a:rPr lang="en-US" altLang="ja-JP"/>
               <a:t>2 </a:t>
             </a:r>
             <a:r>
-              <a:rPr kumimoji="1" lang="ja-JP" altLang="en-US"/>
+              <a:rPr lang="ja-JP" altLang="en-US"/>
               <a:t>レベル</a:t>
             </a:r>
           </a:p>
           <a:p>
             <a:pPr lvl="2"/>
             <a:r>
-              <a:rPr kumimoji="1" lang="ja-JP" altLang="en-US"/>
+              <a:rPr lang="ja-JP" altLang="en-US"/>
               <a:t>第 </a:t>
             </a:r>
             <a:r>
-              <a:rPr kumimoji="1" lang="en-US" altLang="ja-JP"/>
+              <a:rPr lang="en-US" altLang="ja-JP"/>
               <a:t>3 </a:t>
             </a:r>
             <a:r>
-              <a:rPr kumimoji="1" lang="ja-JP" altLang="en-US"/>
+              <a:rPr lang="ja-JP" altLang="en-US"/>
               <a:t>レベル</a:t>
             </a:r>
           </a:p>
           <a:p>
             <a:pPr lvl="3"/>
             <a:r>
-              <a:rPr kumimoji="1" lang="ja-JP" altLang="en-US"/>
+              <a:rPr lang="ja-JP" altLang="en-US"/>
               <a:t>第 </a:t>
             </a:r>
             <a:r>
-              <a:rPr kumimoji="1" lang="en-US" altLang="ja-JP"/>
+              <a:rPr lang="en-US" altLang="ja-JP"/>
               <a:t>4 </a:t>
             </a:r>
             <a:r>
-              <a:rPr kumimoji="1" lang="ja-JP" altLang="en-US"/>
+              <a:rPr lang="ja-JP" altLang="en-US"/>
               <a:t>レベル</a:t>
             </a:r>
           </a:p>
           <a:p>
             <a:pPr lvl="4"/>
             <a:r>
-              <a:rPr kumimoji="1" lang="ja-JP" altLang="en-US"/>
+              <a:rPr lang="ja-JP" altLang="en-US"/>
               <a:t>第 </a:t>
             </a:r>
             <a:r>
-              <a:rPr kumimoji="1" lang="en-US" altLang="ja-JP"/>
+              <a:rPr lang="en-US" altLang="ja-JP"/>
               <a:t>5 </a:t>
             </a:r>
             <a:r>
-              <a:rPr kumimoji="1" lang="ja-JP" altLang="en-US"/>
+              <a:rPr lang="ja-JP" altLang="en-US"/>
               <a:t>レベル</a:t>
             </a:r>
-          </a:p>
-        </p:txBody>
-      </p:sp>
-      <p:sp>
-        <p:nvSpPr>
-          <p:cNvPr id="4" name="日付プレースホルダー 3">
-            <a:extLst>
-              <a:ext uri="{FF2B5EF4-FFF2-40B4-BE49-F238E27FC236}">
-                <a16:creationId xmlns:a16="http://schemas.microsoft.com/office/drawing/2014/main" id="{70295F89-3A91-48EB-9192-772ADF1B5864}"/>
-              </a:ext>
-            </a:extLst>
-          </p:cNvPr>
+            <a:endParaRPr lang="en-US" dirty="0"/>
+          </a:p>
+        </p:txBody>
+      </p:sp>
+      <p:sp>
+        <p:nvSpPr>
+          <p:cNvPr id="4" name="Date Placeholder 3"/>
           <p:cNvSpPr>
             <a:spLocks noGrp="1"/>
           </p:cNvSpPr>
@@ -3185,8 +2840,8 @@
         </p:nvSpPr>
         <p:spPr>
           <a:xfrm>
-            <a:off x="628650" y="6356351"/>
-            <a:ext cx="2057400" cy="365125"/>
+            <a:off x="838200" y="6356350"/>
+            <a:ext cx="2743200" cy="365125"/>
           </a:xfrm>
           <a:prstGeom prst="rect">
             <a:avLst/>
@@ -3208,7 +2863,7 @@
           <a:p>
             <a:fld id="{BCC3470B-979D-4AC3-9CEF-E2615858CE2E}" type="datetimeFigureOut">
               <a:rPr kumimoji="1" lang="ja-JP" altLang="en-US" smtClean="0"/>
-              <a:t>2017/9/12</a:t>
+              <a:t>2023/8/25</a:t>
             </a:fld>
             <a:endParaRPr kumimoji="1" lang="ja-JP" altLang="en-US"/>
           </a:p>
@@ -3216,13 +2871,7 @@
       </p:sp>
       <p:sp>
         <p:nvSpPr>
-          <p:cNvPr id="5" name="フッター プレースホルダー 4">
-            <a:extLst>
-              <a:ext uri="{FF2B5EF4-FFF2-40B4-BE49-F238E27FC236}">
-                <a16:creationId xmlns:a16="http://schemas.microsoft.com/office/drawing/2014/main" id="{E47E0B0A-84E7-454B-8F60-7C126E1EDC76}"/>
-              </a:ext>
-            </a:extLst>
-          </p:cNvPr>
+          <p:cNvPr id="5" name="Footer Placeholder 4"/>
           <p:cNvSpPr>
             <a:spLocks noGrp="1"/>
           </p:cNvSpPr>
@@ -3232,8 +2881,8 @@
         </p:nvSpPr>
         <p:spPr>
           <a:xfrm>
-            <a:off x="3028950" y="6356351"/>
-            <a:ext cx="3086100" cy="365125"/>
+            <a:off x="4038600" y="6356350"/>
+            <a:ext cx="4114800" cy="365125"/>
           </a:xfrm>
           <a:prstGeom prst="rect">
             <a:avLst/>
@@ -3259,13 +2908,7 @@
       </p:sp>
       <p:sp>
         <p:nvSpPr>
-          <p:cNvPr id="6" name="スライド番号プレースホルダー 5">
-            <a:extLst>
-              <a:ext uri="{FF2B5EF4-FFF2-40B4-BE49-F238E27FC236}">
-                <a16:creationId xmlns:a16="http://schemas.microsoft.com/office/drawing/2014/main" id="{84A3534F-9767-433C-9943-7509C1C58129}"/>
-              </a:ext>
-            </a:extLst>
-          </p:cNvPr>
+          <p:cNvPr id="6" name="Slide Number Placeholder 5"/>
           <p:cNvSpPr>
             <a:spLocks noGrp="1"/>
           </p:cNvSpPr>
@@ -3275,8 +2918,8 @@
         </p:nvSpPr>
         <p:spPr>
           <a:xfrm>
-            <a:off x="6457950" y="6356351"/>
-            <a:ext cx="2057400" cy="365125"/>
+            <a:off x="8610600" y="6356350"/>
+            <a:ext cx="2743200" cy="365125"/>
           </a:xfrm>
           <a:prstGeom prst="rect">
             <a:avLst/>
@@ -3307,23 +2950,23 @@
     </p:spTree>
     <p:extLst>
       <p:ext uri="{BB962C8B-B14F-4D97-AF65-F5344CB8AC3E}">
-        <p14:creationId xmlns:p14="http://schemas.microsoft.com/office/powerpoint/2010/main" val="554696255"/>
+        <p14:creationId xmlns:p14="http://schemas.microsoft.com/office/powerpoint/2010/main" val="1239678931"/>
       </p:ext>
     </p:extLst>
   </p:cSld>
   <p:clrMap bg1="lt1" tx1="dk1" bg2="lt2" tx2="dk2" accent1="accent1" accent2="accent2" accent3="accent3" accent4="accent4" accent5="accent5" accent6="accent6" hlink="hlink" folHlink="folHlink"/>
   <p:sldLayoutIdLst>
-    <p:sldLayoutId id="2147483649" r:id="rId1"/>
-    <p:sldLayoutId id="2147483650" r:id="rId2"/>
-    <p:sldLayoutId id="2147483651" r:id="rId3"/>
-    <p:sldLayoutId id="2147483652" r:id="rId4"/>
-    <p:sldLayoutId id="2147483653" r:id="rId5"/>
-    <p:sldLayoutId id="2147483654" r:id="rId6"/>
-    <p:sldLayoutId id="2147483655" r:id="rId7"/>
-    <p:sldLayoutId id="2147483656" r:id="rId8"/>
-    <p:sldLayoutId id="2147483657" r:id="rId9"/>
-    <p:sldLayoutId id="2147483658" r:id="rId10"/>
-    <p:sldLayoutId id="2147483659" r:id="rId11"/>
+    <p:sldLayoutId id="2147483661" r:id="rId1"/>
+    <p:sldLayoutId id="2147483662" r:id="rId2"/>
+    <p:sldLayoutId id="2147483663" r:id="rId3"/>
+    <p:sldLayoutId id="2147483664" r:id="rId4"/>
+    <p:sldLayoutId id="2147483665" r:id="rId5"/>
+    <p:sldLayoutId id="2147483666" r:id="rId6"/>
+    <p:sldLayoutId id="2147483667" r:id="rId7"/>
+    <p:sldLayoutId id="2147483668" r:id="rId8"/>
+    <p:sldLayoutId id="2147483669" r:id="rId9"/>
+    <p:sldLayoutId id="2147483670" r:id="rId10"/>
+    <p:sldLayoutId id="2147483671" r:id="rId11"/>
   </p:sldLayoutIdLst>
   <p:txStyles>
     <p:titleStyle>
@@ -3335,7 +2978,7 @@
           <a:spcPct val="0"/>
         </a:spcBef>
         <a:buNone/>
-        <a:defRPr kumimoji="1" sz="4400" kern="1200">
+        <a:defRPr sz="4400" kern="1200">
           <a:solidFill>
             <a:schemeClr val="tx1"/>
           </a:solidFill>
@@ -3355,7 +2998,7 @@
         </a:spcBef>
         <a:buFont typeface="Arial" panose="020B0604020202020204" pitchFamily="34" charset="0"/>
         <a:buChar char="•"/>
-        <a:defRPr kumimoji="1" sz="2800" kern="1200">
+        <a:defRPr sz="2800" kern="1200">
           <a:solidFill>
             <a:schemeClr val="tx1"/>
           </a:solidFill>
@@ -3373,7 +3016,7 @@
         </a:spcBef>
         <a:buFont typeface="Arial" panose="020B0604020202020204" pitchFamily="34" charset="0"/>
         <a:buChar char="•"/>
-        <a:defRPr kumimoji="1" sz="2400" kern="1200">
+        <a:defRPr sz="2400" kern="1200">
           <a:solidFill>
             <a:schemeClr val="tx1"/>
           </a:solidFill>
@@ -3391,7 +3034,7 @@
         </a:spcBef>
         <a:buFont typeface="Arial" panose="020B0604020202020204" pitchFamily="34" charset="0"/>
         <a:buChar char="•"/>
-        <a:defRPr kumimoji="1" sz="2000" kern="1200">
+        <a:defRPr sz="2000" kern="1200">
           <a:solidFill>
             <a:schemeClr val="tx1"/>
           </a:solidFill>
@@ -3409,7 +3052,7 @@
         </a:spcBef>
         <a:buFont typeface="Arial" panose="020B0604020202020204" pitchFamily="34" charset="0"/>
         <a:buChar char="•"/>
-        <a:defRPr kumimoji="1" sz="1800" kern="1200">
+        <a:defRPr sz="1800" kern="1200">
           <a:solidFill>
             <a:schemeClr val="tx1"/>
           </a:solidFill>
@@ -3427,7 +3070,7 @@
         </a:spcBef>
         <a:buFont typeface="Arial" panose="020B0604020202020204" pitchFamily="34" charset="0"/>
         <a:buChar char="•"/>
-        <a:defRPr kumimoji="1" sz="1800" kern="1200">
+        <a:defRPr sz="1800" kern="1200">
           <a:solidFill>
             <a:schemeClr val="tx1"/>
           </a:solidFill>
@@ -3445,7 +3088,7 @@
         </a:spcBef>
         <a:buFont typeface="Arial" panose="020B0604020202020204" pitchFamily="34" charset="0"/>
         <a:buChar char="•"/>
-        <a:defRPr kumimoji="1" sz="1800" kern="1200">
+        <a:defRPr sz="1800" kern="1200">
           <a:solidFill>
             <a:schemeClr val="tx1"/>
           </a:solidFill>
@@ -3463,7 +3106,7 @@
         </a:spcBef>
         <a:buFont typeface="Arial" panose="020B0604020202020204" pitchFamily="34" charset="0"/>
         <a:buChar char="•"/>
-        <a:defRPr kumimoji="1" sz="1800" kern="1200">
+        <a:defRPr sz="1800" kern="1200">
           <a:solidFill>
             <a:schemeClr val="tx1"/>
           </a:solidFill>
@@ -3481,7 +3124,7 @@
         </a:spcBef>
         <a:buFont typeface="Arial" panose="020B0604020202020204" pitchFamily="34" charset="0"/>
         <a:buChar char="•"/>
-        <a:defRPr kumimoji="1" sz="1800" kern="1200">
+        <a:defRPr sz="1800" kern="1200">
           <a:solidFill>
             <a:schemeClr val="tx1"/>
           </a:solidFill>
@@ -3499,7 +3142,7 @@
         </a:spcBef>
         <a:buFont typeface="Arial" panose="020B0604020202020204" pitchFamily="34" charset="0"/>
         <a:buChar char="•"/>
-        <a:defRPr kumimoji="1" sz="1800" kern="1200">
+        <a:defRPr sz="1800" kern="1200">
           <a:solidFill>
             <a:schemeClr val="tx1"/>
           </a:solidFill>
@@ -3511,10 +3154,10 @@
     </p:bodyStyle>
     <p:otherStyle>
       <a:defPPr>
-        <a:defRPr lang="ja-JP"/>
+        <a:defRPr lang="en-US"/>
       </a:defPPr>
       <a:lvl1pPr marL="0" algn="l" defTabSz="914400" rtl="0" eaLnBrk="1" latinLnBrk="0" hangingPunct="1">
-        <a:defRPr kumimoji="1" sz="1800" kern="1200">
+        <a:defRPr sz="1800" kern="1200">
           <a:solidFill>
             <a:schemeClr val="tx1"/>
           </a:solidFill>
@@ -3524,7 +3167,7 @@
         </a:defRPr>
       </a:lvl1pPr>
       <a:lvl2pPr marL="457200" algn="l" defTabSz="914400" rtl="0" eaLnBrk="1" latinLnBrk="0" hangingPunct="1">
-        <a:defRPr kumimoji="1" sz="1800" kern="1200">
+        <a:defRPr sz="1800" kern="1200">
           <a:solidFill>
             <a:schemeClr val="tx1"/>
           </a:solidFill>
@@ -3534,7 +3177,7 @@
         </a:defRPr>
       </a:lvl2pPr>
       <a:lvl3pPr marL="914400" algn="l" defTabSz="914400" rtl="0" eaLnBrk="1" latinLnBrk="0" hangingPunct="1">
-        <a:defRPr kumimoji="1" sz="1800" kern="1200">
+        <a:defRPr sz="1800" kern="1200">
           <a:solidFill>
             <a:schemeClr val="tx1"/>
           </a:solidFill>
@@ -3544,7 +3187,7 @@
         </a:defRPr>
       </a:lvl3pPr>
       <a:lvl4pPr marL="1371600" algn="l" defTabSz="914400" rtl="0" eaLnBrk="1" latinLnBrk="0" hangingPunct="1">
-        <a:defRPr kumimoji="1" sz="1800" kern="1200">
+        <a:defRPr sz="1800" kern="1200">
           <a:solidFill>
             <a:schemeClr val="tx1"/>
           </a:solidFill>
@@ -3554,7 +3197,7 @@
         </a:defRPr>
       </a:lvl4pPr>
       <a:lvl5pPr marL="1828800" algn="l" defTabSz="914400" rtl="0" eaLnBrk="1" latinLnBrk="0" hangingPunct="1">
-        <a:defRPr kumimoji="1" sz="1800" kern="1200">
+        <a:defRPr sz="1800" kern="1200">
           <a:solidFill>
             <a:schemeClr val="tx1"/>
           </a:solidFill>
@@ -3564,7 +3207,7 @@
         </a:defRPr>
       </a:lvl5pPr>
       <a:lvl6pPr marL="2286000" algn="l" defTabSz="914400" rtl="0" eaLnBrk="1" latinLnBrk="0" hangingPunct="1">
-        <a:defRPr kumimoji="1" sz="1800" kern="1200">
+        <a:defRPr sz="1800" kern="1200">
           <a:solidFill>
             <a:schemeClr val="tx1"/>
           </a:solidFill>
@@ -3574,7 +3217,7 @@
         </a:defRPr>
       </a:lvl6pPr>
       <a:lvl7pPr marL="2743200" algn="l" defTabSz="914400" rtl="0" eaLnBrk="1" latinLnBrk="0" hangingPunct="1">
-        <a:defRPr kumimoji="1" sz="1800" kern="1200">
+        <a:defRPr sz="1800" kern="1200">
           <a:solidFill>
             <a:schemeClr val="tx1"/>
           </a:solidFill>
@@ -3584,7 +3227,7 @@
         </a:defRPr>
       </a:lvl7pPr>
       <a:lvl8pPr marL="3200400" algn="l" defTabSz="914400" rtl="0" eaLnBrk="1" latinLnBrk="0" hangingPunct="1">
-        <a:defRPr kumimoji="1" sz="1800" kern="1200">
+        <a:defRPr sz="1800" kern="1200">
           <a:solidFill>
             <a:schemeClr val="tx1"/>
           </a:solidFill>
@@ -3594,7 +3237,7 @@
         </a:defRPr>
       </a:lvl8pPr>
       <a:lvl9pPr marL="3657600" algn="l" defTabSz="914400" rtl="0" eaLnBrk="1" latinLnBrk="0" hangingPunct="1">
-        <a:defRPr kumimoji="1" sz="1800" kern="1200">
+        <a:defRPr sz="1800" kern="1200">
           <a:solidFill>
             <a:schemeClr val="tx1"/>
           </a:solidFill>
@@ -3625,12 +3268,48 @@
           <a:chExt cx="0" cy="0"/>
         </a:xfrm>
       </p:grpSpPr>
+      <p:pic>
+        <p:nvPicPr>
+          <p:cNvPr id="4" name="図 3">
+            <a:extLst>
+              <a:ext uri="{FF2B5EF4-FFF2-40B4-BE49-F238E27FC236}">
+                <a16:creationId xmlns:a16="http://schemas.microsoft.com/office/drawing/2014/main" id="{9C84729F-1084-A4AC-5622-0186BE0676DD}"/>
+              </a:ext>
+            </a:extLst>
+          </p:cNvPr>
+          <p:cNvPicPr>
+            <a:picLocks noChangeAspect="1"/>
+          </p:cNvPicPr>
+          <p:nvPr/>
+        </p:nvPicPr>
+        <p:blipFill>
+          <a:blip r:embed="rId2">
+            <a:extLst>
+              <a:ext uri="{28A0092B-C50C-407E-A947-70E740481C1C}">
+                <a14:useLocalDpi xmlns:a14="http://schemas.microsoft.com/office/drawing/2010/main" val="0"/>
+              </a:ext>
+            </a:extLst>
+          </a:blip>
+          <a:stretch>
+            <a:fillRect/>
+          </a:stretch>
+        </p:blipFill>
+        <p:spPr>
+          <a:xfrm>
+            <a:off x="2552354" y="1053081"/>
+            <a:ext cx="4587281" cy="3977580"/>
+          </a:xfrm>
+          <a:prstGeom prst="rect">
+            <a:avLst/>
+          </a:prstGeom>
+        </p:spPr>
+      </p:pic>
       <p:sp>
         <p:nvSpPr>
           <p:cNvPr id="2" name="タイトル 1">
             <a:extLst>
               <a:ext uri="{FF2B5EF4-FFF2-40B4-BE49-F238E27FC236}">
-                <a16:creationId xmlns:a16="http://schemas.microsoft.com/office/drawing/2014/main" id="{BB5C2991-4FC6-46B5-B16C-6606DA082ABB}"/>
+                <a16:creationId xmlns:a16="http://schemas.microsoft.com/office/drawing/2014/main" id="{F9A1451B-504E-4EAC-B7E4-07A4B7A2A9F5}"/>
               </a:ext>
             </a:extLst>
           </p:cNvPr>
@@ -3643,8 +3322,8 @@
         </p:nvSpPr>
         <p:spPr>
           <a:xfrm>
-            <a:off x="628649" y="365126"/>
-            <a:ext cx="8118111" cy="1325563"/>
+            <a:off x="384657" y="347011"/>
+            <a:ext cx="10515600" cy="829494"/>
           </a:xfrm>
         </p:spPr>
         <p:txBody>
@@ -3654,7 +3333,7 @@
           <a:lstStyle/>
           <a:p>
             <a:r>
-              <a:rPr lang="en-US" altLang="ja-JP">
+              <a:rPr lang="en-US" altLang="ja-JP" sz="4000" dirty="0">
                 <a:solidFill>
                   <a:schemeClr val="accent1"/>
                 </a:solidFill>
@@ -3664,7 +3343,7 @@
               <a:t>10. </a:t>
             </a:r>
             <a:r>
-              <a:rPr lang="ja-JP" altLang="en-US">
+              <a:rPr lang="ja-JP" altLang="en-US" sz="4000" dirty="0">
                 <a:solidFill>
                   <a:schemeClr val="accent1"/>
                 </a:solidFill>
@@ -3674,7 +3353,7 @@
               <a:t>音声の認識：</a:t>
             </a:r>
             <a:r>
-              <a:rPr lang="en-US" altLang="ja-JP">
+              <a:rPr lang="en-US" altLang="ja-JP" sz="4000" dirty="0">
                 <a:solidFill>
                   <a:schemeClr val="accent1"/>
                 </a:solidFill>
@@ -3684,7 +3363,7 @@
               <a:t>WFST </a:t>
             </a:r>
             <a:r>
-              <a:rPr lang="ja-JP" altLang="en-US">
+              <a:rPr lang="ja-JP" altLang="en-US" sz="4000" dirty="0">
                 <a:solidFill>
                   <a:schemeClr val="accent1"/>
                 </a:solidFill>
@@ -3693,55 +3372,212 @@
               </a:rPr>
               <a:t>の演算</a:t>
             </a:r>
-            <a:endParaRPr kumimoji="1" lang="ja-JP" altLang="en-US">
-              <a:solidFill>
-                <a:schemeClr val="accent1"/>
-              </a:solidFill>
+          </a:p>
+        </p:txBody>
+      </p:sp>
+      <p:sp>
+        <p:nvSpPr>
+          <p:cNvPr id="5" name="テキスト ボックス 4">
+            <a:extLst>
+              <a:ext uri="{FF2B5EF4-FFF2-40B4-BE49-F238E27FC236}">
+                <a16:creationId xmlns:a16="http://schemas.microsoft.com/office/drawing/2014/main" id="{E979BD5E-4176-A88C-DBED-0029D8B05292}"/>
+              </a:ext>
+            </a:extLst>
+          </p:cNvPr>
+          <p:cNvSpPr txBox="1"/>
+          <p:nvPr/>
+        </p:nvSpPr>
+        <p:spPr>
+          <a:xfrm>
+            <a:off x="7453506" y="5211575"/>
+            <a:ext cx="4559053" cy="1077218"/>
+          </a:xfrm>
+          <a:prstGeom prst="rect">
+            <a:avLst/>
+          </a:prstGeom>
+          <a:noFill/>
+        </p:spPr>
+        <p:txBody>
+          <a:bodyPr wrap="square" rtlCol="0">
+            <a:spAutoFit/>
+          </a:bodyPr>
+          <a:lstStyle/>
+          <a:p>
+            <a:pPr marL="285750" indent="-285750">
+              <a:spcBef>
+                <a:spcPts val="600"/>
+              </a:spcBef>
+              <a:buFont typeface="Arial" panose="020B0604020202020204" pitchFamily="34" charset="0"/>
+              <a:buChar char="•"/>
+            </a:pPr>
+            <a:r>
+              <a:rPr lang="ja-JP" altLang="en-US" dirty="0"/>
+              <a:t>荒木雅弘</a:t>
+            </a:r>
+            <a:r>
+              <a:rPr lang="en-US" altLang="ja-JP" dirty="0"/>
+              <a:t> :『</a:t>
+            </a:r>
+            <a:r>
+              <a:rPr lang="ja-JP" altLang="en-US" dirty="0"/>
+              <a:t>イラストで学ぶ音声認識</a:t>
+            </a:r>
+            <a:r>
+              <a:rPr lang="en-US" altLang="ja-JP" dirty="0"/>
+              <a:t>』</a:t>
+            </a:r>
+          </a:p>
+          <a:p>
+            <a:pPr>
+              <a:spcBef>
+                <a:spcPts val="600"/>
+              </a:spcBef>
+            </a:pPr>
+            <a:r>
+              <a:rPr lang="ja-JP" altLang="en-US" dirty="0"/>
+              <a:t>　（講談社</a:t>
+            </a:r>
+            <a:r>
+              <a:rPr lang="en-US" altLang="ja-JP" dirty="0"/>
+              <a:t>,</a:t>
+            </a:r>
+            <a:r>
+              <a:rPr lang="ja-JP" altLang="en-US" dirty="0"/>
+              <a:t> </a:t>
+            </a:r>
+            <a:r>
+              <a:rPr lang="en-US" altLang="ja-JP" dirty="0"/>
+              <a:t>2015</a:t>
+            </a:r>
+            <a:r>
+              <a:rPr lang="ja-JP" altLang="en-US" dirty="0"/>
+              <a:t>年）</a:t>
+            </a:r>
+            <a:endParaRPr lang="en-US" altLang="ja-JP" dirty="0"/>
+          </a:p>
+          <a:p>
+            <a:pPr marL="285750" indent="-285750">
+              <a:spcBef>
+                <a:spcPts val="600"/>
+              </a:spcBef>
+              <a:buFont typeface="Arial" panose="020B0604020202020204" pitchFamily="34" charset="0"/>
+              <a:buChar char="•"/>
+            </a:pPr>
+            <a:r>
+              <a:rPr lang="ja-JP" altLang="en-US" dirty="0">
+                <a:hlinkClick r:id="rId3"/>
+              </a:rPr>
+              <a:t>サポートページ</a:t>
+            </a:r>
+            <a:endParaRPr lang="en-US" dirty="0"/>
+          </a:p>
+        </p:txBody>
+      </p:sp>
+      <p:pic>
+        <p:nvPicPr>
+          <p:cNvPr id="3" name="図 2">
+            <a:extLst>
+              <a:ext uri="{FF2B5EF4-FFF2-40B4-BE49-F238E27FC236}">
+                <a16:creationId xmlns:a16="http://schemas.microsoft.com/office/drawing/2014/main" id="{F7698FEA-6294-08A1-296D-5D1B60E2FCC4}"/>
+              </a:ext>
+            </a:extLst>
+          </p:cNvPr>
+          <p:cNvPicPr>
+            <a:picLocks noChangeAspect="1"/>
+          </p:cNvPicPr>
+          <p:nvPr/>
+        </p:nvPicPr>
+        <p:blipFill>
+          <a:blip r:embed="rId4">
+            <a:extLst>
+              <a:ext uri="{28A0092B-C50C-407E-A947-70E740481C1C}">
+                <a14:useLocalDpi xmlns:a14="http://schemas.microsoft.com/office/drawing/2010/main" val="0"/>
+              </a:ext>
+            </a:extLst>
+          </a:blip>
+          <a:stretch>
+            <a:fillRect/>
+          </a:stretch>
+        </p:blipFill>
+        <p:spPr>
+          <a:xfrm>
+            <a:off x="8366615" y="1053081"/>
+            <a:ext cx="2725188" cy="3867171"/>
+          </a:xfrm>
+          <a:prstGeom prst="rect">
+            <a:avLst/>
+          </a:prstGeom>
+        </p:spPr>
+      </p:pic>
+      <p:sp>
+        <p:nvSpPr>
+          <p:cNvPr id="7" name="コンテンツ プレースホルダー 2">
+            <a:extLst>
+              <a:ext uri="{FF2B5EF4-FFF2-40B4-BE49-F238E27FC236}">
+                <a16:creationId xmlns:a16="http://schemas.microsoft.com/office/drawing/2014/main" id="{1BBBF547-AFA4-E491-EC8F-36D566715F6A}"/>
+              </a:ext>
+            </a:extLst>
+          </p:cNvPr>
+          <p:cNvSpPr>
+            <a:spLocks noGrp="1"/>
+          </p:cNvSpPr>
+          <p:nvPr>
+            <p:ph idx="1"/>
+          </p:nvPr>
+        </p:nvSpPr>
+        <p:spPr>
+          <a:xfrm>
+            <a:off x="384657" y="4762195"/>
+            <a:ext cx="6934427" cy="1806855"/>
+          </a:xfrm>
+        </p:spPr>
+        <p:txBody>
+          <a:bodyPr>
+            <a:normAutofit/>
+          </a:bodyPr>
+          <a:lstStyle/>
+          <a:p>
+            <a:pPr marL="0" indent="0">
+              <a:buNone/>
+            </a:pPr>
+            <a:r>
+              <a:rPr kumimoji="1" lang="en-US" altLang="ja-JP" sz="2400" dirty="0">
+                <a:latin typeface="メイリオ" panose="020B0604030504040204" pitchFamily="50" charset="-128"/>
+                <a:ea typeface="メイリオ" panose="020B0604030504040204" pitchFamily="50" charset="-128"/>
+              </a:rPr>
+              <a:t>10.1 WFST </a:t>
+            </a:r>
+            <a:r>
+              <a:rPr kumimoji="1" lang="ja-JP" altLang="en-US" sz="2400" dirty="0">
+                <a:latin typeface="メイリオ" panose="020B0604030504040204" pitchFamily="50" charset="-128"/>
+                <a:ea typeface="メイリオ" panose="020B0604030504040204" pitchFamily="50" charset="-128"/>
+              </a:rPr>
+              <a:t>の合成演算</a:t>
+            </a:r>
+            <a:endParaRPr kumimoji="1" lang="en-US" altLang="ja-JP" sz="2400" dirty="0">
               <a:latin typeface="メイリオ" panose="020B0604030504040204" pitchFamily="50" charset="-128"/>
               <a:ea typeface="メイリオ" panose="020B0604030504040204" pitchFamily="50" charset="-128"/>
             </a:endParaRPr>
           </a:p>
-        </p:txBody>
-      </p:sp>
-      <p:sp>
-        <p:nvSpPr>
-          <p:cNvPr id="3" name="コンテンツ プレースホルダー 2">
-            <a:extLst>
-              <a:ext uri="{FF2B5EF4-FFF2-40B4-BE49-F238E27FC236}">
-                <a16:creationId xmlns:a16="http://schemas.microsoft.com/office/drawing/2014/main" id="{A4B37908-7AF7-4C90-9EB7-C82020A5148B}"/>
-              </a:ext>
-            </a:extLst>
-          </p:cNvPr>
-          <p:cNvSpPr>
-            <a:spLocks noGrp="1"/>
-          </p:cNvSpPr>
-          <p:nvPr>
-            <p:ph idx="1"/>
-          </p:nvPr>
-        </p:nvSpPr>
-        <p:spPr/>
-        <p:txBody>
-          <a:bodyPr/>
-          <a:lstStyle/>
           <a:p>
             <a:pPr marL="0" indent="0">
               <a:buNone/>
             </a:pPr>
             <a:r>
-              <a:rPr kumimoji="1" lang="en-US" altLang="ja-JP">
-                <a:latin typeface="メイリオ" panose="020B0604030504040204" pitchFamily="50" charset="-128"/>
-                <a:ea typeface="メイリオ" panose="020B0604030504040204" pitchFamily="50" charset="-128"/>
-              </a:rPr>
-              <a:t>10.1 WFST </a:t>
-            </a:r>
-            <a:r>
-              <a:rPr kumimoji="1" lang="ja-JP" altLang="en-US">
-                <a:latin typeface="メイリオ" panose="020B0604030504040204" pitchFamily="50" charset="-128"/>
-                <a:ea typeface="メイリオ" panose="020B0604030504040204" pitchFamily="50" charset="-128"/>
-              </a:rPr>
-              <a:t>の合成演算</a:t>
-            </a:r>
-            <a:endParaRPr kumimoji="1" lang="en-US" altLang="ja-JP">
+              <a:rPr kumimoji="1" lang="en-US" altLang="ja-JP" sz="2400" dirty="0">
+                <a:latin typeface="メイリオ" panose="020B0604030504040204" pitchFamily="50" charset="-128"/>
+                <a:ea typeface="メイリオ" panose="020B0604030504040204" pitchFamily="50" charset="-128"/>
+              </a:rPr>
+              <a:t>10.2 </a:t>
+            </a:r>
+            <a:r>
+              <a:rPr kumimoji="1" lang="ja-JP" altLang="en-US" sz="2400" dirty="0">
+                <a:latin typeface="メイリオ" panose="020B0604030504040204" pitchFamily="50" charset="-128"/>
+                <a:ea typeface="メイリオ" panose="020B0604030504040204" pitchFamily="50" charset="-128"/>
+              </a:rPr>
+              <a:t>決定化</a:t>
+            </a:r>
+            <a:endParaRPr kumimoji="1" lang="en-US" altLang="ja-JP" sz="2400" dirty="0">
               <a:latin typeface="メイリオ" panose="020B0604030504040204" pitchFamily="50" charset="-128"/>
               <a:ea typeface="メイリオ" panose="020B0604030504040204" pitchFamily="50" charset="-128"/>
             </a:endParaRPr>
@@ -3751,20 +3587,20 @@
               <a:buNone/>
             </a:pPr>
             <a:r>
-              <a:rPr kumimoji="1" lang="en-US" altLang="ja-JP">
-                <a:latin typeface="メイリオ" panose="020B0604030504040204" pitchFamily="50" charset="-128"/>
-                <a:ea typeface="メイリオ" panose="020B0604030504040204" pitchFamily="50" charset="-128"/>
-              </a:rPr>
-              <a:t>10.2 </a:t>
-            </a:r>
-            <a:r>
-              <a:rPr kumimoji="1" lang="ja-JP" altLang="en-US">
-                <a:latin typeface="メイリオ" panose="020B0604030504040204" pitchFamily="50" charset="-128"/>
-                <a:ea typeface="メイリオ" panose="020B0604030504040204" pitchFamily="50" charset="-128"/>
-              </a:rPr>
-              <a:t>決定化</a:t>
-            </a:r>
-            <a:endParaRPr kumimoji="1" lang="en-US" altLang="ja-JP">
+              <a:rPr kumimoji="1" lang="en-US" altLang="ja-JP" sz="2400" dirty="0">
+                <a:latin typeface="メイリオ" panose="020B0604030504040204" pitchFamily="50" charset="-128"/>
+                <a:ea typeface="メイリオ" panose="020B0604030504040204" pitchFamily="50" charset="-128"/>
+              </a:rPr>
+              <a:t>10.3 </a:t>
+            </a:r>
+            <a:r>
+              <a:rPr kumimoji="1" lang="ja-JP" altLang="en-US" sz="2400" dirty="0">
+                <a:latin typeface="メイリオ" panose="020B0604030504040204" pitchFamily="50" charset="-128"/>
+                <a:ea typeface="メイリオ" panose="020B0604030504040204" pitchFamily="50" charset="-128"/>
+              </a:rPr>
+              <a:t>重み移動</a:t>
+            </a:r>
+            <a:endParaRPr kumimoji="1" lang="en-US" altLang="ja-JP" sz="2400" dirty="0">
               <a:latin typeface="メイリオ" panose="020B0604030504040204" pitchFamily="50" charset="-128"/>
               <a:ea typeface="メイリオ" panose="020B0604030504040204" pitchFamily="50" charset="-128"/>
             </a:endParaRPr>
@@ -3774,37 +3610,14 @@
               <a:buNone/>
             </a:pPr>
             <a:r>
-              <a:rPr kumimoji="1" lang="en-US" altLang="ja-JP">
-                <a:latin typeface="メイリオ" panose="020B0604030504040204" pitchFamily="50" charset="-128"/>
-                <a:ea typeface="メイリオ" panose="020B0604030504040204" pitchFamily="50" charset="-128"/>
-              </a:rPr>
-              <a:t>10.3 </a:t>
-            </a:r>
-            <a:r>
-              <a:rPr kumimoji="1" lang="ja-JP" altLang="en-US">
-                <a:latin typeface="メイリオ" panose="020B0604030504040204" pitchFamily="50" charset="-128"/>
-                <a:ea typeface="メイリオ" panose="020B0604030504040204" pitchFamily="50" charset="-128"/>
-              </a:rPr>
-              <a:t>重み移動</a:t>
-            </a:r>
-            <a:endParaRPr kumimoji="1" lang="en-US" altLang="ja-JP">
-              <a:latin typeface="メイリオ" panose="020B0604030504040204" pitchFamily="50" charset="-128"/>
-              <a:ea typeface="メイリオ" panose="020B0604030504040204" pitchFamily="50" charset="-128"/>
-            </a:endParaRPr>
-          </a:p>
-          <a:p>
-            <a:pPr marL="0" indent="0">
-              <a:buNone/>
-            </a:pPr>
-            <a:r>
-              <a:rPr kumimoji="1" lang="en-US" altLang="ja-JP">
+              <a:rPr kumimoji="1" lang="en-US" altLang="ja-JP" sz="2400" dirty="0">
                 <a:latin typeface="メイリオ" panose="020B0604030504040204" pitchFamily="50" charset="-128"/>
                 <a:ea typeface="メイリオ" panose="020B0604030504040204" pitchFamily="50" charset="-128"/>
               </a:rPr>
               <a:t>10.4 </a:t>
             </a:r>
             <a:r>
-              <a:rPr kumimoji="1" lang="ja-JP" altLang="en-US">
+              <a:rPr kumimoji="1" lang="ja-JP" altLang="en-US" sz="2400" dirty="0">
                 <a:latin typeface="メイリオ" panose="020B0604030504040204" pitchFamily="50" charset="-128"/>
                 <a:ea typeface="メイリオ" panose="020B0604030504040204" pitchFamily="50" charset="-128"/>
               </a:rPr>
@@ -3816,7 +3629,7 @@
     </p:spTree>
     <p:extLst>
       <p:ext uri="{BB962C8B-B14F-4D97-AF65-F5344CB8AC3E}">
-        <p14:creationId xmlns:p14="http://schemas.microsoft.com/office/powerpoint/2010/main" val="653372142"/>
+        <p14:creationId xmlns:p14="http://schemas.microsoft.com/office/powerpoint/2010/main" val="144594472"/>
       </p:ext>
     </p:extLst>
   </p:cSld>
@@ -3861,8 +3674,8 @@
         </p:nvSpPr>
         <p:spPr>
           <a:xfrm>
-            <a:off x="445488" y="365151"/>
-            <a:ext cx="8253023" cy="976469"/>
+            <a:off x="550340" y="335891"/>
+            <a:ext cx="8253023" cy="739443"/>
           </a:xfrm>
         </p:spPr>
         <p:txBody>
@@ -3872,7 +3685,7 @@
           <a:lstStyle/>
           <a:p>
             <a:r>
-              <a:rPr lang="en-US" altLang="ja-JP">
+              <a:rPr lang="en-US" altLang="ja-JP" dirty="0">
                 <a:solidFill>
                   <a:schemeClr val="accent1"/>
                 </a:solidFill>
@@ -3882,7 +3695,7 @@
               <a:t>WFST</a:t>
             </a:r>
             <a:r>
-              <a:rPr lang="ja-JP" altLang="en-US">
+              <a:rPr lang="ja-JP" altLang="en-US" dirty="0">
                 <a:solidFill>
                   <a:schemeClr val="accent1"/>
                 </a:solidFill>
@@ -3891,7 +3704,7 @@
               </a:rPr>
               <a:t>によるデコードのアイディア</a:t>
             </a:r>
-            <a:endParaRPr kumimoji="1" lang="ja-JP" altLang="en-US">
+            <a:endParaRPr kumimoji="1" lang="ja-JP" altLang="en-US" dirty="0">
               <a:solidFill>
                 <a:schemeClr val="accent1"/>
               </a:solidFill>
@@ -3919,8 +3732,8 @@
         </p:nvSpPr>
         <p:spPr>
           <a:xfrm>
-            <a:off x="628649" y="1341619"/>
-            <a:ext cx="7886700" cy="5081666"/>
+            <a:off x="841248" y="1075334"/>
+            <a:ext cx="10800412" cy="5081666"/>
           </a:xfrm>
         </p:spPr>
         <p:txBody>
@@ -3933,31 +3746,37 @@
               <a:lnSpc>
                 <a:spcPct val="100000"/>
               </a:lnSpc>
+              <a:spcBef>
+                <a:spcPts val="600"/>
+              </a:spcBef>
+              <a:spcAft>
+                <a:spcPts val="600"/>
+              </a:spcAft>
               <a:buFont typeface="+mj-lt"/>
               <a:buAutoNum type="arabicPeriod"/>
             </a:pPr>
             <a:r>
-              <a:rPr lang="ja-JP" altLang="en-US">
+              <a:rPr lang="ja-JP" altLang="en-US" dirty="0">
                 <a:latin typeface="メイリオ" panose="020B0604030504040204" pitchFamily="50" charset="-128"/>
                 <a:ea typeface="メイリオ" panose="020B0604030504040204" pitchFamily="50" charset="-128"/>
               </a:rPr>
               <a:t>確率モデルの</a:t>
             </a:r>
             <a:r>
-              <a:rPr lang="en-US" altLang="ja-JP">
+              <a:rPr lang="en-US" altLang="ja-JP" dirty="0">
                 <a:latin typeface="メイリオ" panose="020B0604030504040204" pitchFamily="50" charset="-128"/>
                 <a:ea typeface="メイリオ" panose="020B0604030504040204" pitchFamily="50" charset="-128"/>
               </a:rPr>
               <a:t>WFST</a:t>
             </a:r>
             <a:r>
-              <a:rPr lang="ja-JP" altLang="en-US">
+              <a:rPr lang="ja-JP" altLang="en-US" dirty="0">
                 <a:latin typeface="メイリオ" panose="020B0604030504040204" pitchFamily="50" charset="-128"/>
                 <a:ea typeface="メイリオ" panose="020B0604030504040204" pitchFamily="50" charset="-128"/>
               </a:rPr>
               <a:t>への変換</a:t>
             </a:r>
-            <a:endParaRPr lang="en-US" altLang="ja-JP">
+            <a:endParaRPr lang="en-US" altLang="ja-JP" dirty="0">
               <a:latin typeface="メイリオ" panose="020B0604030504040204" pitchFamily="50" charset="-128"/>
               <a:ea typeface="メイリオ" panose="020B0604030504040204" pitchFamily="50" charset="-128"/>
             </a:endParaRPr>
@@ -3967,37 +3786,43 @@
               <a:lnSpc>
                 <a:spcPct val="100000"/>
               </a:lnSpc>
+              <a:spcBef>
+                <a:spcPts val="600"/>
+              </a:spcBef>
+              <a:spcAft>
+                <a:spcPts val="600"/>
+              </a:spcAft>
             </a:pPr>
             <a:r>
-              <a:rPr lang="ja-JP" altLang="en-US">
+              <a:rPr lang="ja-JP" altLang="en-US" dirty="0">
                 <a:latin typeface="メイリオ" panose="020B0604030504040204" pitchFamily="50" charset="-128"/>
                 <a:ea typeface="メイリオ" panose="020B0604030504040204" pitchFamily="50" charset="-128"/>
               </a:rPr>
               <a:t>音声認識に用いる確率モデル（</a:t>
             </a:r>
             <a:r>
-              <a:rPr lang="en-US" altLang="ja-JP">
+              <a:rPr lang="en-US" altLang="ja-JP" dirty="0">
                 <a:latin typeface="メイリオ" panose="020B0604030504040204" pitchFamily="50" charset="-128"/>
                 <a:ea typeface="メイリオ" panose="020B0604030504040204" pitchFamily="50" charset="-128"/>
               </a:rPr>
               <a:t>HMM</a:t>
             </a:r>
             <a:r>
-              <a:rPr lang="ja-JP" altLang="en-US">
+              <a:rPr lang="ja-JP" altLang="en-US" dirty="0">
                 <a:latin typeface="メイリオ" panose="020B0604030504040204" pitchFamily="50" charset="-128"/>
                 <a:ea typeface="メイリオ" panose="020B0604030504040204" pitchFamily="50" charset="-128"/>
               </a:rPr>
               <a:t>、単語辞書、言語モデル）は</a:t>
             </a:r>
             <a:r>
-              <a:rPr lang="en-US" altLang="ja-JP">
+              <a:rPr lang="en-US" altLang="ja-JP" dirty="0">
                 <a:latin typeface="メイリオ" panose="020B0604030504040204" pitchFamily="50" charset="-128"/>
                 <a:ea typeface="メイリオ" panose="020B0604030504040204" pitchFamily="50" charset="-128"/>
               </a:rPr>
               <a:t>WFST</a:t>
             </a:r>
             <a:r>
-              <a:rPr lang="ja-JP" altLang="en-US">
+              <a:rPr lang="ja-JP" altLang="en-US" dirty="0">
                 <a:latin typeface="メイリオ" panose="020B0604030504040204" pitchFamily="50" charset="-128"/>
                 <a:ea typeface="メイリオ" panose="020B0604030504040204" pitchFamily="50" charset="-128"/>
               </a:rPr>
@@ -4009,24 +3834,30 @@
               <a:lnSpc>
                 <a:spcPct val="100000"/>
               </a:lnSpc>
+              <a:spcBef>
+                <a:spcPts val="600"/>
+              </a:spcBef>
+              <a:spcAft>
+                <a:spcPts val="600"/>
+              </a:spcAft>
               <a:buFont typeface="+mj-lt"/>
               <a:buAutoNum type="arabicPeriod"/>
             </a:pPr>
             <a:r>
-              <a:rPr lang="en-US" altLang="ja-JP">
+              <a:rPr lang="en-US" altLang="ja-JP" dirty="0">
                 <a:latin typeface="メイリオ" panose="020B0604030504040204" pitchFamily="50" charset="-128"/>
                 <a:ea typeface="メイリオ" panose="020B0604030504040204" pitchFamily="50" charset="-128"/>
               </a:rPr>
               <a:t>WFST</a:t>
             </a:r>
             <a:r>
-              <a:rPr lang="ja-JP" altLang="en-US">
+              <a:rPr lang="ja-JP" altLang="en-US" dirty="0">
                 <a:latin typeface="メイリオ" panose="020B0604030504040204" pitchFamily="50" charset="-128"/>
                 <a:ea typeface="メイリオ" panose="020B0604030504040204" pitchFamily="50" charset="-128"/>
               </a:rPr>
               <a:t>の合成</a:t>
             </a:r>
-            <a:endParaRPr lang="en-US" altLang="ja-JP">
+            <a:endParaRPr lang="en-US" altLang="ja-JP" dirty="0">
               <a:latin typeface="メイリオ" panose="020B0604030504040204" pitchFamily="50" charset="-128"/>
               <a:ea typeface="メイリオ" panose="020B0604030504040204" pitchFamily="50" charset="-128"/>
             </a:endParaRPr>
@@ -4036,135 +3867,141 @@
               <a:lnSpc>
                 <a:spcPct val="100000"/>
               </a:lnSpc>
+              <a:spcBef>
+                <a:spcPts val="600"/>
+              </a:spcBef>
+              <a:spcAft>
+                <a:spcPts val="600"/>
+              </a:spcAft>
             </a:pPr>
             <a:r>
-              <a:rPr lang="ja-JP" altLang="en-US">
+              <a:rPr lang="ja-JP" altLang="en-US" dirty="0">
                 <a:latin typeface="メイリオ" panose="020B0604030504040204" pitchFamily="50" charset="-128"/>
                 <a:ea typeface="メイリオ" panose="020B0604030504040204" pitchFamily="50" charset="-128"/>
               </a:rPr>
               <a:t>記号列</a:t>
             </a:r>
             <a:r>
-              <a:rPr lang="en-US" altLang="ja-JP">
+              <a:rPr lang="en-US" altLang="ja-JP" dirty="0">
                 <a:latin typeface="メイリオ" panose="020B0604030504040204" pitchFamily="50" charset="-128"/>
                 <a:ea typeface="メイリオ" panose="020B0604030504040204" pitchFamily="50" charset="-128"/>
               </a:rPr>
               <a:t>A</a:t>
             </a:r>
             <a:r>
-              <a:rPr lang="ja-JP" altLang="en-US">
+              <a:rPr lang="ja-JP" altLang="en-US" dirty="0">
                 <a:latin typeface="メイリオ" panose="020B0604030504040204" pitchFamily="50" charset="-128"/>
                 <a:ea typeface="メイリオ" panose="020B0604030504040204" pitchFamily="50" charset="-128"/>
               </a:rPr>
               <a:t>を記号列</a:t>
             </a:r>
             <a:r>
-              <a:rPr lang="en-US" altLang="ja-JP">
+              <a:rPr lang="en-US" altLang="ja-JP" dirty="0">
                 <a:latin typeface="メイリオ" panose="020B0604030504040204" pitchFamily="50" charset="-128"/>
                 <a:ea typeface="メイリオ" panose="020B0604030504040204" pitchFamily="50" charset="-128"/>
               </a:rPr>
               <a:t>B</a:t>
             </a:r>
             <a:r>
-              <a:rPr lang="ja-JP" altLang="en-US">
+              <a:rPr lang="ja-JP" altLang="en-US" dirty="0">
                 <a:latin typeface="メイリオ" panose="020B0604030504040204" pitchFamily="50" charset="-128"/>
                 <a:ea typeface="メイリオ" panose="020B0604030504040204" pitchFamily="50" charset="-128"/>
               </a:rPr>
               <a:t>に変換する</a:t>
             </a:r>
             <a:r>
-              <a:rPr lang="en-US" altLang="ja-JP">
+              <a:rPr lang="en-US" altLang="ja-JP" dirty="0">
                 <a:latin typeface="メイリオ" panose="020B0604030504040204" pitchFamily="50" charset="-128"/>
                 <a:ea typeface="メイリオ" panose="020B0604030504040204" pitchFamily="50" charset="-128"/>
               </a:rPr>
               <a:t>WFST1</a:t>
             </a:r>
             <a:r>
-              <a:rPr lang="ja-JP" altLang="en-US">
+              <a:rPr lang="ja-JP" altLang="en-US" dirty="0">
                 <a:latin typeface="メイリオ" panose="020B0604030504040204" pitchFamily="50" charset="-128"/>
                 <a:ea typeface="メイリオ" panose="020B0604030504040204" pitchFamily="50" charset="-128"/>
               </a:rPr>
               <a:t>と、記号列</a:t>
             </a:r>
             <a:r>
-              <a:rPr lang="en-US" altLang="ja-JP">
+              <a:rPr lang="en-US" altLang="ja-JP" dirty="0">
                 <a:latin typeface="メイリオ" panose="020B0604030504040204" pitchFamily="50" charset="-128"/>
                 <a:ea typeface="メイリオ" panose="020B0604030504040204" pitchFamily="50" charset="-128"/>
               </a:rPr>
               <a:t>B</a:t>
             </a:r>
             <a:r>
-              <a:rPr lang="ja-JP" altLang="en-US">
+              <a:rPr lang="ja-JP" altLang="en-US" dirty="0">
                 <a:latin typeface="メイリオ" panose="020B0604030504040204" pitchFamily="50" charset="-128"/>
                 <a:ea typeface="メイリオ" panose="020B0604030504040204" pitchFamily="50" charset="-128"/>
               </a:rPr>
               <a:t>を記号列</a:t>
             </a:r>
             <a:r>
-              <a:rPr lang="en-US" altLang="ja-JP">
+              <a:rPr lang="en-US" altLang="ja-JP" dirty="0">
                 <a:latin typeface="メイリオ" panose="020B0604030504040204" pitchFamily="50" charset="-128"/>
                 <a:ea typeface="メイリオ" panose="020B0604030504040204" pitchFamily="50" charset="-128"/>
               </a:rPr>
               <a:t>C</a:t>
             </a:r>
             <a:r>
-              <a:rPr lang="ja-JP" altLang="en-US">
+              <a:rPr lang="ja-JP" altLang="en-US" dirty="0">
                 <a:latin typeface="メイリオ" panose="020B0604030504040204" pitchFamily="50" charset="-128"/>
                 <a:ea typeface="メイリオ" panose="020B0604030504040204" pitchFamily="50" charset="-128"/>
               </a:rPr>
               <a:t>に変換する</a:t>
             </a:r>
             <a:r>
-              <a:rPr lang="en-US" altLang="ja-JP">
+              <a:rPr lang="en-US" altLang="ja-JP" dirty="0">
                 <a:latin typeface="メイリオ" panose="020B0604030504040204" pitchFamily="50" charset="-128"/>
                 <a:ea typeface="メイリオ" panose="020B0604030504040204" pitchFamily="50" charset="-128"/>
               </a:rPr>
               <a:t>WFST2</a:t>
             </a:r>
             <a:r>
-              <a:rPr lang="ja-JP" altLang="en-US">
+              <a:rPr lang="ja-JP" altLang="en-US" dirty="0">
                 <a:latin typeface="メイリオ" panose="020B0604030504040204" pitchFamily="50" charset="-128"/>
                 <a:ea typeface="メイリオ" panose="020B0604030504040204" pitchFamily="50" charset="-128"/>
               </a:rPr>
               <a:t>を合成すると、記号列</a:t>
             </a:r>
             <a:r>
-              <a:rPr lang="en-US" altLang="ja-JP">
+              <a:rPr lang="en-US" altLang="ja-JP" dirty="0">
                 <a:latin typeface="メイリオ" panose="020B0604030504040204" pitchFamily="50" charset="-128"/>
                 <a:ea typeface="メイリオ" panose="020B0604030504040204" pitchFamily="50" charset="-128"/>
               </a:rPr>
               <a:t>A</a:t>
             </a:r>
             <a:r>
-              <a:rPr lang="ja-JP" altLang="en-US">
+              <a:rPr lang="ja-JP" altLang="en-US" dirty="0">
                 <a:latin typeface="メイリオ" panose="020B0604030504040204" pitchFamily="50" charset="-128"/>
                 <a:ea typeface="メイリオ" panose="020B0604030504040204" pitchFamily="50" charset="-128"/>
               </a:rPr>
               <a:t>を記号列</a:t>
             </a:r>
             <a:r>
-              <a:rPr lang="en-US" altLang="ja-JP">
+              <a:rPr lang="en-US" altLang="ja-JP" dirty="0">
                 <a:latin typeface="メイリオ" panose="020B0604030504040204" pitchFamily="50" charset="-128"/>
                 <a:ea typeface="メイリオ" panose="020B0604030504040204" pitchFamily="50" charset="-128"/>
               </a:rPr>
               <a:t>C</a:t>
             </a:r>
             <a:r>
-              <a:rPr lang="ja-JP" altLang="en-US">
+              <a:rPr lang="ja-JP" altLang="en-US" dirty="0">
                 <a:latin typeface="メイリオ" panose="020B0604030504040204" pitchFamily="50" charset="-128"/>
                 <a:ea typeface="メイリオ" panose="020B0604030504040204" pitchFamily="50" charset="-128"/>
               </a:rPr>
               <a:t>に変換する</a:t>
             </a:r>
             <a:r>
-              <a:rPr lang="en-US" altLang="ja-JP">
+              <a:rPr lang="en-US" altLang="ja-JP" dirty="0">
                 <a:latin typeface="メイリオ" panose="020B0604030504040204" pitchFamily="50" charset="-128"/>
                 <a:ea typeface="メイリオ" panose="020B0604030504040204" pitchFamily="50" charset="-128"/>
               </a:rPr>
               <a:t>WFST</a:t>
             </a:r>
             <a:r>
-              <a:rPr lang="ja-JP" altLang="en-US">
+              <a:rPr lang="ja-JP" altLang="en-US" dirty="0">
                 <a:latin typeface="メイリオ" panose="020B0604030504040204" pitchFamily="50" charset="-128"/>
                 <a:ea typeface="メイリオ" panose="020B0604030504040204" pitchFamily="50" charset="-128"/>
               </a:rPr>
@@ -4176,17 +4013,23 @@
               <a:lnSpc>
                 <a:spcPct val="100000"/>
               </a:lnSpc>
+              <a:spcBef>
+                <a:spcPts val="600"/>
+              </a:spcBef>
+              <a:spcAft>
+                <a:spcPts val="600"/>
+              </a:spcAft>
               <a:buFont typeface="+mj-lt"/>
               <a:buAutoNum type="arabicPeriod"/>
             </a:pPr>
             <a:r>
-              <a:rPr lang="ja-JP" altLang="en-US">
+              <a:rPr lang="ja-JP" altLang="en-US" dirty="0">
                 <a:latin typeface="メイリオ" panose="020B0604030504040204" pitchFamily="50" charset="-128"/>
                 <a:ea typeface="メイリオ" panose="020B0604030504040204" pitchFamily="50" charset="-128"/>
               </a:rPr>
               <a:t>最適化</a:t>
             </a:r>
-            <a:endParaRPr lang="en-US" altLang="ja-JP">
+            <a:endParaRPr lang="en-US" altLang="ja-JP" dirty="0">
               <a:latin typeface="メイリオ" panose="020B0604030504040204" pitchFamily="50" charset="-128"/>
               <a:ea typeface="メイリオ" panose="020B0604030504040204" pitchFamily="50" charset="-128"/>
             </a:endParaRPr>
@@ -4196,36 +4039,42 @@
               <a:lnSpc>
                 <a:spcPct val="100000"/>
               </a:lnSpc>
+              <a:spcBef>
+                <a:spcPts val="600"/>
+              </a:spcBef>
+              <a:spcAft>
+                <a:spcPts val="600"/>
+              </a:spcAft>
             </a:pPr>
             <a:r>
-              <a:rPr lang="en-US" altLang="ja-JP">
+              <a:rPr lang="en-US" altLang="ja-JP" dirty="0">
                 <a:latin typeface="メイリオ" panose="020B0604030504040204" pitchFamily="50" charset="-128"/>
                 <a:ea typeface="メイリオ" panose="020B0604030504040204" pitchFamily="50" charset="-128"/>
               </a:rPr>
               <a:t>WFST</a:t>
             </a:r>
             <a:r>
-              <a:rPr lang="ja-JP" altLang="en-US">
+              <a:rPr lang="ja-JP" altLang="en-US" dirty="0">
                 <a:latin typeface="メイリオ" panose="020B0604030504040204" pitchFamily="50" charset="-128"/>
                 <a:ea typeface="メイリオ" panose="020B0604030504040204" pitchFamily="50" charset="-128"/>
               </a:rPr>
               <a:t>には、</a:t>
             </a:r>
             <a:r>
-              <a:rPr lang="en-US" altLang="ja-JP">
+              <a:rPr lang="en-US" altLang="ja-JP" dirty="0">
                 <a:latin typeface="メイリオ" panose="020B0604030504040204" pitchFamily="50" charset="-128"/>
                 <a:ea typeface="メイリオ" panose="020B0604030504040204" pitchFamily="50" charset="-128"/>
               </a:rPr>
               <a:t>FSA</a:t>
             </a:r>
             <a:r>
-              <a:rPr lang="ja-JP" altLang="en-US">
+              <a:rPr lang="ja-JP" altLang="en-US" dirty="0">
                 <a:latin typeface="メイリオ" panose="020B0604030504040204" pitchFamily="50" charset="-128"/>
                 <a:ea typeface="メイリオ" panose="020B0604030504040204" pitchFamily="50" charset="-128"/>
               </a:rPr>
               <a:t>と同様、決定化・最小化のアルゴリズムが存在する</a:t>
             </a:r>
-            <a:endParaRPr kumimoji="1" lang="ja-JP" altLang="en-US">
+            <a:endParaRPr kumimoji="1" lang="ja-JP" altLang="en-US" dirty="0">
               <a:latin typeface="メイリオ" panose="020B0604030504040204" pitchFamily="50" charset="-128"/>
               <a:ea typeface="メイリオ" panose="020B0604030504040204" pitchFamily="50" charset="-128"/>
             </a:endParaRPr>
@@ -4290,7 +4139,7 @@
         </p:blipFill>
         <p:spPr>
           <a:xfrm>
-            <a:off x="2151461" y="2248526"/>
+            <a:off x="4209470" y="2110231"/>
             <a:ext cx="5065360" cy="4392116"/>
           </a:xfrm>
           <a:prstGeom prst="rect">
@@ -4316,7 +4165,7 @@
         </p:nvSpPr>
         <p:spPr>
           <a:xfrm>
-            <a:off x="628650" y="275186"/>
+            <a:off x="484784" y="355653"/>
             <a:ext cx="7886700" cy="729156"/>
           </a:xfrm>
         </p:spPr>
@@ -4327,7 +4176,7 @@
           <a:lstStyle/>
           <a:p>
             <a:r>
-              <a:rPr lang="en-US" altLang="ja-JP">
+              <a:rPr lang="en-US" altLang="ja-JP" dirty="0">
                 <a:solidFill>
                   <a:schemeClr val="accent1"/>
                 </a:solidFill>
@@ -4337,7 +4186,7 @@
               <a:t>10.1 WFST </a:t>
             </a:r>
             <a:r>
-              <a:rPr lang="ja-JP" altLang="en-US">
+              <a:rPr lang="ja-JP" altLang="en-US" dirty="0">
                 <a:solidFill>
                   <a:schemeClr val="accent1"/>
                 </a:solidFill>
@@ -4346,7 +4195,7 @@
               </a:rPr>
               <a:t>の合成演算</a:t>
             </a:r>
-            <a:endParaRPr kumimoji="1" lang="ja-JP" altLang="en-US">
+            <a:endParaRPr kumimoji="1" lang="ja-JP" altLang="en-US" dirty="0">
               <a:solidFill>
                 <a:schemeClr val="accent1"/>
               </a:solidFill>
@@ -4374,8 +4223,8 @@
         </p:nvSpPr>
         <p:spPr>
           <a:xfrm>
-            <a:off x="628650" y="1004342"/>
-            <a:ext cx="7886700" cy="4351338"/>
+            <a:off x="811987" y="1004342"/>
+            <a:ext cx="10895229" cy="4351338"/>
           </a:xfrm>
         </p:spPr>
         <p:txBody>
@@ -4388,20 +4237,20 @@
               </a:lnSpc>
             </a:pPr>
             <a:r>
-              <a:rPr kumimoji="1" lang="en-US" altLang="ja-JP">
+              <a:rPr kumimoji="1" lang="en-US" altLang="ja-JP" dirty="0">
                 <a:latin typeface="メイリオ" panose="020B0604030504040204" pitchFamily="50" charset="-128"/>
                 <a:ea typeface="メイリオ" panose="020B0604030504040204" pitchFamily="50" charset="-128"/>
               </a:rPr>
               <a:t>FST</a:t>
             </a:r>
             <a:r>
-              <a:rPr kumimoji="1" lang="ja-JP" altLang="en-US">
+              <a:rPr kumimoji="1" lang="ja-JP" altLang="en-US" dirty="0">
                 <a:latin typeface="メイリオ" panose="020B0604030504040204" pitchFamily="50" charset="-128"/>
                 <a:ea typeface="メイリオ" panose="020B0604030504040204" pitchFamily="50" charset="-128"/>
               </a:rPr>
               <a:t>の合成</a:t>
             </a:r>
-            <a:endParaRPr kumimoji="1" lang="en-US" altLang="ja-JP">
+            <a:endParaRPr kumimoji="1" lang="en-US" altLang="ja-JP" dirty="0">
               <a:latin typeface="メイリオ" panose="020B0604030504040204" pitchFamily="50" charset="-128"/>
               <a:ea typeface="メイリオ" panose="020B0604030504040204" pitchFamily="50" charset="-128"/>
             </a:endParaRPr>
@@ -4413,154 +4262,154 @@
               </a:lnSpc>
             </a:pPr>
             <a:r>
-              <a:rPr kumimoji="1" lang="en-US" altLang="ja-JP">
+              <a:rPr kumimoji="1" lang="en-US" altLang="ja-JP" dirty="0">
                 <a:latin typeface="メイリオ" panose="020B0604030504040204" pitchFamily="50" charset="-128"/>
                 <a:ea typeface="メイリオ" panose="020B0604030504040204" pitchFamily="50" charset="-128"/>
               </a:rPr>
               <a:t>2</a:t>
             </a:r>
             <a:r>
-              <a:rPr kumimoji="1" lang="ja-JP" altLang="en-US">
+              <a:rPr kumimoji="1" lang="ja-JP" altLang="en-US" dirty="0">
                 <a:latin typeface="メイリオ" panose="020B0604030504040204" pitchFamily="50" charset="-128"/>
                 <a:ea typeface="メイリオ" panose="020B0604030504040204" pitchFamily="50" charset="-128"/>
               </a:rPr>
               <a:t>つの</a:t>
             </a:r>
             <a:r>
-              <a:rPr kumimoji="1" lang="en-US" altLang="ja-JP">
+              <a:rPr kumimoji="1" lang="en-US" altLang="ja-JP" dirty="0">
                 <a:latin typeface="メイリオ" panose="020B0604030504040204" pitchFamily="50" charset="-128"/>
                 <a:ea typeface="メイリオ" panose="020B0604030504040204" pitchFamily="50" charset="-128"/>
               </a:rPr>
               <a:t>FST </a:t>
             </a:r>
             <a:r>
-              <a:rPr kumimoji="1" lang="en-US" altLang="ja-JP" i="1">
+              <a:rPr kumimoji="1" lang="en-US" altLang="ja-JP" i="1" dirty="0">
                 <a:latin typeface="Century Schoolbook" panose="02040604050505020304" pitchFamily="18" charset="0"/>
                 <a:ea typeface="メイリオ" panose="020B0604030504040204" pitchFamily="50" charset="-128"/>
               </a:rPr>
               <a:t>T</a:t>
             </a:r>
             <a:r>
-              <a:rPr kumimoji="1" lang="en-US" altLang="ja-JP" i="1" baseline="-25000">
+              <a:rPr kumimoji="1" lang="en-US" altLang="ja-JP" i="1" baseline="-25000" dirty="0">
                 <a:latin typeface="Century Schoolbook" panose="02040604050505020304" pitchFamily="18" charset="0"/>
                 <a:ea typeface="メイリオ" panose="020B0604030504040204" pitchFamily="50" charset="-128"/>
               </a:rPr>
               <a:t>1</a:t>
             </a:r>
             <a:r>
-              <a:rPr kumimoji="1" lang="en-US" altLang="ja-JP">
+              <a:rPr kumimoji="1" lang="en-US" altLang="ja-JP" dirty="0">
                 <a:latin typeface="メイリオ" panose="020B0604030504040204" pitchFamily="50" charset="-128"/>
                 <a:ea typeface="メイリオ" panose="020B0604030504040204" pitchFamily="50" charset="-128"/>
               </a:rPr>
               <a:t>, </a:t>
             </a:r>
             <a:r>
-              <a:rPr lang="en-US" altLang="ja-JP" i="1">
+              <a:rPr lang="en-US" altLang="ja-JP" i="1" dirty="0">
                 <a:latin typeface="Century Schoolbook" panose="02040604050505020304" pitchFamily="18" charset="0"/>
                 <a:ea typeface="メイリオ" panose="020B0604030504040204" pitchFamily="50" charset="-128"/>
               </a:rPr>
               <a:t>T</a:t>
             </a:r>
             <a:r>
-              <a:rPr lang="en-US" altLang="ja-JP" i="1" baseline="-25000">
+              <a:rPr lang="en-US" altLang="ja-JP" i="1" baseline="-25000" dirty="0">
                 <a:latin typeface="Century Schoolbook" panose="02040604050505020304" pitchFamily="18" charset="0"/>
                 <a:ea typeface="メイリオ" panose="020B0604030504040204" pitchFamily="50" charset="-128"/>
               </a:rPr>
               <a:t>2</a:t>
             </a:r>
             <a:r>
-              <a:rPr kumimoji="1" lang="ja-JP" altLang="en-US">
+              <a:rPr kumimoji="1" lang="ja-JP" altLang="en-US" dirty="0">
                 <a:latin typeface="メイリオ" panose="020B0604030504040204" pitchFamily="50" charset="-128"/>
                 <a:ea typeface="メイリオ" panose="020B0604030504040204" pitchFamily="50" charset="-128"/>
               </a:rPr>
               <a:t>において、 </a:t>
             </a:r>
             <a:r>
-              <a:rPr lang="en-US" altLang="ja-JP" i="1">
+              <a:rPr lang="en-US" altLang="ja-JP" i="1" dirty="0">
                 <a:latin typeface="Century Schoolbook" panose="02040604050505020304" pitchFamily="18" charset="0"/>
                 <a:ea typeface="メイリオ" panose="020B0604030504040204" pitchFamily="50" charset="-128"/>
               </a:rPr>
               <a:t>T</a:t>
             </a:r>
             <a:r>
-              <a:rPr lang="en-US" altLang="ja-JP" i="1" baseline="-25000">
+              <a:rPr lang="en-US" altLang="ja-JP" i="1" baseline="-25000" dirty="0">
                 <a:latin typeface="Century Schoolbook" panose="02040604050505020304" pitchFamily="18" charset="0"/>
                 <a:ea typeface="メイリオ" panose="020B0604030504040204" pitchFamily="50" charset="-128"/>
               </a:rPr>
               <a:t>1</a:t>
             </a:r>
             <a:r>
-              <a:rPr kumimoji="1" lang="ja-JP" altLang="en-US">
+              <a:rPr kumimoji="1" lang="ja-JP" altLang="en-US" dirty="0">
                 <a:latin typeface="メイリオ" panose="020B0604030504040204" pitchFamily="50" charset="-128"/>
                 <a:ea typeface="メイリオ" panose="020B0604030504040204" pitchFamily="50" charset="-128"/>
               </a:rPr>
               <a:t> の出力が </a:t>
             </a:r>
             <a:r>
-              <a:rPr lang="en-US" altLang="ja-JP" i="1">
+              <a:rPr lang="en-US" altLang="ja-JP" i="1" dirty="0">
                 <a:latin typeface="Century Schoolbook" panose="02040604050505020304" pitchFamily="18" charset="0"/>
                 <a:ea typeface="メイリオ" panose="020B0604030504040204" pitchFamily="50" charset="-128"/>
               </a:rPr>
               <a:t>T</a:t>
             </a:r>
             <a:r>
-              <a:rPr lang="en-US" altLang="ja-JP" i="1" baseline="-25000">
+              <a:rPr lang="en-US" altLang="ja-JP" i="1" baseline="-25000" dirty="0">
                 <a:latin typeface="Century Schoolbook" panose="02040604050505020304" pitchFamily="18" charset="0"/>
                 <a:ea typeface="メイリオ" panose="020B0604030504040204" pitchFamily="50" charset="-128"/>
               </a:rPr>
               <a:t>2</a:t>
             </a:r>
             <a:r>
-              <a:rPr kumimoji="1" lang="ja-JP" altLang="en-US">
+              <a:rPr kumimoji="1" lang="ja-JP" altLang="en-US" dirty="0">
                 <a:latin typeface="メイリオ" panose="020B0604030504040204" pitchFamily="50" charset="-128"/>
                 <a:ea typeface="メイリオ" panose="020B0604030504040204" pitchFamily="50" charset="-128"/>
               </a:rPr>
               <a:t> の入力となるとき、合成して </a:t>
             </a:r>
             <a:r>
-              <a:rPr lang="en-US" altLang="ja-JP" i="1">
+              <a:rPr lang="en-US" altLang="ja-JP" i="1" dirty="0">
                 <a:latin typeface="Century Schoolbook" panose="02040604050505020304" pitchFamily="18" charset="0"/>
                 <a:ea typeface="メイリオ" panose="020B0604030504040204" pitchFamily="50" charset="-128"/>
               </a:rPr>
               <a:t>T</a:t>
             </a:r>
             <a:r>
-              <a:rPr lang="en-US" altLang="ja-JP" i="1" baseline="-25000">
+              <a:rPr lang="en-US" altLang="ja-JP" i="1" baseline="-25000" dirty="0">
                 <a:latin typeface="Century Schoolbook" panose="02040604050505020304" pitchFamily="18" charset="0"/>
                 <a:ea typeface="メイリオ" panose="020B0604030504040204" pitchFamily="50" charset="-128"/>
               </a:rPr>
               <a:t>1</a:t>
             </a:r>
             <a:r>
-              <a:rPr lang="en-US" altLang="ja-JP" i="1">
+              <a:rPr lang="en-US" altLang="ja-JP" i="1" dirty="0">
                 <a:latin typeface="Century Schoolbook" panose="02040604050505020304" pitchFamily="18" charset="0"/>
                 <a:ea typeface="メイリオ" panose="020B0604030504040204" pitchFamily="50" charset="-128"/>
               </a:rPr>
               <a:t> </a:t>
             </a:r>
             <a:r>
-              <a:rPr lang="ja-JP" altLang="en-US" sz="700" i="1">
+              <a:rPr lang="ja-JP" altLang="en-US" sz="700" i="1" dirty="0">
                 <a:latin typeface="Century Schoolbook" panose="02040604050505020304" pitchFamily="18" charset="0"/>
                 <a:ea typeface="メイリオ" panose="020B0604030504040204" pitchFamily="50" charset="-128"/>
               </a:rPr>
               <a:t>○</a:t>
             </a:r>
             <a:r>
-              <a:rPr lang="en-US" altLang="ja-JP" i="1">
+              <a:rPr lang="en-US" altLang="ja-JP" i="1" dirty="0">
                 <a:latin typeface="Century Schoolbook" panose="02040604050505020304" pitchFamily="18" charset="0"/>
                 <a:ea typeface="メイリオ" panose="020B0604030504040204" pitchFamily="50" charset="-128"/>
               </a:rPr>
               <a:t>T</a:t>
             </a:r>
             <a:r>
-              <a:rPr lang="en-US" altLang="ja-JP" i="1" baseline="-25000">
+              <a:rPr lang="en-US" altLang="ja-JP" i="1" baseline="-25000" dirty="0">
                 <a:latin typeface="Century Schoolbook" panose="02040604050505020304" pitchFamily="18" charset="0"/>
                 <a:ea typeface="メイリオ" panose="020B0604030504040204" pitchFamily="50" charset="-128"/>
               </a:rPr>
               <a:t>2</a:t>
             </a:r>
             <a:r>
-              <a:rPr kumimoji="1" lang="ja-JP" altLang="en-US">
+              <a:rPr kumimoji="1" lang="ja-JP" altLang="en-US" dirty="0">
                 <a:latin typeface="メイリオ" panose="020B0604030504040204" pitchFamily="50" charset="-128"/>
                 <a:ea typeface="メイリオ" panose="020B0604030504040204" pitchFamily="50" charset="-128"/>
               </a:rPr>
@@ -4617,7 +4466,7 @@
         </p:nvSpPr>
         <p:spPr>
           <a:xfrm>
-            <a:off x="628650" y="365127"/>
+            <a:off x="521360" y="306606"/>
             <a:ext cx="7886700" cy="729156"/>
           </a:xfrm>
         </p:spPr>
@@ -4628,7 +4477,7 @@
           <a:lstStyle/>
           <a:p>
             <a:r>
-              <a:rPr lang="en-US" altLang="ja-JP">
+              <a:rPr lang="en-US" altLang="ja-JP" dirty="0">
                 <a:solidFill>
                   <a:schemeClr val="accent1"/>
                 </a:solidFill>
@@ -4638,7 +4487,7 @@
               <a:t>10.1 WFST </a:t>
             </a:r>
             <a:r>
-              <a:rPr lang="ja-JP" altLang="en-US">
+              <a:rPr lang="ja-JP" altLang="en-US" dirty="0">
                 <a:solidFill>
                   <a:schemeClr val="accent1"/>
                 </a:solidFill>
@@ -4647,7 +4496,7 @@
               </a:rPr>
               <a:t>の合成演算</a:t>
             </a:r>
-            <a:endParaRPr kumimoji="1" lang="ja-JP" altLang="en-US">
+            <a:endParaRPr kumimoji="1" lang="ja-JP" altLang="en-US" dirty="0">
               <a:solidFill>
                 <a:schemeClr val="accent1"/>
               </a:solidFill>
@@ -4675,8 +4524,8 @@
         </p:nvSpPr>
         <p:spPr>
           <a:xfrm>
-            <a:off x="628650" y="1181046"/>
-            <a:ext cx="7886700" cy="5092337"/>
+            <a:off x="797357" y="1181047"/>
+            <a:ext cx="10577779" cy="5092337"/>
           </a:xfrm>
         </p:spPr>
         <p:txBody>
@@ -4689,22 +4538,28 @@
               <a:lnSpc>
                 <a:spcPct val="100000"/>
               </a:lnSpc>
+              <a:spcBef>
+                <a:spcPts val="600"/>
+              </a:spcBef>
+              <a:spcAft>
+                <a:spcPts val="600"/>
+              </a:spcAft>
             </a:pPr>
             <a:r>
-              <a:rPr kumimoji="1" lang="en-US" altLang="ja-JP">
+              <a:rPr kumimoji="1" lang="en-US" altLang="ja-JP" dirty="0">
                 <a:latin typeface="メイリオ" panose="020B0604030504040204" pitchFamily="50" charset="-128"/>
                 <a:ea typeface="メイリオ" panose="020B0604030504040204" pitchFamily="50" charset="-128"/>
               </a:rPr>
               <a:t>WFST</a:t>
             </a:r>
             <a:r>
-              <a:rPr kumimoji="1" lang="ja-JP" altLang="en-US">
+              <a:rPr kumimoji="1" lang="ja-JP" altLang="en-US" dirty="0">
                 <a:latin typeface="メイリオ" panose="020B0604030504040204" pitchFamily="50" charset="-128"/>
                 <a:ea typeface="メイリオ" panose="020B0604030504040204" pitchFamily="50" charset="-128"/>
               </a:rPr>
               <a:t>の合成における重みの扱い</a:t>
             </a:r>
-            <a:endParaRPr kumimoji="1" lang="en-US" altLang="ja-JP">
+            <a:endParaRPr kumimoji="1" lang="en-US" altLang="ja-JP" dirty="0">
               <a:latin typeface="メイリオ" panose="020B0604030504040204" pitchFamily="50" charset="-128"/>
               <a:ea typeface="メイリオ" panose="020B0604030504040204" pitchFamily="50" charset="-128"/>
             </a:endParaRPr>
@@ -4714,15 +4569,21 @@
               <a:lnSpc>
                 <a:spcPct val="100000"/>
               </a:lnSpc>
+              <a:spcBef>
+                <a:spcPts val="600"/>
+              </a:spcBef>
+              <a:spcAft>
+                <a:spcPts val="600"/>
+              </a:spcAft>
             </a:pPr>
             <a:r>
-              <a:rPr kumimoji="1" lang="ja-JP" altLang="en-US">
+              <a:rPr kumimoji="1" lang="ja-JP" altLang="en-US" dirty="0">
                 <a:latin typeface="メイリオ" panose="020B0604030504040204" pitchFamily="50" charset="-128"/>
                 <a:ea typeface="メイリオ" panose="020B0604030504040204" pitchFamily="50" charset="-128"/>
               </a:rPr>
               <a:t>重みが確率値の場合、通常の合成では掛け算をおこなう</a:t>
             </a:r>
-            <a:endParaRPr kumimoji="1" lang="en-US" altLang="ja-JP">
+            <a:endParaRPr kumimoji="1" lang="en-US" altLang="ja-JP" dirty="0">
               <a:latin typeface="メイリオ" panose="020B0604030504040204" pitchFamily="50" charset="-128"/>
               <a:ea typeface="メイリオ" panose="020B0604030504040204" pitchFamily="50" charset="-128"/>
             </a:endParaRPr>
@@ -4732,15 +4593,21 @@
               <a:lnSpc>
                 <a:spcPct val="100000"/>
               </a:lnSpc>
+              <a:spcBef>
+                <a:spcPts val="600"/>
+              </a:spcBef>
+              <a:spcAft>
+                <a:spcPts val="600"/>
+              </a:spcAft>
             </a:pPr>
             <a:r>
-              <a:rPr kumimoji="1" lang="ja-JP" altLang="en-US">
-                <a:latin typeface="メイリオ" panose="020B0604030504040204" pitchFamily="50" charset="-128"/>
-                <a:ea typeface="メイリオ" panose="020B0604030504040204" pitchFamily="50" charset="-128"/>
-              </a:rPr>
-              <a:t>しかし、音声認識における探索では、確率の対数の負数をとった値に対して、ビタビアルゴリズムを適用する</a:t>
-            </a:r>
-            <a:endParaRPr kumimoji="1" lang="en-US" altLang="ja-JP">
+              <a:rPr kumimoji="1" lang="ja-JP" altLang="en-US" dirty="0">
+                <a:latin typeface="メイリオ" panose="020B0604030504040204" pitchFamily="50" charset="-128"/>
+                <a:ea typeface="メイリオ" panose="020B0604030504040204" pitchFamily="50" charset="-128"/>
+              </a:rPr>
+              <a:t>しかし音声認識における探索では、確率の対数の負数をとった値に対してビタビアルゴリズムを適用する</a:t>
+            </a:r>
+            <a:endParaRPr kumimoji="1" lang="en-US" altLang="ja-JP" dirty="0">
               <a:latin typeface="メイリオ" panose="020B0604030504040204" pitchFamily="50" charset="-128"/>
               <a:ea typeface="メイリオ" panose="020B0604030504040204" pitchFamily="50" charset="-128"/>
             </a:endParaRPr>
@@ -4750,15 +4617,21 @@
               <a:lnSpc>
                 <a:spcPct val="100000"/>
               </a:lnSpc>
+              <a:spcBef>
+                <a:spcPts val="600"/>
+              </a:spcBef>
+              <a:spcAft>
+                <a:spcPts val="600"/>
+              </a:spcAft>
             </a:pPr>
             <a:r>
-              <a:rPr kumimoji="1" lang="ja-JP" altLang="en-US">
+              <a:rPr kumimoji="1" lang="ja-JP" altLang="en-US" dirty="0">
                 <a:latin typeface="メイリオ" panose="020B0604030504040204" pitchFamily="50" charset="-128"/>
                 <a:ea typeface="メイリオ" panose="020B0604030504040204" pitchFamily="50" charset="-128"/>
               </a:rPr>
               <a:t>すなわち、確率の掛け算は足し算に、独立な確率の和は最小値演算になる</a:t>
             </a:r>
-            <a:endParaRPr kumimoji="1" lang="en-US" altLang="ja-JP">
+            <a:endParaRPr kumimoji="1" lang="en-US" altLang="ja-JP" dirty="0">
               <a:latin typeface="メイリオ" panose="020B0604030504040204" pitchFamily="50" charset="-128"/>
               <a:ea typeface="メイリオ" panose="020B0604030504040204" pitchFamily="50" charset="-128"/>
             </a:endParaRPr>
@@ -4768,57 +4641,63 @@
               <a:lnSpc>
                 <a:spcPct val="100000"/>
               </a:lnSpc>
+              <a:spcBef>
+                <a:spcPts val="600"/>
+              </a:spcBef>
+              <a:spcAft>
+                <a:spcPts val="600"/>
+              </a:spcAft>
             </a:pPr>
             <a:r>
-              <a:rPr kumimoji="1" lang="ja-JP" altLang="en-US">
+              <a:rPr kumimoji="1" lang="ja-JP" altLang="en-US" dirty="0">
                 <a:latin typeface="メイリオ" panose="020B0604030504040204" pitchFamily="50" charset="-128"/>
                 <a:ea typeface="メイリオ" panose="020B0604030504040204" pitchFamily="50" charset="-128"/>
               </a:rPr>
               <a:t>乗法演算が足し算、加法演算が最小値となる構造を</a:t>
             </a:r>
             <a:r>
-              <a:rPr kumimoji="1" lang="en-US" altLang="ja-JP">
+              <a:rPr kumimoji="1" lang="en-US" altLang="ja-JP" dirty="0">
                 <a:latin typeface="メイリオ" panose="020B0604030504040204" pitchFamily="50" charset="-128"/>
                 <a:ea typeface="メイリオ" panose="020B0604030504040204" pitchFamily="50" charset="-128"/>
               </a:rPr>
               <a:t>Tropical</a:t>
             </a:r>
             <a:r>
-              <a:rPr kumimoji="1" lang="ja-JP" altLang="en-US">
+              <a:rPr kumimoji="1" lang="ja-JP" altLang="en-US" dirty="0">
                 <a:latin typeface="メイリオ" panose="020B0604030504040204" pitchFamily="50" charset="-128"/>
                 <a:ea typeface="メイリオ" panose="020B0604030504040204" pitchFamily="50" charset="-128"/>
               </a:rPr>
               <a:t>半環とよぶ。</a:t>
             </a:r>
             <a:r>
-              <a:rPr lang="en-US" altLang="ja-JP">
+              <a:rPr lang="en-US" altLang="ja-JP" dirty="0">
                 <a:latin typeface="メイリオ" panose="020B0604030504040204" pitchFamily="50" charset="-128"/>
                 <a:ea typeface="メイリオ" panose="020B0604030504040204" pitchFamily="50" charset="-128"/>
               </a:rPr>
               <a:t> Tropical</a:t>
             </a:r>
             <a:r>
-              <a:rPr lang="ja-JP" altLang="en-US">
+              <a:rPr lang="ja-JP" altLang="en-US" dirty="0">
                 <a:latin typeface="メイリオ" panose="020B0604030504040204" pitchFamily="50" charset="-128"/>
                 <a:ea typeface="メイリオ" panose="020B0604030504040204" pitchFamily="50" charset="-128"/>
               </a:rPr>
               <a:t>半環は通常の確率演算と同じ構造を持っているので、この構造で</a:t>
             </a:r>
             <a:r>
-              <a:rPr lang="en-US" altLang="ja-JP">
+              <a:rPr lang="en-US" altLang="ja-JP" dirty="0">
                 <a:latin typeface="メイリオ" panose="020B0604030504040204" pitchFamily="50" charset="-128"/>
                 <a:ea typeface="メイリオ" panose="020B0604030504040204" pitchFamily="50" charset="-128"/>
               </a:rPr>
               <a:t>WFST</a:t>
             </a:r>
             <a:r>
-              <a:rPr lang="ja-JP" altLang="en-US">
+              <a:rPr lang="ja-JP" altLang="en-US" dirty="0">
                 <a:latin typeface="メイリオ" panose="020B0604030504040204" pitchFamily="50" charset="-128"/>
                 <a:ea typeface="メイリオ" panose="020B0604030504040204" pitchFamily="50" charset="-128"/>
               </a:rPr>
               <a:t>の合成をおこなうことができる</a:t>
             </a:r>
-            <a:endParaRPr kumimoji="1" lang="ja-JP" altLang="en-US">
+            <a:endParaRPr kumimoji="1" lang="ja-JP" altLang="en-US" dirty="0">
               <a:latin typeface="メイリオ" panose="020B0604030504040204" pitchFamily="50" charset="-128"/>
               <a:ea typeface="メイリオ" panose="020B0604030504040204" pitchFamily="50" charset="-128"/>
             </a:endParaRPr>
@@ -4873,7 +4752,7 @@
         </p:nvSpPr>
         <p:spPr>
           <a:xfrm>
-            <a:off x="628650" y="365127"/>
+            <a:off x="557936" y="379758"/>
             <a:ext cx="7886700" cy="729156"/>
           </a:xfrm>
         </p:spPr>
@@ -4884,7 +4763,7 @@
           <a:lstStyle/>
           <a:p>
             <a:r>
-              <a:rPr lang="en-US" altLang="ja-JP">
+              <a:rPr lang="en-US" altLang="ja-JP" dirty="0">
                 <a:solidFill>
                   <a:schemeClr val="accent1"/>
                 </a:solidFill>
@@ -4894,7 +4773,7 @@
               <a:t>10.1 WFST </a:t>
             </a:r>
             <a:r>
-              <a:rPr lang="ja-JP" altLang="en-US">
+              <a:rPr lang="ja-JP" altLang="en-US" dirty="0">
                 <a:solidFill>
                   <a:schemeClr val="accent1"/>
                 </a:solidFill>
@@ -4903,7 +4782,7 @@
               </a:rPr>
               <a:t>の合成演算</a:t>
             </a:r>
-            <a:endParaRPr kumimoji="1" lang="ja-JP" altLang="en-US">
+            <a:endParaRPr kumimoji="1" lang="ja-JP" altLang="en-US" dirty="0">
               <a:solidFill>
                 <a:schemeClr val="accent1"/>
               </a:solidFill>
@@ -4941,7 +4820,7 @@
         </p:blipFill>
         <p:spPr>
           <a:xfrm>
-            <a:off x="1064563" y="944117"/>
+            <a:off x="2588564" y="944118"/>
             <a:ext cx="6688085" cy="5651555"/>
           </a:xfrm>
           <a:prstGeom prst="rect">
@@ -4997,7 +4876,7 @@
         </p:nvSpPr>
         <p:spPr>
           <a:xfrm>
-            <a:off x="628650" y="365127"/>
+            <a:off x="645719" y="365127"/>
             <a:ext cx="7886700" cy="796612"/>
           </a:xfrm>
         </p:spPr>
@@ -5008,7 +4887,7 @@
           <a:lstStyle/>
           <a:p>
             <a:r>
-              <a:rPr lang="en-US" altLang="ja-JP">
+              <a:rPr lang="en-US" altLang="ja-JP" dirty="0">
                 <a:solidFill>
                   <a:schemeClr val="accent1"/>
                 </a:solidFill>
@@ -5018,7 +4897,7 @@
               <a:t>10.2 </a:t>
             </a:r>
             <a:r>
-              <a:rPr lang="ja-JP" altLang="en-US">
+              <a:rPr lang="ja-JP" altLang="en-US" dirty="0">
                 <a:solidFill>
                   <a:schemeClr val="accent1"/>
                 </a:solidFill>
@@ -5027,7 +4906,7 @@
               </a:rPr>
               <a:t>決定化</a:t>
             </a:r>
-            <a:endParaRPr kumimoji="1" lang="ja-JP" altLang="en-US">
+            <a:endParaRPr kumimoji="1" lang="ja-JP" altLang="en-US" dirty="0">
               <a:solidFill>
                 <a:schemeClr val="accent1"/>
               </a:solidFill>
@@ -5055,8 +4934,8 @@
         </p:nvSpPr>
         <p:spPr>
           <a:xfrm>
-            <a:off x="628650" y="1161739"/>
-            <a:ext cx="7886700" cy="4910294"/>
+            <a:off x="855878" y="1161739"/>
+            <a:ext cx="9183472" cy="4910294"/>
           </a:xfrm>
         </p:spPr>
         <p:txBody>
@@ -5069,27 +4948,27 @@
               </a:lnSpc>
             </a:pPr>
             <a:r>
-              <a:rPr kumimoji="1" lang="ja-JP" altLang="en-US">
+              <a:rPr kumimoji="1" lang="ja-JP" altLang="en-US" dirty="0">
                 <a:latin typeface="メイリオ" panose="020B0604030504040204" pitchFamily="50" charset="-128"/>
                 <a:ea typeface="メイリオ" panose="020B0604030504040204" pitchFamily="50" charset="-128"/>
               </a:rPr>
               <a:t>単純に合成した</a:t>
             </a:r>
             <a:r>
-              <a:rPr kumimoji="1" lang="en-US" altLang="ja-JP">
+              <a:rPr kumimoji="1" lang="en-US" altLang="ja-JP" dirty="0">
                 <a:latin typeface="メイリオ" panose="020B0604030504040204" pitchFamily="50" charset="-128"/>
                 <a:ea typeface="メイリオ" panose="020B0604030504040204" pitchFamily="50" charset="-128"/>
               </a:rPr>
               <a:t>WFST</a:t>
             </a:r>
             <a:r>
-              <a:rPr kumimoji="1" lang="ja-JP" altLang="en-US">
+              <a:rPr kumimoji="1" lang="ja-JP" altLang="en-US" dirty="0">
                 <a:latin typeface="メイリオ" panose="020B0604030504040204" pitchFamily="50" charset="-128"/>
                 <a:ea typeface="メイリオ" panose="020B0604030504040204" pitchFamily="50" charset="-128"/>
               </a:rPr>
               <a:t>は多くの非決定性をもつ</a:t>
             </a:r>
-            <a:endParaRPr kumimoji="1" lang="en-US" altLang="ja-JP">
+            <a:endParaRPr kumimoji="1" lang="en-US" altLang="ja-JP" dirty="0">
               <a:latin typeface="メイリオ" panose="020B0604030504040204" pitchFamily="50" charset="-128"/>
               <a:ea typeface="メイリオ" panose="020B0604030504040204" pitchFamily="50" charset="-128"/>
             </a:endParaRPr>
@@ -5102,7 +4981,7 @@
               <a:buNone/>
             </a:pPr>
             <a:r>
-              <a:rPr kumimoji="1" lang="ja-JP" altLang="en-US">
+              <a:rPr kumimoji="1" lang="ja-JP" altLang="en-US" dirty="0">
                 <a:latin typeface="メイリオ" panose="020B0604030504040204" pitchFamily="50" charset="-128"/>
                 <a:ea typeface="メイリオ" panose="020B0604030504040204" pitchFamily="50" charset="-128"/>
               </a:rPr>
@@ -5139,7 +5018,7 @@
         </p:blipFill>
         <p:spPr>
           <a:xfrm>
-            <a:off x="1918366" y="2061148"/>
+            <a:off x="3442367" y="2061149"/>
             <a:ext cx="5370723" cy="4647995"/>
           </a:xfrm>
           <a:prstGeom prst="rect">
@@ -5195,7 +5074,7 @@
         </p:nvSpPr>
         <p:spPr>
           <a:xfrm>
-            <a:off x="628650" y="365127"/>
+            <a:off x="528676" y="350187"/>
             <a:ext cx="7886700" cy="841582"/>
           </a:xfrm>
         </p:spPr>
@@ -5206,7 +5085,7 @@
           <a:lstStyle/>
           <a:p>
             <a:r>
-              <a:rPr lang="en-US" altLang="ja-JP">
+              <a:rPr lang="en-US" altLang="ja-JP" dirty="0">
                 <a:solidFill>
                   <a:schemeClr val="accent1"/>
                 </a:solidFill>
@@ -5216,7 +5095,7 @@
               <a:t>10.3 </a:t>
             </a:r>
             <a:r>
-              <a:rPr lang="ja-JP" altLang="en-US">
+              <a:rPr lang="ja-JP" altLang="en-US" dirty="0">
                 <a:solidFill>
                   <a:schemeClr val="accent1"/>
                 </a:solidFill>
@@ -5225,7 +5104,7 @@
               </a:rPr>
               <a:t>重み移動</a:t>
             </a:r>
-            <a:endParaRPr kumimoji="1" lang="ja-JP" altLang="en-US">
+            <a:endParaRPr kumimoji="1" lang="ja-JP" altLang="en-US" dirty="0">
               <a:solidFill>
                 <a:schemeClr val="accent1"/>
               </a:solidFill>
@@ -5253,8 +5132,8 @@
         </p:nvSpPr>
         <p:spPr>
           <a:xfrm>
-            <a:off x="456263" y="1116768"/>
-            <a:ext cx="7886700" cy="4970254"/>
+            <a:off x="731520" y="1116768"/>
+            <a:ext cx="9135443" cy="4970254"/>
           </a:xfrm>
         </p:spPr>
         <p:txBody>
@@ -5267,13 +5146,13 @@
               </a:lnSpc>
             </a:pPr>
             <a:r>
-              <a:rPr kumimoji="1" lang="ja-JP" altLang="en-US">
+              <a:rPr kumimoji="1" lang="ja-JP" altLang="en-US" dirty="0">
                 <a:latin typeface="メイリオ" panose="020B0604030504040204" pitchFamily="50" charset="-128"/>
                 <a:ea typeface="メイリオ" panose="020B0604030504040204" pitchFamily="50" charset="-128"/>
               </a:rPr>
               <a:t>前方の状態への重みの移動</a:t>
             </a:r>
-            <a:endParaRPr kumimoji="1" lang="en-US" altLang="ja-JP">
+            <a:endParaRPr kumimoji="1" lang="en-US" altLang="ja-JP" dirty="0">
               <a:latin typeface="メイリオ" panose="020B0604030504040204" pitchFamily="50" charset="-128"/>
               <a:ea typeface="メイリオ" panose="020B0604030504040204" pitchFamily="50" charset="-128"/>
             </a:endParaRPr>
@@ -5286,13 +5165,13 @@
               <a:buNone/>
             </a:pPr>
             <a:r>
-              <a:rPr kumimoji="1" lang="ja-JP" altLang="en-US">
-                <a:latin typeface="メイリオ" panose="020B0604030504040204" pitchFamily="50" charset="-128"/>
-                <a:ea typeface="メイリオ" panose="020B0604030504040204" pitchFamily="50" charset="-128"/>
-              </a:rPr>
-              <a:t>→ビームサーチで残すべき候補を適切に判定できる</a:t>
-            </a:r>
-            <a:endParaRPr kumimoji="1" lang="en-US" altLang="ja-JP">
+              <a:rPr kumimoji="1" lang="ja-JP" altLang="en-US" dirty="0">
+                <a:latin typeface="メイリオ" panose="020B0604030504040204" pitchFamily="50" charset="-128"/>
+                <a:ea typeface="メイリオ" panose="020B0604030504040204" pitchFamily="50" charset="-128"/>
+              </a:rPr>
+              <a:t>→ ビームサーチで残すべき候補を適切に判定できる</a:t>
+            </a:r>
+            <a:endParaRPr kumimoji="1" lang="en-US" altLang="ja-JP" dirty="0">
               <a:latin typeface="メイリオ" panose="020B0604030504040204" pitchFamily="50" charset="-128"/>
               <a:ea typeface="メイリオ" panose="020B0604030504040204" pitchFamily="50" charset="-128"/>
             </a:endParaRPr>
@@ -5305,11 +5184,11 @@
               <a:buNone/>
             </a:pPr>
             <a:r>
-              <a:rPr kumimoji="1" lang="ja-JP" altLang="en-US">
-                <a:latin typeface="メイリオ" panose="020B0604030504040204" pitchFamily="50" charset="-128"/>
-                <a:ea typeface="メイリオ" panose="020B0604030504040204" pitchFamily="50" charset="-128"/>
-              </a:rPr>
-              <a:t>→探索の高精度化</a:t>
+              <a:rPr kumimoji="1" lang="ja-JP" altLang="en-US" dirty="0">
+                <a:latin typeface="メイリオ" panose="020B0604030504040204" pitchFamily="50" charset="-128"/>
+                <a:ea typeface="メイリオ" panose="020B0604030504040204" pitchFamily="50" charset="-128"/>
+              </a:rPr>
+              <a:t>→ 探索の高精度化</a:t>
             </a:r>
           </a:p>
         </p:txBody>
@@ -5342,7 +5221,7 @@
         </p:blipFill>
         <p:spPr>
           <a:xfrm>
-            <a:off x="3693388" y="2031579"/>
+            <a:off x="5217388" y="2031579"/>
             <a:ext cx="4581182" cy="4562734"/>
           </a:xfrm>
           <a:prstGeom prst="rect">
@@ -5380,149 +5259,6 @@
           <a:chExt cx="0" cy="0"/>
         </a:xfrm>
       </p:grpSpPr>
-      <p:sp>
-        <p:nvSpPr>
-          <p:cNvPr id="2" name="タイトル 1">
-            <a:extLst>
-              <a:ext uri="{FF2B5EF4-FFF2-40B4-BE49-F238E27FC236}">
-                <a16:creationId xmlns:a16="http://schemas.microsoft.com/office/drawing/2014/main" id="{C01A0A7D-95DB-4BE0-BB05-9D38CB09D7B2}"/>
-              </a:ext>
-            </a:extLst>
-          </p:cNvPr>
-          <p:cNvSpPr>
-            <a:spLocks noGrp="1"/>
-          </p:cNvSpPr>
-          <p:nvPr>
-            <p:ph type="title"/>
-          </p:nvPr>
-        </p:nvSpPr>
-        <p:spPr>
-          <a:xfrm>
-            <a:off x="628650" y="365127"/>
-            <a:ext cx="7886700" cy="796612"/>
-          </a:xfrm>
-        </p:spPr>
-        <p:txBody>
-          <a:bodyPr>
-            <a:normAutofit/>
-          </a:bodyPr>
-          <a:lstStyle/>
-          <a:p>
-            <a:r>
-              <a:rPr lang="en-US" altLang="ja-JP">
-                <a:solidFill>
-                  <a:schemeClr val="accent1"/>
-                </a:solidFill>
-                <a:latin typeface="メイリオ" panose="020B0604030504040204" pitchFamily="50" charset="-128"/>
-                <a:ea typeface="メイリオ" panose="020B0604030504040204" pitchFamily="50" charset="-128"/>
-              </a:rPr>
-              <a:t>10.4 </a:t>
-            </a:r>
-            <a:r>
-              <a:rPr lang="ja-JP" altLang="en-US">
-                <a:solidFill>
-                  <a:schemeClr val="accent1"/>
-                </a:solidFill>
-                <a:latin typeface="メイリオ" panose="020B0604030504040204" pitchFamily="50" charset="-128"/>
-                <a:ea typeface="メイリオ" panose="020B0604030504040204" pitchFamily="50" charset="-128"/>
-              </a:rPr>
-              <a:t>最小化</a:t>
-            </a:r>
-            <a:endParaRPr kumimoji="1" lang="ja-JP" altLang="en-US">
-              <a:solidFill>
-                <a:schemeClr val="accent1"/>
-              </a:solidFill>
-              <a:latin typeface="メイリオ" panose="020B0604030504040204" pitchFamily="50" charset="-128"/>
-              <a:ea typeface="メイリオ" panose="020B0604030504040204" pitchFamily="50" charset="-128"/>
-            </a:endParaRPr>
-          </a:p>
-        </p:txBody>
-      </p:sp>
-      <p:sp>
-        <p:nvSpPr>
-          <p:cNvPr id="3" name="コンテンツ プレースホルダー 2">
-            <a:extLst>
-              <a:ext uri="{FF2B5EF4-FFF2-40B4-BE49-F238E27FC236}">
-                <a16:creationId xmlns:a16="http://schemas.microsoft.com/office/drawing/2014/main" id="{BCBD78F8-73A3-4063-A32F-DE823A5FAB99}"/>
-              </a:ext>
-            </a:extLst>
-          </p:cNvPr>
-          <p:cNvSpPr>
-            <a:spLocks noGrp="1"/>
-          </p:cNvSpPr>
-          <p:nvPr>
-            <p:ph idx="1"/>
-          </p:nvPr>
-        </p:nvSpPr>
-        <p:spPr>
-          <a:xfrm>
-            <a:off x="561194" y="1109272"/>
-            <a:ext cx="7886700" cy="4460590"/>
-          </a:xfrm>
-        </p:spPr>
-        <p:txBody>
-          <a:bodyPr/>
-          <a:lstStyle/>
-          <a:p>
-            <a:pPr>
-              <a:lnSpc>
-                <a:spcPct val="100000"/>
-              </a:lnSpc>
-            </a:pPr>
-            <a:r>
-              <a:rPr kumimoji="1" lang="en-US" altLang="ja-JP">
-                <a:latin typeface="メイリオ" panose="020B0604030504040204" pitchFamily="50" charset="-128"/>
-                <a:ea typeface="メイリオ" panose="020B0604030504040204" pitchFamily="50" charset="-128"/>
-              </a:rPr>
-              <a:t>WFST</a:t>
-            </a:r>
-            <a:r>
-              <a:rPr kumimoji="1" lang="ja-JP" altLang="en-US">
-                <a:latin typeface="メイリオ" panose="020B0604030504040204" pitchFamily="50" charset="-128"/>
-                <a:ea typeface="メイリオ" panose="020B0604030504040204" pitchFamily="50" charset="-128"/>
-              </a:rPr>
-              <a:t>の最小化手順</a:t>
-            </a:r>
-            <a:endParaRPr kumimoji="1" lang="en-US" altLang="ja-JP">
-              <a:latin typeface="メイリオ" panose="020B0604030504040204" pitchFamily="50" charset="-128"/>
-              <a:ea typeface="メイリオ" panose="020B0604030504040204" pitchFamily="50" charset="-128"/>
-            </a:endParaRPr>
-          </a:p>
-          <a:p>
-            <a:pPr lvl="1">
-              <a:lnSpc>
-                <a:spcPct val="100000"/>
-              </a:lnSpc>
-            </a:pPr>
-            <a:r>
-              <a:rPr kumimoji="1" lang="ja-JP" altLang="en-US">
-                <a:latin typeface="メイリオ" panose="020B0604030504040204" pitchFamily="50" charset="-128"/>
-                <a:ea typeface="メイリオ" panose="020B0604030504040204" pitchFamily="50" charset="-128"/>
-              </a:rPr>
-              <a:t>等価な状態を集合分割によって求める</a:t>
-            </a:r>
-            <a:endParaRPr kumimoji="1" lang="en-US" altLang="ja-JP">
-              <a:latin typeface="メイリオ" panose="020B0604030504040204" pitchFamily="50" charset="-128"/>
-              <a:ea typeface="メイリオ" panose="020B0604030504040204" pitchFamily="50" charset="-128"/>
-            </a:endParaRPr>
-          </a:p>
-          <a:p>
-            <a:pPr marL="457200" lvl="1" indent="0">
-              <a:lnSpc>
-                <a:spcPct val="100000"/>
-              </a:lnSpc>
-              <a:buNone/>
-            </a:pPr>
-            <a:r>
-              <a:rPr kumimoji="1" lang="ja-JP" altLang="en-US">
-                <a:latin typeface="メイリオ" panose="020B0604030504040204" pitchFamily="50" charset="-128"/>
-                <a:ea typeface="メイリオ" panose="020B0604030504040204" pitchFamily="50" charset="-128"/>
-              </a:rPr>
-              <a:t>→ 探索の高速化</a:t>
-            </a:r>
-          </a:p>
-        </p:txBody>
-      </p:sp>
       <p:pic>
         <p:nvPicPr>
           <p:cNvPr id="5" name="図 4">
@@ -5551,14 +5287,157 @@
         </p:blipFill>
         <p:spPr>
           <a:xfrm>
-            <a:off x="3584597" y="2080634"/>
-            <a:ext cx="3924495" cy="4582494"/>
+            <a:off x="6298387" y="1293571"/>
+            <a:ext cx="4497669" cy="5251769"/>
           </a:xfrm>
           <a:prstGeom prst="rect">
             <a:avLst/>
           </a:prstGeom>
         </p:spPr>
       </p:pic>
+      <p:sp>
+        <p:nvSpPr>
+          <p:cNvPr id="2" name="タイトル 1">
+            <a:extLst>
+              <a:ext uri="{FF2B5EF4-FFF2-40B4-BE49-F238E27FC236}">
+                <a16:creationId xmlns:a16="http://schemas.microsoft.com/office/drawing/2014/main" id="{C01A0A7D-95DB-4BE0-BB05-9D38CB09D7B2}"/>
+              </a:ext>
+            </a:extLst>
+          </p:cNvPr>
+          <p:cNvSpPr>
+            <a:spLocks noGrp="1"/>
+          </p:cNvSpPr>
+          <p:nvPr>
+            <p:ph type="title"/>
+          </p:nvPr>
+        </p:nvSpPr>
+        <p:spPr>
+          <a:xfrm>
+            <a:off x="462839" y="312660"/>
+            <a:ext cx="7886700" cy="796612"/>
+          </a:xfrm>
+        </p:spPr>
+        <p:txBody>
+          <a:bodyPr>
+            <a:normAutofit/>
+          </a:bodyPr>
+          <a:lstStyle/>
+          <a:p>
+            <a:r>
+              <a:rPr lang="en-US" altLang="ja-JP" dirty="0">
+                <a:solidFill>
+                  <a:schemeClr val="accent1"/>
+                </a:solidFill>
+                <a:latin typeface="メイリオ" panose="020B0604030504040204" pitchFamily="50" charset="-128"/>
+                <a:ea typeface="メイリオ" panose="020B0604030504040204" pitchFamily="50" charset="-128"/>
+              </a:rPr>
+              <a:t>10.4 </a:t>
+            </a:r>
+            <a:r>
+              <a:rPr lang="ja-JP" altLang="en-US" dirty="0">
+                <a:solidFill>
+                  <a:schemeClr val="accent1"/>
+                </a:solidFill>
+                <a:latin typeface="メイリオ" panose="020B0604030504040204" pitchFamily="50" charset="-128"/>
+                <a:ea typeface="メイリオ" panose="020B0604030504040204" pitchFamily="50" charset="-128"/>
+              </a:rPr>
+              <a:t>最小化</a:t>
+            </a:r>
+            <a:endParaRPr kumimoji="1" lang="ja-JP" altLang="en-US" dirty="0">
+              <a:solidFill>
+                <a:schemeClr val="accent1"/>
+              </a:solidFill>
+              <a:latin typeface="メイリオ" panose="020B0604030504040204" pitchFamily="50" charset="-128"/>
+              <a:ea typeface="メイリオ" panose="020B0604030504040204" pitchFamily="50" charset="-128"/>
+            </a:endParaRPr>
+          </a:p>
+        </p:txBody>
+      </p:sp>
+      <p:sp>
+        <p:nvSpPr>
+          <p:cNvPr id="3" name="コンテンツ プレースホルダー 2">
+            <a:extLst>
+              <a:ext uri="{FF2B5EF4-FFF2-40B4-BE49-F238E27FC236}">
+                <a16:creationId xmlns:a16="http://schemas.microsoft.com/office/drawing/2014/main" id="{BCBD78F8-73A3-4063-A32F-DE823A5FAB99}"/>
+              </a:ext>
+            </a:extLst>
+          </p:cNvPr>
+          <p:cNvSpPr>
+            <a:spLocks noGrp="1"/>
+          </p:cNvSpPr>
+          <p:nvPr>
+            <p:ph idx="1"/>
+          </p:nvPr>
+        </p:nvSpPr>
+        <p:spPr>
+          <a:xfrm>
+            <a:off x="848563" y="1109272"/>
+            <a:ext cx="9123331" cy="4460590"/>
+          </a:xfrm>
+        </p:spPr>
+        <p:txBody>
+          <a:bodyPr/>
+          <a:lstStyle/>
+          <a:p>
+            <a:pPr>
+              <a:lnSpc>
+                <a:spcPct val="100000"/>
+              </a:lnSpc>
+            </a:pPr>
+            <a:r>
+              <a:rPr kumimoji="1" lang="en-US" altLang="ja-JP" dirty="0">
+                <a:latin typeface="メイリオ" panose="020B0604030504040204" pitchFamily="50" charset="-128"/>
+                <a:ea typeface="メイリオ" panose="020B0604030504040204" pitchFamily="50" charset="-128"/>
+              </a:rPr>
+              <a:t>WFST</a:t>
+            </a:r>
+            <a:r>
+              <a:rPr kumimoji="1" lang="ja-JP" altLang="en-US" dirty="0">
+                <a:latin typeface="メイリオ" panose="020B0604030504040204" pitchFamily="50" charset="-128"/>
+                <a:ea typeface="メイリオ" panose="020B0604030504040204" pitchFamily="50" charset="-128"/>
+              </a:rPr>
+              <a:t>の最小化手順</a:t>
+            </a:r>
+            <a:endParaRPr kumimoji="1" lang="en-US" altLang="ja-JP" dirty="0">
+              <a:latin typeface="メイリオ" panose="020B0604030504040204" pitchFamily="50" charset="-128"/>
+              <a:ea typeface="メイリオ" panose="020B0604030504040204" pitchFamily="50" charset="-128"/>
+            </a:endParaRPr>
+          </a:p>
+          <a:p>
+            <a:pPr lvl="1">
+              <a:lnSpc>
+                <a:spcPct val="100000"/>
+              </a:lnSpc>
+            </a:pPr>
+            <a:r>
+              <a:rPr kumimoji="1" lang="ja-JP" altLang="en-US" dirty="0">
+                <a:latin typeface="メイリオ" panose="020B0604030504040204" pitchFamily="50" charset="-128"/>
+                <a:ea typeface="メイリオ" panose="020B0604030504040204" pitchFamily="50" charset="-128"/>
+              </a:rPr>
+              <a:t>等価な状態を集合分割によって求める</a:t>
+            </a:r>
+            <a:endParaRPr kumimoji="1" lang="en-US" altLang="ja-JP" dirty="0">
+              <a:latin typeface="メイリオ" panose="020B0604030504040204" pitchFamily="50" charset="-128"/>
+              <a:ea typeface="メイリオ" panose="020B0604030504040204" pitchFamily="50" charset="-128"/>
+            </a:endParaRPr>
+          </a:p>
+          <a:p>
+            <a:pPr marL="457200" lvl="1" indent="0">
+              <a:lnSpc>
+                <a:spcPct val="100000"/>
+              </a:lnSpc>
+              <a:buNone/>
+            </a:pPr>
+            <a:r>
+              <a:rPr kumimoji="1" lang="ja-JP" altLang="en-US" dirty="0">
+                <a:latin typeface="メイリオ" panose="020B0604030504040204" pitchFamily="50" charset="-128"/>
+                <a:ea typeface="メイリオ" panose="020B0604030504040204" pitchFamily="50" charset="-128"/>
+              </a:rPr>
+              <a:t>→ 探索の高速化</a:t>
+            </a:r>
+          </a:p>
+        </p:txBody>
+      </p:sp>
     </p:spTree>
     <p:extLst>
       <p:ext uri="{BB962C8B-B14F-4D97-AF65-F5344CB8AC3E}">
@@ -5575,7 +5454,7 @@
 <file path=ppt/theme/theme1.xml><?xml version="1.0" encoding="utf-8"?>
 <a:theme xmlns:a="http://schemas.openxmlformats.org/drawingml/2006/main" name="Office テーマ">
   <a:themeElements>
-    <a:clrScheme name="Office">
+    <a:clrScheme name="Office テーマ">
       <a:dk1>
         <a:sysClr val="windowText" lastClr="000000"/>
       </a:dk1>
@@ -5613,9 +5492,9 @@
         <a:srgbClr val="954F72"/>
       </a:folHlink>
     </a:clrScheme>
-    <a:fontScheme name="Office">
+    <a:fontScheme name="Office テーマ">
       <a:majorFont>
-        <a:latin typeface="游ゴシック Light" panose="020F0302020204030204"/>
+        <a:latin typeface="Calibri Light" panose="020F0302020204030204"/>
         <a:ea typeface=""/>
         <a:cs typeface=""/>
         <a:font script="Jpan" typeface="游ゴシック Light"/>
@@ -5648,26 +5527,9 @@
         <a:font script="Viet" typeface="Times New Roman"/>
         <a:font script="Uigh" typeface="Microsoft Uighur"/>
         <a:font script="Geor" typeface="Sylfaen"/>
-        <a:font script="Armn" typeface="Arial"/>
-        <a:font script="Bugi" typeface="Leelawadee UI"/>
-        <a:font script="Bopo" typeface="Microsoft JhengHei"/>
-        <a:font script="Java" typeface="Javanese Text"/>
-        <a:font script="Lisu" typeface="Segoe UI"/>
-        <a:font script="Mymr" typeface="Myanmar Text"/>
-        <a:font script="Nkoo" typeface="Ebrima"/>
-        <a:font script="Olck" typeface="Nirmala UI"/>
-        <a:font script="Osma" typeface="Ebrima"/>
-        <a:font script="Phag" typeface="Phagspa"/>
-        <a:font script="Syrn" typeface="Estrangelo Edessa"/>
-        <a:font script="Syrj" typeface="Estrangelo Edessa"/>
-        <a:font script="Syre" typeface="Estrangelo Edessa"/>
-        <a:font script="Sora" typeface="Nirmala UI"/>
-        <a:font script="Tale" typeface="Microsoft Tai Le"/>
-        <a:font script="Talu" typeface="Microsoft New Tai Lue"/>
-        <a:font script="Tfng" typeface="Ebrima"/>
       </a:majorFont>
       <a:minorFont>
-        <a:latin typeface="游ゴシック" panose="020F0502020204030204"/>
+        <a:latin typeface="Calibri" panose="020F0502020204030204"/>
         <a:ea typeface=""/>
         <a:cs typeface=""/>
         <a:font script="Jpan" typeface="游ゴシック"/>
@@ -5700,26 +5562,9 @@
         <a:font script="Viet" typeface="Arial"/>
         <a:font script="Uigh" typeface="Microsoft Uighur"/>
         <a:font script="Geor" typeface="Sylfaen"/>
-        <a:font script="Armn" typeface="Arial"/>
-        <a:font script="Bugi" typeface="Leelawadee UI"/>
-        <a:font script="Bopo" typeface="Microsoft JhengHei"/>
-        <a:font script="Java" typeface="Javanese Text"/>
-        <a:font script="Lisu" typeface="Segoe UI"/>
-        <a:font script="Mymr" typeface="Myanmar Text"/>
-        <a:font script="Nkoo" typeface="Ebrima"/>
-        <a:font script="Olck" typeface="Nirmala UI"/>
-        <a:font script="Osma" typeface="Ebrima"/>
-        <a:font script="Phag" typeface="Phagspa"/>
-        <a:font script="Syrn" typeface="Estrangelo Edessa"/>
-        <a:font script="Syrj" typeface="Estrangelo Edessa"/>
-        <a:font script="Syre" typeface="Estrangelo Edessa"/>
-        <a:font script="Sora" typeface="Nirmala UI"/>
-        <a:font script="Tale" typeface="Microsoft Tai Le"/>
-        <a:font script="Talu" typeface="Microsoft New Tai Lue"/>
-        <a:font script="Tfng" typeface="Ebrima"/>
       </a:minorFont>
     </a:fontScheme>
-    <a:fmtScheme name="Office">
+    <a:fmtScheme name="Office テーマ">
       <a:fillStyleLst>
         <a:solidFill>
           <a:schemeClr val="phClr"/>
@@ -5861,7 +5706,7 @@
   <a:extraClrSchemeLst/>
   <a:extLst>
     <a:ext uri="{05A4C25C-085E-4340-85A3-A5531E510DB2}">
-      <thm15:themeFamily xmlns:thm15="http://schemas.microsoft.com/office/thememl/2012/main" name="Office Theme" id="{62F939B6-93AF-4DB8-9C6B-D6C7DFDC589F}" vid="{4A3C46E8-61CC-4603-A589-7422A47A8E4A}"/>
+      <thm15:themeFamily xmlns:thm15="http://schemas.microsoft.com/office/thememl/2012/main" name="Office Theme 2013 - 2022" id="{62F939B6-93AF-4DB8-9C6B-D6C7DFDC589F}" vid="{4A3C46E8-61CC-4603-A589-7422A47A8E4A}"/>
     </a:ext>
   </a:extLst>
 </a:theme>
